--- a/stripe.pptx
+++ b/stripe.pptx
@@ -1,28 +1,28 @@
 
 <file path=ppt/presentation.xml><?xml version="1.0" encoding="utf-8"?>
-<p:presentation xmlns:a="http://schemas.openxmlformats.org/drawingml/2006/main" xmlns:r="http://schemas.openxmlformats.org/officeDocument/2006/relationships" xmlns:mc="http://schemas.openxmlformats.org/markup-compatibility/2006" xmlns:mv="urn:schemas-microsoft-com:mac:vml" xmlns:p="http://schemas.openxmlformats.org/presentationml/2006/main" xmlns:c="http://schemas.openxmlformats.org/drawingml/2006/chart" xmlns:dgm="http://schemas.openxmlformats.org/drawingml/2006/diagram" xmlns:o="urn:schemas-microsoft-com:office:office" xmlns:v="urn:schemas-microsoft-com:vml" xmlns:pvml="urn:schemas-microsoft-com:office:powerpoint" xmlns:com="http://schemas.openxmlformats.org/drawingml/2006/compatibility" xmlns:p14="http://schemas.microsoft.com/office/powerpoint/2010/main" xmlns:p15="http://schemas.microsoft.com/office/powerpoint/2012/main" xmlns:ahyp="http://schemas.microsoft.com/office/drawing/2018/hyperlinkcolor" autoCompressPictures="0" strictFirstAndLastChars="0" saveSubsetFonts="1">
+<p:presentation xmlns:a="http://schemas.openxmlformats.org/drawingml/2006/main" xmlns:r="http://schemas.openxmlformats.org/officeDocument/2006/relationships" xmlns:p="http://schemas.openxmlformats.org/presentationml/2006/main" strictFirstAndLastChars="0" saveSubsetFonts="1" autoCompressPictures="0">
   <p:sldMasterIdLst>
-    <p:sldMasterId id="2147483659" r:id="rId4"/>
+    <p:sldMasterId id="2147483659" r:id="rId1"/>
   </p:sldMasterIdLst>
   <p:notesMasterIdLst>
-    <p:notesMasterId r:id="rId5"/>
+    <p:notesMasterId r:id="rId12"/>
   </p:notesMasterIdLst>
   <p:sldIdLst>
-    <p:sldId id="256" r:id="rId6"/>
-    <p:sldId id="257" r:id="rId7"/>
-    <p:sldId id="258" r:id="rId8"/>
-    <p:sldId id="259" r:id="rId9"/>
-    <p:sldId id="260" r:id="rId10"/>
-    <p:sldId id="261" r:id="rId11"/>
-    <p:sldId id="262" r:id="rId12"/>
-    <p:sldId id="263" r:id="rId13"/>
-    <p:sldId id="264" r:id="rId14"/>
-    <p:sldId id="265" r:id="rId15"/>
+    <p:sldId id="256" r:id="rId2"/>
+    <p:sldId id="257" r:id="rId3"/>
+    <p:sldId id="258" r:id="rId4"/>
+    <p:sldId id="259" r:id="rId5"/>
+    <p:sldId id="260" r:id="rId6"/>
+    <p:sldId id="261" r:id="rId7"/>
+    <p:sldId id="262" r:id="rId8"/>
+    <p:sldId id="263" r:id="rId9"/>
+    <p:sldId id="264" r:id="rId10"/>
+    <p:sldId id="265" r:id="rId11"/>
   </p:sldIdLst>
-  <p:sldSz cy="5143500" cx="9144000"/>
+  <p:sldSz cx="9144000" cy="5143500" type="screen16x9"/>
   <p:notesSz cx="6858000" cy="9144000"/>
   <p:defaultTextStyle>
-    <a:defPPr lvl="0" marR="0" rtl="0" algn="l">
+    <a:defPPr marR="0" lvl="0" algn="l" rtl="0">
       <a:lnSpc>
         <a:spcPct val="100000"/>
       </a:lnSpc>
@@ -33,7 +33,7 @@
         <a:spcPts val="0"/>
       </a:spcAft>
     </a:defPPr>
-    <a:lvl1pPr lvl="0" marR="0" rtl="0" algn="l">
+    <a:lvl1pPr marR="0" lvl="0" algn="l" rtl="0">
       <a:lnSpc>
         <a:spcPct val="100000"/>
       </a:lnSpc>
@@ -47,7 +47,7 @@
         <a:srgbClr val="000000"/>
       </a:buClr>
       <a:buFont typeface="Arial"/>
-      <a:defRPr b="0" i="0" sz="1400" u="none" cap="none" strike="noStrike">
+      <a:defRPr sz="1400" b="0" i="0" u="none" strike="noStrike" cap="none">
         <a:solidFill>
           <a:srgbClr val="000000"/>
         </a:solidFill>
@@ -57,7 +57,7 @@
         <a:sym typeface="Arial"/>
       </a:defRPr>
     </a:lvl1pPr>
-    <a:lvl2pPr lvl="1" marR="0" rtl="0" algn="l">
+    <a:lvl2pPr marR="0" lvl="1" algn="l" rtl="0">
       <a:lnSpc>
         <a:spcPct val="100000"/>
       </a:lnSpc>
@@ -71,7 +71,7 @@
         <a:srgbClr val="000000"/>
       </a:buClr>
       <a:buFont typeface="Arial"/>
-      <a:defRPr b="0" i="0" sz="1400" u="none" cap="none" strike="noStrike">
+      <a:defRPr sz="1400" b="0" i="0" u="none" strike="noStrike" cap="none">
         <a:solidFill>
           <a:srgbClr val="000000"/>
         </a:solidFill>
@@ -81,7 +81,7 @@
         <a:sym typeface="Arial"/>
       </a:defRPr>
     </a:lvl2pPr>
-    <a:lvl3pPr lvl="2" marR="0" rtl="0" algn="l">
+    <a:lvl3pPr marR="0" lvl="2" algn="l" rtl="0">
       <a:lnSpc>
         <a:spcPct val="100000"/>
       </a:lnSpc>
@@ -95,7 +95,7 @@
         <a:srgbClr val="000000"/>
       </a:buClr>
       <a:buFont typeface="Arial"/>
-      <a:defRPr b="0" i="0" sz="1400" u="none" cap="none" strike="noStrike">
+      <a:defRPr sz="1400" b="0" i="0" u="none" strike="noStrike" cap="none">
         <a:solidFill>
           <a:srgbClr val="000000"/>
         </a:solidFill>
@@ -105,7 +105,7 @@
         <a:sym typeface="Arial"/>
       </a:defRPr>
     </a:lvl3pPr>
-    <a:lvl4pPr lvl="3" marR="0" rtl="0" algn="l">
+    <a:lvl4pPr marR="0" lvl="3" algn="l" rtl="0">
       <a:lnSpc>
         <a:spcPct val="100000"/>
       </a:lnSpc>
@@ -119,7 +119,7 @@
         <a:srgbClr val="000000"/>
       </a:buClr>
       <a:buFont typeface="Arial"/>
-      <a:defRPr b="0" i="0" sz="1400" u="none" cap="none" strike="noStrike">
+      <a:defRPr sz="1400" b="0" i="0" u="none" strike="noStrike" cap="none">
         <a:solidFill>
           <a:srgbClr val="000000"/>
         </a:solidFill>
@@ -129,7 +129,7 @@
         <a:sym typeface="Arial"/>
       </a:defRPr>
     </a:lvl4pPr>
-    <a:lvl5pPr lvl="4" marR="0" rtl="0" algn="l">
+    <a:lvl5pPr marR="0" lvl="4" algn="l" rtl="0">
       <a:lnSpc>
         <a:spcPct val="100000"/>
       </a:lnSpc>
@@ -143,7 +143,7 @@
         <a:srgbClr val="000000"/>
       </a:buClr>
       <a:buFont typeface="Arial"/>
-      <a:defRPr b="0" i="0" sz="1400" u="none" cap="none" strike="noStrike">
+      <a:defRPr sz="1400" b="0" i="0" u="none" strike="noStrike" cap="none">
         <a:solidFill>
           <a:srgbClr val="000000"/>
         </a:solidFill>
@@ -153,7 +153,7 @@
         <a:sym typeface="Arial"/>
       </a:defRPr>
     </a:lvl5pPr>
-    <a:lvl6pPr lvl="5" marR="0" rtl="0" algn="l">
+    <a:lvl6pPr marR="0" lvl="5" algn="l" rtl="0">
       <a:lnSpc>
         <a:spcPct val="100000"/>
       </a:lnSpc>
@@ -167,7 +167,7 @@
         <a:srgbClr val="000000"/>
       </a:buClr>
       <a:buFont typeface="Arial"/>
-      <a:defRPr b="0" i="0" sz="1400" u="none" cap="none" strike="noStrike">
+      <a:defRPr sz="1400" b="0" i="0" u="none" strike="noStrike" cap="none">
         <a:solidFill>
           <a:srgbClr val="000000"/>
         </a:solidFill>
@@ -177,7 +177,7 @@
         <a:sym typeface="Arial"/>
       </a:defRPr>
     </a:lvl6pPr>
-    <a:lvl7pPr lvl="6" marR="0" rtl="0" algn="l">
+    <a:lvl7pPr marR="0" lvl="6" algn="l" rtl="0">
       <a:lnSpc>
         <a:spcPct val="100000"/>
       </a:lnSpc>
@@ -191,7 +191,7 @@
         <a:srgbClr val="000000"/>
       </a:buClr>
       <a:buFont typeface="Arial"/>
-      <a:defRPr b="0" i="0" sz="1400" u="none" cap="none" strike="noStrike">
+      <a:defRPr sz="1400" b="0" i="0" u="none" strike="noStrike" cap="none">
         <a:solidFill>
           <a:srgbClr val="000000"/>
         </a:solidFill>
@@ -201,7 +201,7 @@
         <a:sym typeface="Arial"/>
       </a:defRPr>
     </a:lvl7pPr>
-    <a:lvl8pPr lvl="7" marR="0" rtl="0" algn="l">
+    <a:lvl8pPr marR="0" lvl="7" algn="l" rtl="0">
       <a:lnSpc>
         <a:spcPct val="100000"/>
       </a:lnSpc>
@@ -215,7 +215,7 @@
         <a:srgbClr val="000000"/>
       </a:buClr>
       <a:buFont typeface="Arial"/>
-      <a:defRPr b="0" i="0" sz="1400" u="none" cap="none" strike="noStrike">
+      <a:defRPr sz="1400" b="0" i="0" u="none" strike="noStrike" cap="none">
         <a:solidFill>
           <a:srgbClr val="000000"/>
         </a:solidFill>
@@ -225,7 +225,7 @@
         <a:sym typeface="Arial"/>
       </a:defRPr>
     </a:lvl8pPr>
-    <a:lvl9pPr lvl="8" marR="0" rtl="0" algn="l">
+    <a:lvl9pPr marR="0" lvl="8" algn="l" rtl="0">
       <a:lnSpc>
         <a:spcPct val="100000"/>
       </a:lnSpc>
@@ -239,7 +239,7 @@
         <a:srgbClr val="000000"/>
       </a:buClr>
       <a:buFont typeface="Arial"/>
-      <a:defRPr b="0" i="0" sz="1400" u="none" cap="none" strike="noStrike">
+      <a:defRPr sz="1400" b="0" i="0" u="none" strike="noStrike" cap="none">
         <a:solidFill>
           <a:srgbClr val="000000"/>
         </a:solidFill>
@@ -252,7 +252,7 @@
   </p:defaultTextStyle>
   <p:extLst>
     <p:ext uri="{EFAFB233-063F-42B5-8137-9DF3F51BA10A}">
-      <p15:sldGuideLst>
+      <p15:sldGuideLst xmlns:p15="http://schemas.microsoft.com/office/powerpoint/2012/main">
         <p15:guide id="1" orient="horz" pos="1620">
           <p15:clr>
             <a:srgbClr val="747775"/>
@@ -270,11 +270,16 @@
 </file>
 
 <file path=ppt/notesMasters/notesMaster1.xml><?xml version="1.0" encoding="utf-8"?>
-<p:notesMaster xmlns:a="http://schemas.openxmlformats.org/drawingml/2006/main" xmlns:r="http://schemas.openxmlformats.org/officeDocument/2006/relationships" xmlns:mc="http://schemas.openxmlformats.org/markup-compatibility/2006" xmlns:mv="urn:schemas-microsoft-com:mac:vml" xmlns:p="http://schemas.openxmlformats.org/presentationml/2006/main" xmlns:c="http://schemas.openxmlformats.org/drawingml/2006/chart" xmlns:dgm="http://schemas.openxmlformats.org/drawingml/2006/diagram" xmlns:o="urn:schemas-microsoft-com:office:office" xmlns:v="urn:schemas-microsoft-com:vml" xmlns:pvml="urn:schemas-microsoft-com:office:powerpoint" xmlns:com="http://schemas.openxmlformats.org/drawingml/2006/compatibility" xmlns:p14="http://schemas.microsoft.com/office/powerpoint/2010/main" xmlns:p15="http://schemas.microsoft.com/office/powerpoint/2012/main" xmlns:ahyp="http://schemas.microsoft.com/office/drawing/2018/hyperlinkcolor">
+<p:notesMaster xmlns:a="http://schemas.openxmlformats.org/drawingml/2006/main" xmlns:r="http://schemas.openxmlformats.org/officeDocument/2006/relationships" xmlns:p="http://schemas.openxmlformats.org/presentationml/2006/main">
   <p:cSld>
+    <p:bg>
+      <p:bgRef idx="1001">
+        <a:schemeClr val="bg1"/>
+      </p:bgRef>
+    </p:bg>
     <p:spTree>
       <p:nvGrpSpPr>
-        <p:cNvPr id="2" name="Shape 2"/>
+        <p:cNvPr id="1" name="Shape 2"/>
         <p:cNvGrpSpPr/>
         <p:nvPr/>
       </p:nvGrpSpPr>
@@ -289,9 +294,11 @@
       <p:sp>
         <p:nvSpPr>
           <p:cNvPr id="3" name="Google Shape;3;n"/>
-          <p:cNvSpPr/>
+          <p:cNvSpPr>
+            <a:spLocks noGrp="1" noRot="1" noChangeAspect="1"/>
+          </p:cNvSpPr>
           <p:nvPr>
-            <p:ph idx="2" type="sldImg"/>
+            <p:ph type="sldImg" idx="2"/>
           </p:nvPr>
         </p:nvSpPr>
         <p:spPr>
@@ -300,9 +307,13 @@
             <a:ext cx="6096075" cy="3429000"/>
           </a:xfrm>
           <a:custGeom>
-            <a:rect b="b" l="l" r="r" t="t"/>
+            <a:avLst/>
+            <a:gdLst/>
+            <a:ahLst/>
+            <a:cxnLst/>
+            <a:rect l="l" t="t" r="r" b="b"/>
             <a:pathLst>
-              <a:path extrusionOk="0" h="120000" w="120000">
+              <a:path w="120000" h="120000" extrusionOk="0">
                 <a:moveTo>
                   <a:pt x="0" y="0"/>
                 </a:moveTo>
@@ -320,23 +331,25 @@
             </a:pathLst>
           </a:custGeom>
           <a:noFill/>
-          <a:ln cap="flat" cmpd="sng" w="9525">
+          <a:ln w="9525" cap="flat" cmpd="sng">
             <a:solidFill>
               <a:srgbClr val="000000"/>
             </a:solidFill>
             <a:prstDash val="solid"/>
             <a:round/>
-            <a:headEnd len="sm" w="sm" type="none"/>
-            <a:tailEnd len="sm" w="sm" type="none"/>
+            <a:headEnd type="none" w="sm" len="sm"/>
+            <a:tailEnd type="none" w="sm" len="sm"/>
           </a:ln>
         </p:spPr>
       </p:sp>
       <p:sp>
         <p:nvSpPr>
           <p:cNvPr id="4" name="Google Shape;4;n"/>
-          <p:cNvSpPr txBox="1"/>
+          <p:cNvSpPr txBox="1">
+            <a:spLocks noGrp="1"/>
+          </p:cNvSpPr>
           <p:nvPr>
-            <p:ph idx="1" type="body"/>
+            <p:ph type="body" idx="1"/>
           </p:nvPr>
         </p:nvSpPr>
         <p:spPr>
@@ -353,11 +366,11 @@
           </a:ln>
         </p:spPr>
         <p:txBody>
-          <a:bodyPr anchorCtr="0" anchor="t" bIns="91425" lIns="91425" spcFirstLastPara="1" rIns="91425" wrap="square" tIns="91425">
+          <a:bodyPr spcFirstLastPara="1" wrap="square" lIns="91425" tIns="91425" rIns="91425" bIns="91425" anchor="t" anchorCtr="0">
             <a:noAutofit/>
           </a:bodyPr>
           <a:lstStyle>
-            <a:lvl1pPr indent="-298450" lvl="0" marL="457200">
+            <a:lvl1pPr marL="457200" lvl="0" indent="-298450">
               <a:spcBef>
                 <a:spcPts val="0"/>
               </a:spcBef>
@@ -368,7 +381,7 @@
               <a:buChar char="●"/>
               <a:defRPr sz="1100"/>
             </a:lvl1pPr>
-            <a:lvl2pPr indent="-298450" lvl="1" marL="914400">
+            <a:lvl2pPr marL="914400" lvl="1" indent="-298450">
               <a:spcBef>
                 <a:spcPts val="0"/>
               </a:spcBef>
@@ -379,7 +392,7 @@
               <a:buChar char="○"/>
               <a:defRPr sz="1100"/>
             </a:lvl2pPr>
-            <a:lvl3pPr indent="-298450" lvl="2" marL="1371600">
+            <a:lvl3pPr marL="1371600" lvl="2" indent="-298450">
               <a:spcBef>
                 <a:spcPts val="0"/>
               </a:spcBef>
@@ -390,7 +403,7 @@
               <a:buChar char="■"/>
               <a:defRPr sz="1100"/>
             </a:lvl3pPr>
-            <a:lvl4pPr indent="-298450" lvl="3" marL="1828800">
+            <a:lvl4pPr marL="1828800" lvl="3" indent="-298450">
               <a:spcBef>
                 <a:spcPts val="0"/>
               </a:spcBef>
@@ -401,7 +414,7 @@
               <a:buChar char="●"/>
               <a:defRPr sz="1100"/>
             </a:lvl4pPr>
-            <a:lvl5pPr indent="-298450" lvl="4" marL="2286000">
+            <a:lvl5pPr marL="2286000" lvl="4" indent="-298450">
               <a:spcBef>
                 <a:spcPts val="0"/>
               </a:spcBef>
@@ -412,7 +425,7 @@
               <a:buChar char="○"/>
               <a:defRPr sz="1100"/>
             </a:lvl5pPr>
-            <a:lvl6pPr indent="-298450" lvl="5" marL="2743200">
+            <a:lvl6pPr marL="2743200" lvl="5" indent="-298450">
               <a:spcBef>
                 <a:spcPts val="0"/>
               </a:spcBef>
@@ -423,7 +436,7 @@
               <a:buChar char="■"/>
               <a:defRPr sz="1100"/>
             </a:lvl6pPr>
-            <a:lvl7pPr indent="-298450" lvl="6" marL="3200400">
+            <a:lvl7pPr marL="3200400" lvl="6" indent="-298450">
               <a:spcBef>
                 <a:spcPts val="0"/>
               </a:spcBef>
@@ -434,7 +447,7 @@
               <a:buChar char="●"/>
               <a:defRPr sz="1100"/>
             </a:lvl7pPr>
-            <a:lvl8pPr indent="-298450" lvl="7" marL="3657600">
+            <a:lvl8pPr marL="3657600" lvl="7" indent="-298450">
               <a:spcBef>
                 <a:spcPts val="0"/>
               </a:spcBef>
@@ -445,7 +458,7 @@
               <a:buChar char="○"/>
               <a:defRPr sz="1100"/>
             </a:lvl8pPr>
-            <a:lvl9pPr indent="-298450" lvl="8" marL="4114800">
+            <a:lvl9pPr marL="4114800" lvl="8" indent="-298450">
               <a:spcBef>
                 <a:spcPts val="0"/>
               </a:spcBef>
@@ -457,14 +470,16 @@
               <a:defRPr sz="1100"/>
             </a:lvl9pPr>
           </a:lstStyle>
-          <a:p/>
+          <a:p>
+            <a:endParaRPr/>
+          </a:p>
         </p:txBody>
       </p:sp>
     </p:spTree>
   </p:cSld>
-  <p:clrMap accent1="accent1" accent2="accent2" accent3="accent3" accent4="accent4" accent5="accent5" accent6="accent6" bg1="lt1" bg2="dk2" tx1="dk1" tx2="lt2" folHlink="folHlink" hlink="hlink"/>
+  <p:clrMap bg1="lt1" tx1="dk1" bg2="dk2" tx2="lt2" accent1="accent1" accent2="accent2" accent3="accent3" accent4="accent4" accent5="accent5" accent6="accent6" hlink="hlink" folHlink="folHlink"/>
   <p:notesStyle>
-    <a:defPPr lvl="0" marR="0" rtl="0" algn="l">
+    <a:defPPr marR="0" lvl="0" algn="l" rtl="0">
       <a:lnSpc>
         <a:spcPct val="100000"/>
       </a:lnSpc>
@@ -475,7 +490,7 @@
         <a:spcPts val="0"/>
       </a:spcAft>
     </a:defPPr>
-    <a:lvl1pPr lvl="0" marR="0" rtl="0" algn="l">
+    <a:lvl1pPr marR="0" lvl="0" algn="l" rtl="0">
       <a:lnSpc>
         <a:spcPct val="100000"/>
       </a:lnSpc>
@@ -489,7 +504,7 @@
         <a:srgbClr val="000000"/>
       </a:buClr>
       <a:buFont typeface="Arial"/>
-      <a:defRPr b="0" i="0" sz="1400" u="none" cap="none" strike="noStrike">
+      <a:defRPr sz="1400" b="0" i="0" u="none" strike="noStrike" cap="none">
         <a:solidFill>
           <a:srgbClr val="000000"/>
         </a:solidFill>
@@ -499,7 +514,7 @@
         <a:sym typeface="Arial"/>
       </a:defRPr>
     </a:lvl1pPr>
-    <a:lvl2pPr lvl="1" marR="0" rtl="0" algn="l">
+    <a:lvl2pPr marR="0" lvl="1" algn="l" rtl="0">
       <a:lnSpc>
         <a:spcPct val="100000"/>
       </a:lnSpc>
@@ -513,7 +528,7 @@
         <a:srgbClr val="000000"/>
       </a:buClr>
       <a:buFont typeface="Arial"/>
-      <a:defRPr b="0" i="0" sz="1400" u="none" cap="none" strike="noStrike">
+      <a:defRPr sz="1400" b="0" i="0" u="none" strike="noStrike" cap="none">
         <a:solidFill>
           <a:srgbClr val="000000"/>
         </a:solidFill>
@@ -523,7 +538,7 @@
         <a:sym typeface="Arial"/>
       </a:defRPr>
     </a:lvl2pPr>
-    <a:lvl3pPr lvl="2" marR="0" rtl="0" algn="l">
+    <a:lvl3pPr marR="0" lvl="2" algn="l" rtl="0">
       <a:lnSpc>
         <a:spcPct val="100000"/>
       </a:lnSpc>
@@ -537,7 +552,7 @@
         <a:srgbClr val="000000"/>
       </a:buClr>
       <a:buFont typeface="Arial"/>
-      <a:defRPr b="0" i="0" sz="1400" u="none" cap="none" strike="noStrike">
+      <a:defRPr sz="1400" b="0" i="0" u="none" strike="noStrike" cap="none">
         <a:solidFill>
           <a:srgbClr val="000000"/>
         </a:solidFill>
@@ -547,7 +562,7 @@
         <a:sym typeface="Arial"/>
       </a:defRPr>
     </a:lvl3pPr>
-    <a:lvl4pPr lvl="3" marR="0" rtl="0" algn="l">
+    <a:lvl4pPr marR="0" lvl="3" algn="l" rtl="0">
       <a:lnSpc>
         <a:spcPct val="100000"/>
       </a:lnSpc>
@@ -561,7 +576,7 @@
         <a:srgbClr val="000000"/>
       </a:buClr>
       <a:buFont typeface="Arial"/>
-      <a:defRPr b="0" i="0" sz="1400" u="none" cap="none" strike="noStrike">
+      <a:defRPr sz="1400" b="0" i="0" u="none" strike="noStrike" cap="none">
         <a:solidFill>
           <a:srgbClr val="000000"/>
         </a:solidFill>
@@ -571,7 +586,7 @@
         <a:sym typeface="Arial"/>
       </a:defRPr>
     </a:lvl4pPr>
-    <a:lvl5pPr lvl="4" marR="0" rtl="0" algn="l">
+    <a:lvl5pPr marR="0" lvl="4" algn="l" rtl="0">
       <a:lnSpc>
         <a:spcPct val="100000"/>
       </a:lnSpc>
@@ -585,7 +600,7 @@
         <a:srgbClr val="000000"/>
       </a:buClr>
       <a:buFont typeface="Arial"/>
-      <a:defRPr b="0" i="0" sz="1400" u="none" cap="none" strike="noStrike">
+      <a:defRPr sz="1400" b="0" i="0" u="none" strike="noStrike" cap="none">
         <a:solidFill>
           <a:srgbClr val="000000"/>
         </a:solidFill>
@@ -595,7 +610,7 @@
         <a:sym typeface="Arial"/>
       </a:defRPr>
     </a:lvl5pPr>
-    <a:lvl6pPr lvl="5" marR="0" rtl="0" algn="l">
+    <a:lvl6pPr marR="0" lvl="5" algn="l" rtl="0">
       <a:lnSpc>
         <a:spcPct val="100000"/>
       </a:lnSpc>
@@ -609,7 +624,7 @@
         <a:srgbClr val="000000"/>
       </a:buClr>
       <a:buFont typeface="Arial"/>
-      <a:defRPr b="0" i="0" sz="1400" u="none" cap="none" strike="noStrike">
+      <a:defRPr sz="1400" b="0" i="0" u="none" strike="noStrike" cap="none">
         <a:solidFill>
           <a:srgbClr val="000000"/>
         </a:solidFill>
@@ -619,7 +634,7 @@
         <a:sym typeface="Arial"/>
       </a:defRPr>
     </a:lvl6pPr>
-    <a:lvl7pPr lvl="6" marR="0" rtl="0" algn="l">
+    <a:lvl7pPr marR="0" lvl="6" algn="l" rtl="0">
       <a:lnSpc>
         <a:spcPct val="100000"/>
       </a:lnSpc>
@@ -633,7 +648,7 @@
         <a:srgbClr val="000000"/>
       </a:buClr>
       <a:buFont typeface="Arial"/>
-      <a:defRPr b="0" i="0" sz="1400" u="none" cap="none" strike="noStrike">
+      <a:defRPr sz="1400" b="0" i="0" u="none" strike="noStrike" cap="none">
         <a:solidFill>
           <a:srgbClr val="000000"/>
         </a:solidFill>
@@ -643,7 +658,7 @@
         <a:sym typeface="Arial"/>
       </a:defRPr>
     </a:lvl7pPr>
-    <a:lvl8pPr lvl="7" marR="0" rtl="0" algn="l">
+    <a:lvl8pPr marR="0" lvl="7" algn="l" rtl="0">
       <a:lnSpc>
         <a:spcPct val="100000"/>
       </a:lnSpc>
@@ -657,7 +672,7 @@
         <a:srgbClr val="000000"/>
       </a:buClr>
       <a:buFont typeface="Arial"/>
-      <a:defRPr b="0" i="0" sz="1400" u="none" cap="none" strike="noStrike">
+      <a:defRPr sz="1400" b="0" i="0" u="none" strike="noStrike" cap="none">
         <a:solidFill>
           <a:srgbClr val="000000"/>
         </a:solidFill>
@@ -667,7 +682,7 @@
         <a:sym typeface="Arial"/>
       </a:defRPr>
     </a:lvl8pPr>
-    <a:lvl9pPr lvl="8" marR="0" rtl="0" algn="l">
+    <a:lvl9pPr marR="0" lvl="8" algn="l" rtl="0">
       <a:lnSpc>
         <a:spcPct val="100000"/>
       </a:lnSpc>
@@ -681,7 +696,7 @@
         <a:srgbClr val="000000"/>
       </a:buClr>
       <a:buFont typeface="Arial"/>
-      <a:defRPr b="0" i="0" sz="1400" u="none" cap="none" strike="noStrike">
+      <a:defRPr sz="1400" b="0" i="0" u="none" strike="noStrike" cap="none">
         <a:solidFill>
           <a:srgbClr val="000000"/>
         </a:solidFill>
@@ -696,11 +711,11 @@
 </file>
 
 <file path=ppt/notesSlides/notesSlide1.xml><?xml version="1.0" encoding="utf-8"?>
-<p:notes xmlns:a="http://schemas.openxmlformats.org/drawingml/2006/main" xmlns:r="http://schemas.openxmlformats.org/officeDocument/2006/relationships" xmlns:mc="http://schemas.openxmlformats.org/markup-compatibility/2006" xmlns:mv="urn:schemas-microsoft-com:mac:vml" xmlns:p="http://schemas.openxmlformats.org/presentationml/2006/main" xmlns:c="http://schemas.openxmlformats.org/drawingml/2006/chart" xmlns:dgm="http://schemas.openxmlformats.org/drawingml/2006/diagram" xmlns:o="urn:schemas-microsoft-com:office:office" xmlns:v="urn:schemas-microsoft-com:vml" xmlns:pvml="urn:schemas-microsoft-com:office:powerpoint" xmlns:com="http://schemas.openxmlformats.org/drawingml/2006/compatibility" xmlns:p14="http://schemas.microsoft.com/office/powerpoint/2010/main" xmlns:p15="http://schemas.microsoft.com/office/powerpoint/2012/main" xmlns:ahyp="http://schemas.microsoft.com/office/drawing/2018/hyperlinkcolor" showMasterPhAnim="0" showMasterSp="0">
+<p:notes xmlns:a="http://schemas.openxmlformats.org/drawingml/2006/main" xmlns:r="http://schemas.openxmlformats.org/officeDocument/2006/relationships" xmlns:p="http://schemas.openxmlformats.org/presentationml/2006/main" showMasterSp="0" showMasterPhAnim="0">
   <p:cSld>
     <p:spTree>
       <p:nvGrpSpPr>
-        <p:cNvPr id="50" name="Shape 50"/>
+        <p:cNvPr id="1" name="Shape 50"/>
         <p:cNvGrpSpPr/>
         <p:nvPr/>
       </p:nvGrpSpPr>
@@ -715,9 +730,11 @@
       <p:sp>
         <p:nvSpPr>
           <p:cNvPr id="51" name="Google Shape;51;p:notes"/>
-          <p:cNvSpPr/>
+          <p:cNvSpPr>
+            <a:spLocks noGrp="1" noRot="1" noChangeAspect="1"/>
+          </p:cNvSpPr>
           <p:nvPr>
-            <p:ph idx="2" type="sldImg"/>
+            <p:ph type="sldImg" idx="2"/>
           </p:nvPr>
         </p:nvSpPr>
         <p:spPr>
@@ -726,9 +743,13 @@
             <a:ext cx="6096075" cy="3429000"/>
           </a:xfrm>
           <a:custGeom>
-            <a:rect b="b" l="l" r="r" t="t"/>
+            <a:avLst/>
+            <a:gdLst/>
+            <a:ahLst/>
+            <a:cxnLst/>
+            <a:rect l="l" t="t" r="r" b="b"/>
             <a:pathLst>
-              <a:path extrusionOk="0" h="120000" w="120000">
+              <a:path w="120000" h="120000" extrusionOk="0">
                 <a:moveTo>
                   <a:pt x="0" y="0"/>
                 </a:moveTo>
@@ -750,9 +771,11 @@
       <p:sp>
         <p:nvSpPr>
           <p:cNvPr id="52" name="Google Shape;52;p:notes"/>
-          <p:cNvSpPr txBox="1"/>
+          <p:cNvSpPr txBox="1">
+            <a:spLocks noGrp="1"/>
+          </p:cNvSpPr>
           <p:nvPr>
-            <p:ph idx="1" type="body"/>
+            <p:ph type="body" idx="1"/>
           </p:nvPr>
         </p:nvSpPr>
         <p:spPr>
@@ -765,12 +788,12 @@
           </a:prstGeom>
         </p:spPr>
         <p:txBody>
-          <a:bodyPr anchorCtr="0" anchor="t" bIns="91425" lIns="91425" spcFirstLastPara="1" rIns="91425" wrap="square" tIns="91425">
+          <a:bodyPr spcFirstLastPara="1" wrap="square" lIns="91425" tIns="91425" rIns="91425" bIns="91425" anchor="t" anchorCtr="0">
             <a:noAutofit/>
           </a:bodyPr>
           <a:lstStyle/>
           <a:p>
-            <a:pPr indent="0" lvl="0" marL="0" rtl="0" algn="l">
+            <a:pPr marL="0" lvl="0" indent="0" algn="l" rtl="0">
               <a:spcBef>
                 <a:spcPts val="0"/>
               </a:spcBef>
@@ -779,9 +802,6 @@
               </a:spcAft>
               <a:buNone/>
             </a:pPr>
-            <a:r>
-              <a:t/>
-            </a:r>
             <a:endParaRPr/>
           </a:p>
         </p:txBody>
@@ -795,11 +815,11 @@
 </file>
 
 <file path=ppt/notesSlides/notesSlide10.xml><?xml version="1.0" encoding="utf-8"?>
-<p:notes xmlns:a="http://schemas.openxmlformats.org/drawingml/2006/main" xmlns:r="http://schemas.openxmlformats.org/officeDocument/2006/relationships" xmlns:mc="http://schemas.openxmlformats.org/markup-compatibility/2006" xmlns:mv="urn:schemas-microsoft-com:mac:vml" xmlns:p="http://schemas.openxmlformats.org/presentationml/2006/main" xmlns:c="http://schemas.openxmlformats.org/drawingml/2006/chart" xmlns:dgm="http://schemas.openxmlformats.org/drawingml/2006/diagram" xmlns:o="urn:schemas-microsoft-com:office:office" xmlns:v="urn:schemas-microsoft-com:vml" xmlns:pvml="urn:schemas-microsoft-com:office:powerpoint" xmlns:com="http://schemas.openxmlformats.org/drawingml/2006/compatibility" xmlns:p14="http://schemas.microsoft.com/office/powerpoint/2010/main" xmlns:p15="http://schemas.microsoft.com/office/powerpoint/2012/main" xmlns:ahyp="http://schemas.microsoft.com/office/drawing/2018/hyperlinkcolor" showMasterPhAnim="0" showMasterSp="0">
+<p:notes xmlns:a="http://schemas.openxmlformats.org/drawingml/2006/main" xmlns:r="http://schemas.openxmlformats.org/officeDocument/2006/relationships" xmlns:p="http://schemas.openxmlformats.org/presentationml/2006/main" showMasterSp="0" showMasterPhAnim="0">
   <p:cSld>
     <p:spTree>
       <p:nvGrpSpPr>
-        <p:cNvPr id="115" name="Shape 115"/>
+        <p:cNvPr id="1" name="Shape 115"/>
         <p:cNvGrpSpPr/>
         <p:nvPr/>
       </p:nvGrpSpPr>
@@ -814,9 +834,11 @@
       <p:sp>
         <p:nvSpPr>
           <p:cNvPr id="116" name="Google Shape;116;g2b678429006_0_65:notes"/>
-          <p:cNvSpPr/>
+          <p:cNvSpPr>
+            <a:spLocks noGrp="1" noRot="1" noChangeAspect="1"/>
+          </p:cNvSpPr>
           <p:nvPr>
-            <p:ph idx="2" type="sldImg"/>
+            <p:ph type="sldImg" idx="2"/>
           </p:nvPr>
         </p:nvSpPr>
         <p:spPr>
@@ -825,9 +847,13 @@
             <a:ext cx="6096000" cy="3429000"/>
           </a:xfrm>
           <a:custGeom>
-            <a:rect b="b" l="l" r="r" t="t"/>
+            <a:avLst/>
+            <a:gdLst/>
+            <a:ahLst/>
+            <a:cxnLst/>
+            <a:rect l="l" t="t" r="r" b="b"/>
             <a:pathLst>
-              <a:path extrusionOk="0" h="120000" w="120000">
+              <a:path w="120000" h="120000" extrusionOk="0">
                 <a:moveTo>
                   <a:pt x="0" y="0"/>
                 </a:moveTo>
@@ -849,9 +875,11 @@
       <p:sp>
         <p:nvSpPr>
           <p:cNvPr id="117" name="Google Shape;117;g2b678429006_0_65:notes"/>
-          <p:cNvSpPr txBox="1"/>
+          <p:cNvSpPr txBox="1">
+            <a:spLocks noGrp="1"/>
+          </p:cNvSpPr>
           <p:nvPr>
-            <p:ph idx="1" type="body"/>
+            <p:ph type="body" idx="1"/>
           </p:nvPr>
         </p:nvSpPr>
         <p:spPr>
@@ -864,12 +892,12 @@
           </a:prstGeom>
         </p:spPr>
         <p:txBody>
-          <a:bodyPr anchorCtr="0" anchor="t" bIns="91425" lIns="91425" spcFirstLastPara="1" rIns="91425" wrap="square" tIns="91425">
+          <a:bodyPr spcFirstLastPara="1" wrap="square" lIns="91425" tIns="91425" rIns="91425" bIns="91425" anchor="t" anchorCtr="0">
             <a:noAutofit/>
           </a:bodyPr>
           <a:lstStyle/>
           <a:p>
-            <a:pPr indent="0" lvl="0" marL="0" rtl="0" algn="l">
+            <a:pPr marL="0" lvl="0" indent="0" algn="l" rtl="0">
               <a:spcBef>
                 <a:spcPts val="0"/>
               </a:spcBef>
@@ -878,9 +906,6 @@
               </a:spcAft>
               <a:buNone/>
             </a:pPr>
-            <a:r>
-              <a:t/>
-            </a:r>
             <a:endParaRPr/>
           </a:p>
         </p:txBody>
@@ -894,11 +919,11 @@
 </file>
 
 <file path=ppt/notesSlides/notesSlide2.xml><?xml version="1.0" encoding="utf-8"?>
-<p:notes xmlns:a="http://schemas.openxmlformats.org/drawingml/2006/main" xmlns:r="http://schemas.openxmlformats.org/officeDocument/2006/relationships" xmlns:mc="http://schemas.openxmlformats.org/markup-compatibility/2006" xmlns:mv="urn:schemas-microsoft-com:mac:vml" xmlns:p="http://schemas.openxmlformats.org/presentationml/2006/main" xmlns:c="http://schemas.openxmlformats.org/drawingml/2006/chart" xmlns:dgm="http://schemas.openxmlformats.org/drawingml/2006/diagram" xmlns:o="urn:schemas-microsoft-com:office:office" xmlns:v="urn:schemas-microsoft-com:vml" xmlns:pvml="urn:schemas-microsoft-com:office:powerpoint" xmlns:com="http://schemas.openxmlformats.org/drawingml/2006/compatibility" xmlns:p14="http://schemas.microsoft.com/office/powerpoint/2010/main" xmlns:p15="http://schemas.microsoft.com/office/powerpoint/2012/main" xmlns:ahyp="http://schemas.microsoft.com/office/drawing/2018/hyperlinkcolor" showMasterPhAnim="0" showMasterSp="0">
+<p:notes xmlns:a="http://schemas.openxmlformats.org/drawingml/2006/main" xmlns:r="http://schemas.openxmlformats.org/officeDocument/2006/relationships" xmlns:p="http://schemas.openxmlformats.org/presentationml/2006/main" showMasterSp="0" showMasterPhAnim="0">
   <p:cSld>
     <p:spTree>
       <p:nvGrpSpPr>
-        <p:cNvPr id="56" name="Shape 56"/>
+        <p:cNvPr id="1" name="Shape 56"/>
         <p:cNvGrpSpPr/>
         <p:nvPr/>
       </p:nvGrpSpPr>
@@ -913,9 +938,11 @@
       <p:sp>
         <p:nvSpPr>
           <p:cNvPr id="57" name="Google Shape;57;g2b678429006_0_0:notes"/>
-          <p:cNvSpPr/>
+          <p:cNvSpPr>
+            <a:spLocks noGrp="1" noRot="1" noChangeAspect="1"/>
+          </p:cNvSpPr>
           <p:nvPr>
-            <p:ph idx="2" type="sldImg"/>
+            <p:ph type="sldImg" idx="2"/>
           </p:nvPr>
         </p:nvSpPr>
         <p:spPr>
@@ -924,9 +951,13 @@
             <a:ext cx="6096000" cy="3429000"/>
           </a:xfrm>
           <a:custGeom>
-            <a:rect b="b" l="l" r="r" t="t"/>
+            <a:avLst/>
+            <a:gdLst/>
+            <a:ahLst/>
+            <a:cxnLst/>
+            <a:rect l="l" t="t" r="r" b="b"/>
             <a:pathLst>
-              <a:path extrusionOk="0" h="120000" w="120000">
+              <a:path w="120000" h="120000" extrusionOk="0">
                 <a:moveTo>
                   <a:pt x="0" y="0"/>
                 </a:moveTo>
@@ -948,9 +979,11 @@
       <p:sp>
         <p:nvSpPr>
           <p:cNvPr id="58" name="Google Shape;58;g2b678429006_0_0:notes"/>
-          <p:cNvSpPr txBox="1"/>
+          <p:cNvSpPr txBox="1">
+            <a:spLocks noGrp="1"/>
+          </p:cNvSpPr>
           <p:nvPr>
-            <p:ph idx="1" type="body"/>
+            <p:ph type="body" idx="1"/>
           </p:nvPr>
         </p:nvSpPr>
         <p:spPr>
@@ -963,12 +996,12 @@
           </a:prstGeom>
         </p:spPr>
         <p:txBody>
-          <a:bodyPr anchorCtr="0" anchor="t" bIns="91425" lIns="91425" spcFirstLastPara="1" rIns="91425" wrap="square" tIns="91425">
+          <a:bodyPr spcFirstLastPara="1" wrap="square" lIns="91425" tIns="91425" rIns="91425" bIns="91425" anchor="t" anchorCtr="0">
             <a:noAutofit/>
           </a:bodyPr>
           <a:lstStyle/>
           <a:p>
-            <a:pPr indent="0" lvl="0" marL="0" rtl="0" algn="l">
+            <a:pPr marL="0" lvl="0" indent="0" algn="l" rtl="0">
               <a:spcBef>
                 <a:spcPts val="0"/>
               </a:spcBef>
@@ -977,9 +1010,6 @@
               </a:spcAft>
               <a:buNone/>
             </a:pPr>
-            <a:r>
-              <a:t/>
-            </a:r>
             <a:endParaRPr/>
           </a:p>
         </p:txBody>
@@ -993,11 +1023,11 @@
 </file>
 
 <file path=ppt/notesSlides/notesSlide3.xml><?xml version="1.0" encoding="utf-8"?>
-<p:notes xmlns:a="http://schemas.openxmlformats.org/drawingml/2006/main" xmlns:r="http://schemas.openxmlformats.org/officeDocument/2006/relationships" xmlns:mc="http://schemas.openxmlformats.org/markup-compatibility/2006" xmlns:mv="urn:schemas-microsoft-com:mac:vml" xmlns:p="http://schemas.openxmlformats.org/presentationml/2006/main" xmlns:c="http://schemas.openxmlformats.org/drawingml/2006/chart" xmlns:dgm="http://schemas.openxmlformats.org/drawingml/2006/diagram" xmlns:o="urn:schemas-microsoft-com:office:office" xmlns:v="urn:schemas-microsoft-com:vml" xmlns:pvml="urn:schemas-microsoft-com:office:powerpoint" xmlns:com="http://schemas.openxmlformats.org/drawingml/2006/compatibility" xmlns:p14="http://schemas.microsoft.com/office/powerpoint/2010/main" xmlns:p15="http://schemas.microsoft.com/office/powerpoint/2012/main" xmlns:ahyp="http://schemas.microsoft.com/office/drawing/2018/hyperlinkcolor" showMasterPhAnim="0" showMasterSp="0">
+<p:notes xmlns:a="http://schemas.openxmlformats.org/drawingml/2006/main" xmlns:r="http://schemas.openxmlformats.org/officeDocument/2006/relationships" xmlns:p="http://schemas.openxmlformats.org/presentationml/2006/main" showMasterSp="0" showMasterPhAnim="0">
   <p:cSld>
     <p:spTree>
       <p:nvGrpSpPr>
-        <p:cNvPr id="62" name="Shape 62"/>
+        <p:cNvPr id="1" name="Shape 62"/>
         <p:cNvGrpSpPr/>
         <p:nvPr/>
       </p:nvGrpSpPr>
@@ -1012,9 +1042,11 @@
       <p:sp>
         <p:nvSpPr>
           <p:cNvPr id="63" name="Google Shape;63;g2b678429006_0_5:notes"/>
-          <p:cNvSpPr/>
+          <p:cNvSpPr>
+            <a:spLocks noGrp="1" noRot="1" noChangeAspect="1"/>
+          </p:cNvSpPr>
           <p:nvPr>
-            <p:ph idx="2" type="sldImg"/>
+            <p:ph type="sldImg" idx="2"/>
           </p:nvPr>
         </p:nvSpPr>
         <p:spPr>
@@ -1023,9 +1055,13 @@
             <a:ext cx="6096000" cy="3429000"/>
           </a:xfrm>
           <a:custGeom>
-            <a:rect b="b" l="l" r="r" t="t"/>
+            <a:avLst/>
+            <a:gdLst/>
+            <a:ahLst/>
+            <a:cxnLst/>
+            <a:rect l="l" t="t" r="r" b="b"/>
             <a:pathLst>
-              <a:path extrusionOk="0" h="120000" w="120000">
+              <a:path w="120000" h="120000" extrusionOk="0">
                 <a:moveTo>
                   <a:pt x="0" y="0"/>
                 </a:moveTo>
@@ -1047,9 +1083,11 @@
       <p:sp>
         <p:nvSpPr>
           <p:cNvPr id="64" name="Google Shape;64;g2b678429006_0_5:notes"/>
-          <p:cNvSpPr txBox="1"/>
+          <p:cNvSpPr txBox="1">
+            <a:spLocks noGrp="1"/>
+          </p:cNvSpPr>
           <p:nvPr>
-            <p:ph idx="1" type="body"/>
+            <p:ph type="body" idx="1"/>
           </p:nvPr>
         </p:nvSpPr>
         <p:spPr>
@@ -1062,12 +1100,12 @@
           </a:prstGeom>
         </p:spPr>
         <p:txBody>
-          <a:bodyPr anchorCtr="0" anchor="t" bIns="91425" lIns="91425" spcFirstLastPara="1" rIns="91425" wrap="square" tIns="91425">
+          <a:bodyPr spcFirstLastPara="1" wrap="square" lIns="91425" tIns="91425" rIns="91425" bIns="91425" anchor="t" anchorCtr="0">
             <a:noAutofit/>
           </a:bodyPr>
           <a:lstStyle/>
           <a:p>
-            <a:pPr indent="0" lvl="0" marL="0" rtl="0" algn="l">
+            <a:pPr marL="0" lvl="0" indent="0" algn="l" rtl="0">
               <a:spcBef>
                 <a:spcPts val="0"/>
               </a:spcBef>
@@ -1076,9 +1114,6 @@
               </a:spcAft>
               <a:buNone/>
             </a:pPr>
-            <a:r>
-              <a:t/>
-            </a:r>
             <a:endParaRPr/>
           </a:p>
         </p:txBody>
@@ -1092,11 +1127,11 @@
 </file>
 
 <file path=ppt/notesSlides/notesSlide4.xml><?xml version="1.0" encoding="utf-8"?>
-<p:notes xmlns:a="http://schemas.openxmlformats.org/drawingml/2006/main" xmlns:r="http://schemas.openxmlformats.org/officeDocument/2006/relationships" xmlns:mc="http://schemas.openxmlformats.org/markup-compatibility/2006" xmlns:mv="urn:schemas-microsoft-com:mac:vml" xmlns:p="http://schemas.openxmlformats.org/presentationml/2006/main" xmlns:c="http://schemas.openxmlformats.org/drawingml/2006/chart" xmlns:dgm="http://schemas.openxmlformats.org/drawingml/2006/diagram" xmlns:o="urn:schemas-microsoft-com:office:office" xmlns:v="urn:schemas-microsoft-com:vml" xmlns:pvml="urn:schemas-microsoft-com:office:powerpoint" xmlns:com="http://schemas.openxmlformats.org/drawingml/2006/compatibility" xmlns:p14="http://schemas.microsoft.com/office/powerpoint/2010/main" xmlns:p15="http://schemas.microsoft.com/office/powerpoint/2012/main" xmlns:ahyp="http://schemas.microsoft.com/office/drawing/2018/hyperlinkcolor" showMasterPhAnim="0" showMasterSp="0">
+<p:notes xmlns:a="http://schemas.openxmlformats.org/drawingml/2006/main" xmlns:r="http://schemas.openxmlformats.org/officeDocument/2006/relationships" xmlns:p="http://schemas.openxmlformats.org/presentationml/2006/main" showMasterSp="0" showMasterPhAnim="0">
   <p:cSld>
     <p:spTree>
       <p:nvGrpSpPr>
-        <p:cNvPr id="69" name="Shape 69"/>
+        <p:cNvPr id="1" name="Shape 69"/>
         <p:cNvGrpSpPr/>
         <p:nvPr/>
       </p:nvGrpSpPr>
@@ -1111,9 +1146,11 @@
       <p:sp>
         <p:nvSpPr>
           <p:cNvPr id="70" name="Google Shape;70;g2b678429006_0_10:notes"/>
-          <p:cNvSpPr/>
+          <p:cNvSpPr>
+            <a:spLocks noGrp="1" noRot="1" noChangeAspect="1"/>
+          </p:cNvSpPr>
           <p:nvPr>
-            <p:ph idx="2" type="sldImg"/>
+            <p:ph type="sldImg" idx="2"/>
           </p:nvPr>
         </p:nvSpPr>
         <p:spPr>
@@ -1122,9 +1159,13 @@
             <a:ext cx="6096000" cy="3429000"/>
           </a:xfrm>
           <a:custGeom>
-            <a:rect b="b" l="l" r="r" t="t"/>
+            <a:avLst/>
+            <a:gdLst/>
+            <a:ahLst/>
+            <a:cxnLst/>
+            <a:rect l="l" t="t" r="r" b="b"/>
             <a:pathLst>
-              <a:path extrusionOk="0" h="120000" w="120000">
+              <a:path w="120000" h="120000" extrusionOk="0">
                 <a:moveTo>
                   <a:pt x="0" y="0"/>
                 </a:moveTo>
@@ -1146,9 +1187,11 @@
       <p:sp>
         <p:nvSpPr>
           <p:cNvPr id="71" name="Google Shape;71;g2b678429006_0_10:notes"/>
-          <p:cNvSpPr txBox="1"/>
+          <p:cNvSpPr txBox="1">
+            <a:spLocks noGrp="1"/>
+          </p:cNvSpPr>
           <p:nvPr>
-            <p:ph idx="1" type="body"/>
+            <p:ph type="body" idx="1"/>
           </p:nvPr>
         </p:nvSpPr>
         <p:spPr>
@@ -1161,12 +1204,12 @@
           </a:prstGeom>
         </p:spPr>
         <p:txBody>
-          <a:bodyPr anchorCtr="0" anchor="t" bIns="91425" lIns="91425" spcFirstLastPara="1" rIns="91425" wrap="square" tIns="91425">
+          <a:bodyPr spcFirstLastPara="1" wrap="square" lIns="91425" tIns="91425" rIns="91425" bIns="91425" anchor="t" anchorCtr="0">
             <a:noAutofit/>
           </a:bodyPr>
           <a:lstStyle/>
           <a:p>
-            <a:pPr indent="0" lvl="0" marL="0" rtl="0" algn="l">
+            <a:pPr marL="0" lvl="0" indent="0" algn="l" rtl="0">
               <a:spcBef>
                 <a:spcPts val="0"/>
               </a:spcBef>
@@ -1175,9 +1218,6 @@
               </a:spcAft>
               <a:buNone/>
             </a:pPr>
-            <a:r>
-              <a:t/>
-            </a:r>
             <a:endParaRPr/>
           </a:p>
         </p:txBody>
@@ -1191,11 +1231,11 @@
 </file>
 
 <file path=ppt/notesSlides/notesSlide5.xml><?xml version="1.0" encoding="utf-8"?>
-<p:notes xmlns:a="http://schemas.openxmlformats.org/drawingml/2006/main" xmlns:r="http://schemas.openxmlformats.org/officeDocument/2006/relationships" xmlns:mc="http://schemas.openxmlformats.org/markup-compatibility/2006" xmlns:mv="urn:schemas-microsoft-com:mac:vml" xmlns:p="http://schemas.openxmlformats.org/presentationml/2006/main" xmlns:c="http://schemas.openxmlformats.org/drawingml/2006/chart" xmlns:dgm="http://schemas.openxmlformats.org/drawingml/2006/diagram" xmlns:o="urn:schemas-microsoft-com:office:office" xmlns:v="urn:schemas-microsoft-com:vml" xmlns:pvml="urn:schemas-microsoft-com:office:powerpoint" xmlns:com="http://schemas.openxmlformats.org/drawingml/2006/compatibility" xmlns:p14="http://schemas.microsoft.com/office/powerpoint/2010/main" xmlns:p15="http://schemas.microsoft.com/office/powerpoint/2012/main" xmlns:ahyp="http://schemas.microsoft.com/office/drawing/2018/hyperlinkcolor" showMasterPhAnim="0" showMasterSp="0">
+<p:notes xmlns:a="http://schemas.openxmlformats.org/drawingml/2006/main" xmlns:r="http://schemas.openxmlformats.org/officeDocument/2006/relationships" xmlns:p="http://schemas.openxmlformats.org/presentationml/2006/main" showMasterSp="0" showMasterPhAnim="0">
   <p:cSld>
     <p:spTree>
       <p:nvGrpSpPr>
-        <p:cNvPr id="77" name="Shape 77"/>
+        <p:cNvPr id="1" name="Shape 77"/>
         <p:cNvGrpSpPr/>
         <p:nvPr/>
       </p:nvGrpSpPr>
@@ -1210,9 +1250,11 @@
       <p:sp>
         <p:nvSpPr>
           <p:cNvPr id="78" name="Google Shape;78;g2b678429006_0_15:notes"/>
-          <p:cNvSpPr/>
+          <p:cNvSpPr>
+            <a:spLocks noGrp="1" noRot="1" noChangeAspect="1"/>
+          </p:cNvSpPr>
           <p:nvPr>
-            <p:ph idx="2" type="sldImg"/>
+            <p:ph type="sldImg" idx="2"/>
           </p:nvPr>
         </p:nvSpPr>
         <p:spPr>
@@ -1221,9 +1263,13 @@
             <a:ext cx="6096000" cy="3429000"/>
           </a:xfrm>
           <a:custGeom>
-            <a:rect b="b" l="l" r="r" t="t"/>
+            <a:avLst/>
+            <a:gdLst/>
+            <a:ahLst/>
+            <a:cxnLst/>
+            <a:rect l="l" t="t" r="r" b="b"/>
             <a:pathLst>
-              <a:path extrusionOk="0" h="120000" w="120000">
+              <a:path w="120000" h="120000" extrusionOk="0">
                 <a:moveTo>
                   <a:pt x="0" y="0"/>
                 </a:moveTo>
@@ -1245,9 +1291,11 @@
       <p:sp>
         <p:nvSpPr>
           <p:cNvPr id="79" name="Google Shape;79;g2b678429006_0_15:notes"/>
-          <p:cNvSpPr txBox="1"/>
+          <p:cNvSpPr txBox="1">
+            <a:spLocks noGrp="1"/>
+          </p:cNvSpPr>
           <p:nvPr>
-            <p:ph idx="1" type="body"/>
+            <p:ph type="body" idx="1"/>
           </p:nvPr>
         </p:nvSpPr>
         <p:spPr>
@@ -1260,12 +1308,12 @@
           </a:prstGeom>
         </p:spPr>
         <p:txBody>
-          <a:bodyPr anchorCtr="0" anchor="t" bIns="91425" lIns="91425" spcFirstLastPara="1" rIns="91425" wrap="square" tIns="91425">
+          <a:bodyPr spcFirstLastPara="1" wrap="square" lIns="91425" tIns="91425" rIns="91425" bIns="91425" anchor="t" anchorCtr="0">
             <a:noAutofit/>
           </a:bodyPr>
           <a:lstStyle/>
           <a:p>
-            <a:pPr indent="0" lvl="0" marL="0" rtl="0" algn="l">
+            <a:pPr marL="0" lvl="0" indent="0" algn="l" rtl="0">
               <a:spcBef>
                 <a:spcPts val="0"/>
               </a:spcBef>
@@ -1274,9 +1322,6 @@
               </a:spcAft>
               <a:buNone/>
             </a:pPr>
-            <a:r>
-              <a:t/>
-            </a:r>
             <a:endParaRPr/>
           </a:p>
         </p:txBody>
@@ -1290,11 +1335,11 @@
 </file>
 
 <file path=ppt/notesSlides/notesSlide6.xml><?xml version="1.0" encoding="utf-8"?>
-<p:notes xmlns:a="http://schemas.openxmlformats.org/drawingml/2006/main" xmlns:r="http://schemas.openxmlformats.org/officeDocument/2006/relationships" xmlns:mc="http://schemas.openxmlformats.org/markup-compatibility/2006" xmlns:mv="urn:schemas-microsoft-com:mac:vml" xmlns:p="http://schemas.openxmlformats.org/presentationml/2006/main" xmlns:c="http://schemas.openxmlformats.org/drawingml/2006/chart" xmlns:dgm="http://schemas.openxmlformats.org/drawingml/2006/diagram" xmlns:o="urn:schemas-microsoft-com:office:office" xmlns:v="urn:schemas-microsoft-com:vml" xmlns:pvml="urn:schemas-microsoft-com:office:powerpoint" xmlns:com="http://schemas.openxmlformats.org/drawingml/2006/compatibility" xmlns:p14="http://schemas.microsoft.com/office/powerpoint/2010/main" xmlns:p15="http://schemas.microsoft.com/office/powerpoint/2012/main" xmlns:ahyp="http://schemas.microsoft.com/office/drawing/2018/hyperlinkcolor" showMasterPhAnim="0" showMasterSp="0">
+<p:notes xmlns:a="http://schemas.openxmlformats.org/drawingml/2006/main" xmlns:r="http://schemas.openxmlformats.org/officeDocument/2006/relationships" xmlns:p="http://schemas.openxmlformats.org/presentationml/2006/main" showMasterSp="0" showMasterPhAnim="0">
   <p:cSld>
     <p:spTree>
       <p:nvGrpSpPr>
-        <p:cNvPr id="89" name="Shape 89"/>
+        <p:cNvPr id="1" name="Shape 89"/>
         <p:cNvGrpSpPr/>
         <p:nvPr/>
       </p:nvGrpSpPr>
@@ -1309,20 +1354,26 @@
       <p:sp>
         <p:nvSpPr>
           <p:cNvPr id="90" name="Google Shape;90;g2b678429006_0_45:notes"/>
-          <p:cNvSpPr/>
+          <p:cNvSpPr>
+            <a:spLocks noGrp="1" noRot="1" noChangeAspect="1"/>
+          </p:cNvSpPr>
           <p:nvPr>
-            <p:ph idx="2" type="sldImg"/>
+            <p:ph type="sldImg" idx="2"/>
           </p:nvPr>
         </p:nvSpPr>
         <p:spPr>
           <a:xfrm>
-            <a:off x="381300" y="685800"/>
+            <a:off x="381000" y="685800"/>
             <a:ext cx="6096000" cy="3429000"/>
           </a:xfrm>
           <a:custGeom>
-            <a:rect b="b" l="l" r="r" t="t"/>
+            <a:avLst/>
+            <a:gdLst/>
+            <a:ahLst/>
+            <a:cxnLst/>
+            <a:rect l="l" t="t" r="r" b="b"/>
             <a:pathLst>
-              <a:path extrusionOk="0" h="120000" w="120000">
+              <a:path w="120000" h="120000" extrusionOk="0">
                 <a:moveTo>
                   <a:pt x="0" y="0"/>
                 </a:moveTo>
@@ -1344,9 +1395,11 @@
       <p:sp>
         <p:nvSpPr>
           <p:cNvPr id="91" name="Google Shape;91;g2b678429006_0_45:notes"/>
-          <p:cNvSpPr txBox="1"/>
+          <p:cNvSpPr txBox="1">
+            <a:spLocks noGrp="1"/>
+          </p:cNvSpPr>
           <p:nvPr>
-            <p:ph idx="1" type="body"/>
+            <p:ph type="body" idx="1"/>
           </p:nvPr>
         </p:nvSpPr>
         <p:spPr>
@@ -1359,12 +1412,12 @@
           </a:prstGeom>
         </p:spPr>
         <p:txBody>
-          <a:bodyPr anchorCtr="0" anchor="t" bIns="91425" lIns="91425" spcFirstLastPara="1" rIns="91425" wrap="square" tIns="91425">
+          <a:bodyPr spcFirstLastPara="1" wrap="square" lIns="91425" tIns="91425" rIns="91425" bIns="91425" anchor="t" anchorCtr="0">
             <a:noAutofit/>
           </a:bodyPr>
           <a:lstStyle/>
           <a:p>
-            <a:pPr indent="0" lvl="0" marL="0" rtl="0" algn="l">
+            <a:pPr marL="0" lvl="0" indent="0" algn="l" rtl="0">
               <a:spcBef>
                 <a:spcPts val="0"/>
               </a:spcBef>
@@ -1373,9 +1426,6 @@
               </a:spcAft>
               <a:buNone/>
             </a:pPr>
-            <a:r>
-              <a:t/>
-            </a:r>
             <a:endParaRPr/>
           </a:p>
         </p:txBody>
@@ -1389,11 +1439,11 @@
 </file>
 
 <file path=ppt/notesSlides/notesSlide7.xml><?xml version="1.0" encoding="utf-8"?>
-<p:notes xmlns:a="http://schemas.openxmlformats.org/drawingml/2006/main" xmlns:r="http://schemas.openxmlformats.org/officeDocument/2006/relationships" xmlns:mc="http://schemas.openxmlformats.org/markup-compatibility/2006" xmlns:mv="urn:schemas-microsoft-com:mac:vml" xmlns:p="http://schemas.openxmlformats.org/presentationml/2006/main" xmlns:c="http://schemas.openxmlformats.org/drawingml/2006/chart" xmlns:dgm="http://schemas.openxmlformats.org/drawingml/2006/diagram" xmlns:o="urn:schemas-microsoft-com:office:office" xmlns:v="urn:schemas-microsoft-com:vml" xmlns:pvml="urn:schemas-microsoft-com:office:powerpoint" xmlns:com="http://schemas.openxmlformats.org/drawingml/2006/compatibility" xmlns:p14="http://schemas.microsoft.com/office/powerpoint/2010/main" xmlns:p15="http://schemas.microsoft.com/office/powerpoint/2012/main" xmlns:ahyp="http://schemas.microsoft.com/office/drawing/2018/hyperlinkcolor" showMasterPhAnim="0" showMasterSp="0">
+<p:notes xmlns:a="http://schemas.openxmlformats.org/drawingml/2006/main" xmlns:r="http://schemas.openxmlformats.org/officeDocument/2006/relationships" xmlns:p="http://schemas.openxmlformats.org/presentationml/2006/main" showMasterSp="0" showMasterPhAnim="0">
   <p:cSld>
     <p:spTree>
       <p:nvGrpSpPr>
-        <p:cNvPr id="96" name="Shape 96"/>
+        <p:cNvPr id="1" name="Shape 96"/>
         <p:cNvGrpSpPr/>
         <p:nvPr/>
       </p:nvGrpSpPr>
@@ -1408,20 +1458,26 @@
       <p:sp>
         <p:nvSpPr>
           <p:cNvPr id="97" name="Google Shape;97;g2b678429006_0_20:notes"/>
-          <p:cNvSpPr/>
+          <p:cNvSpPr>
+            <a:spLocks noGrp="1" noRot="1" noChangeAspect="1"/>
+          </p:cNvSpPr>
           <p:nvPr>
-            <p:ph idx="2" type="sldImg"/>
+            <p:ph type="sldImg" idx="2"/>
           </p:nvPr>
         </p:nvSpPr>
         <p:spPr>
           <a:xfrm>
-            <a:off x="381300" y="685800"/>
+            <a:off x="381000" y="685800"/>
             <a:ext cx="6096000" cy="3429000"/>
           </a:xfrm>
           <a:custGeom>
-            <a:rect b="b" l="l" r="r" t="t"/>
+            <a:avLst/>
+            <a:gdLst/>
+            <a:ahLst/>
+            <a:cxnLst/>
+            <a:rect l="l" t="t" r="r" b="b"/>
             <a:pathLst>
-              <a:path extrusionOk="0" h="120000" w="120000">
+              <a:path w="120000" h="120000" extrusionOk="0">
                 <a:moveTo>
                   <a:pt x="0" y="0"/>
                 </a:moveTo>
@@ -1443,9 +1499,11 @@
       <p:sp>
         <p:nvSpPr>
           <p:cNvPr id="98" name="Google Shape;98;g2b678429006_0_20:notes"/>
-          <p:cNvSpPr txBox="1"/>
+          <p:cNvSpPr txBox="1">
+            <a:spLocks noGrp="1"/>
+          </p:cNvSpPr>
           <p:nvPr>
-            <p:ph idx="1" type="body"/>
+            <p:ph type="body" idx="1"/>
           </p:nvPr>
         </p:nvSpPr>
         <p:spPr>
@@ -1458,12 +1516,12 @@
           </a:prstGeom>
         </p:spPr>
         <p:txBody>
-          <a:bodyPr anchorCtr="0" anchor="t" bIns="91425" lIns="91425" spcFirstLastPara="1" rIns="91425" wrap="square" tIns="91425">
+          <a:bodyPr spcFirstLastPara="1" wrap="square" lIns="91425" tIns="91425" rIns="91425" bIns="91425" anchor="t" anchorCtr="0">
             <a:noAutofit/>
           </a:bodyPr>
           <a:lstStyle/>
           <a:p>
-            <a:pPr indent="0" lvl="0" marL="0" rtl="0" algn="l">
+            <a:pPr marL="0" lvl="0" indent="0" algn="l" rtl="0">
               <a:spcBef>
                 <a:spcPts val="0"/>
               </a:spcBef>
@@ -1472,9 +1530,6 @@
               </a:spcAft>
               <a:buNone/>
             </a:pPr>
-            <a:r>
-              <a:t/>
-            </a:r>
             <a:endParaRPr/>
           </a:p>
         </p:txBody>
@@ -1488,11 +1543,11 @@
 </file>
 
 <file path=ppt/notesSlides/notesSlide8.xml><?xml version="1.0" encoding="utf-8"?>
-<p:notes xmlns:a="http://schemas.openxmlformats.org/drawingml/2006/main" xmlns:r="http://schemas.openxmlformats.org/officeDocument/2006/relationships" xmlns:mc="http://schemas.openxmlformats.org/markup-compatibility/2006" xmlns:mv="urn:schemas-microsoft-com:mac:vml" xmlns:p="http://schemas.openxmlformats.org/presentationml/2006/main" xmlns:c="http://schemas.openxmlformats.org/drawingml/2006/chart" xmlns:dgm="http://schemas.openxmlformats.org/drawingml/2006/diagram" xmlns:o="urn:schemas-microsoft-com:office:office" xmlns:v="urn:schemas-microsoft-com:vml" xmlns:pvml="urn:schemas-microsoft-com:office:powerpoint" xmlns:com="http://schemas.openxmlformats.org/drawingml/2006/compatibility" xmlns:p14="http://schemas.microsoft.com/office/powerpoint/2010/main" xmlns:p15="http://schemas.microsoft.com/office/powerpoint/2012/main" xmlns:ahyp="http://schemas.microsoft.com/office/drawing/2018/hyperlinkcolor" showMasterPhAnim="0" showMasterSp="0">
+<p:notes xmlns:a="http://schemas.openxmlformats.org/drawingml/2006/main" xmlns:r="http://schemas.openxmlformats.org/officeDocument/2006/relationships" xmlns:p="http://schemas.openxmlformats.org/presentationml/2006/main" showMasterSp="0" showMasterPhAnim="0">
   <p:cSld>
     <p:spTree>
       <p:nvGrpSpPr>
-        <p:cNvPr id="102" name="Shape 102"/>
+        <p:cNvPr id="1" name="Shape 102"/>
         <p:cNvGrpSpPr/>
         <p:nvPr/>
       </p:nvGrpSpPr>
@@ -1507,9 +1562,11 @@
       <p:sp>
         <p:nvSpPr>
           <p:cNvPr id="103" name="Google Shape;103;g2b678429006_0_58:notes"/>
-          <p:cNvSpPr/>
+          <p:cNvSpPr>
+            <a:spLocks noGrp="1" noRot="1" noChangeAspect="1"/>
+          </p:cNvSpPr>
           <p:nvPr>
-            <p:ph idx="2" type="sldImg"/>
+            <p:ph type="sldImg" idx="2"/>
           </p:nvPr>
         </p:nvSpPr>
         <p:spPr>
@@ -1518,9 +1575,13 @@
             <a:ext cx="6096000" cy="3429000"/>
           </a:xfrm>
           <a:custGeom>
-            <a:rect b="b" l="l" r="r" t="t"/>
+            <a:avLst/>
+            <a:gdLst/>
+            <a:ahLst/>
+            <a:cxnLst/>
+            <a:rect l="l" t="t" r="r" b="b"/>
             <a:pathLst>
-              <a:path extrusionOk="0" h="120000" w="120000">
+              <a:path w="120000" h="120000" extrusionOk="0">
                 <a:moveTo>
                   <a:pt x="0" y="0"/>
                 </a:moveTo>
@@ -1542,9 +1603,11 @@
       <p:sp>
         <p:nvSpPr>
           <p:cNvPr id="104" name="Google Shape;104;g2b678429006_0_58:notes"/>
-          <p:cNvSpPr txBox="1"/>
+          <p:cNvSpPr txBox="1">
+            <a:spLocks noGrp="1"/>
+          </p:cNvSpPr>
           <p:nvPr>
-            <p:ph idx="1" type="body"/>
+            <p:ph type="body" idx="1"/>
           </p:nvPr>
         </p:nvSpPr>
         <p:spPr>
@@ -1557,12 +1620,12 @@
           </a:prstGeom>
         </p:spPr>
         <p:txBody>
-          <a:bodyPr anchorCtr="0" anchor="t" bIns="91425" lIns="91425" spcFirstLastPara="1" rIns="91425" wrap="square" tIns="91425">
+          <a:bodyPr spcFirstLastPara="1" wrap="square" lIns="91425" tIns="91425" rIns="91425" bIns="91425" anchor="t" anchorCtr="0">
             <a:noAutofit/>
           </a:bodyPr>
           <a:lstStyle/>
           <a:p>
-            <a:pPr indent="0" lvl="0" marL="0" rtl="0" algn="l">
+            <a:pPr marL="0" lvl="0" indent="0" algn="l" rtl="0">
               <a:spcBef>
                 <a:spcPts val="0"/>
               </a:spcBef>
@@ -1571,9 +1634,6 @@
               </a:spcAft>
               <a:buNone/>
             </a:pPr>
-            <a:r>
-              <a:t/>
-            </a:r>
             <a:endParaRPr/>
           </a:p>
         </p:txBody>
@@ -1587,11 +1647,11 @@
 </file>
 
 <file path=ppt/notesSlides/notesSlide9.xml><?xml version="1.0" encoding="utf-8"?>
-<p:notes xmlns:a="http://schemas.openxmlformats.org/drawingml/2006/main" xmlns:r="http://schemas.openxmlformats.org/officeDocument/2006/relationships" xmlns:mc="http://schemas.openxmlformats.org/markup-compatibility/2006" xmlns:mv="urn:schemas-microsoft-com:mac:vml" xmlns:p="http://schemas.openxmlformats.org/presentationml/2006/main" xmlns:c="http://schemas.openxmlformats.org/drawingml/2006/chart" xmlns:dgm="http://schemas.openxmlformats.org/drawingml/2006/diagram" xmlns:o="urn:schemas-microsoft-com:office:office" xmlns:v="urn:schemas-microsoft-com:vml" xmlns:pvml="urn:schemas-microsoft-com:office:powerpoint" xmlns:com="http://schemas.openxmlformats.org/drawingml/2006/compatibility" xmlns:p14="http://schemas.microsoft.com/office/powerpoint/2010/main" xmlns:p15="http://schemas.microsoft.com/office/powerpoint/2012/main" xmlns:ahyp="http://schemas.microsoft.com/office/drawing/2018/hyperlinkcolor" showMasterPhAnim="0" showMasterSp="0">
+<p:notes xmlns:a="http://schemas.openxmlformats.org/drawingml/2006/main" xmlns:r="http://schemas.openxmlformats.org/officeDocument/2006/relationships" xmlns:p="http://schemas.openxmlformats.org/presentationml/2006/main" showMasterSp="0" showMasterPhAnim="0">
   <p:cSld>
     <p:spTree>
       <p:nvGrpSpPr>
-        <p:cNvPr id="109" name="Shape 109"/>
+        <p:cNvPr id="1" name="Shape 109"/>
         <p:cNvGrpSpPr/>
         <p:nvPr/>
       </p:nvGrpSpPr>
@@ -1606,9 +1666,11 @@
       <p:sp>
         <p:nvSpPr>
           <p:cNvPr id="110" name="Google Shape;110;g2b678429006_0_40:notes"/>
-          <p:cNvSpPr/>
+          <p:cNvSpPr>
+            <a:spLocks noGrp="1" noRot="1" noChangeAspect="1"/>
+          </p:cNvSpPr>
           <p:nvPr>
-            <p:ph idx="2" type="sldImg"/>
+            <p:ph type="sldImg" idx="2"/>
           </p:nvPr>
         </p:nvSpPr>
         <p:spPr>
@@ -1617,9 +1679,13 @@
             <a:ext cx="6096000" cy="3429000"/>
           </a:xfrm>
           <a:custGeom>
-            <a:rect b="b" l="l" r="r" t="t"/>
+            <a:avLst/>
+            <a:gdLst/>
+            <a:ahLst/>
+            <a:cxnLst/>
+            <a:rect l="l" t="t" r="r" b="b"/>
             <a:pathLst>
-              <a:path extrusionOk="0" h="120000" w="120000">
+              <a:path w="120000" h="120000" extrusionOk="0">
                 <a:moveTo>
                   <a:pt x="0" y="0"/>
                 </a:moveTo>
@@ -1641,9 +1707,11 @@
       <p:sp>
         <p:nvSpPr>
           <p:cNvPr id="111" name="Google Shape;111;g2b678429006_0_40:notes"/>
-          <p:cNvSpPr txBox="1"/>
+          <p:cNvSpPr txBox="1">
+            <a:spLocks noGrp="1"/>
+          </p:cNvSpPr>
           <p:nvPr>
-            <p:ph idx="1" type="body"/>
+            <p:ph type="body" idx="1"/>
           </p:nvPr>
         </p:nvSpPr>
         <p:spPr>
@@ -1656,12 +1724,12 @@
           </a:prstGeom>
         </p:spPr>
         <p:txBody>
-          <a:bodyPr anchorCtr="0" anchor="t" bIns="91425" lIns="91425" spcFirstLastPara="1" rIns="91425" wrap="square" tIns="91425">
+          <a:bodyPr spcFirstLastPara="1" wrap="square" lIns="91425" tIns="91425" rIns="91425" bIns="91425" anchor="t" anchorCtr="0">
             <a:noAutofit/>
           </a:bodyPr>
           <a:lstStyle/>
           <a:p>
-            <a:pPr indent="0" lvl="0" marL="0" rtl="0" algn="l">
+            <a:pPr marL="0" lvl="0" indent="0" algn="l" rtl="0">
               <a:spcBef>
                 <a:spcPts val="0"/>
               </a:spcBef>
@@ -1670,9 +1738,6 @@
               </a:spcAft>
               <a:buNone/>
             </a:pPr>
-            <a:r>
-              <a:t/>
-            </a:r>
             <a:endParaRPr/>
           </a:p>
         </p:txBody>
@@ -1686,11 +1751,11 @@
 </file>
 
 <file path=ppt/slideLayouts/slideLayout1.xml><?xml version="1.0" encoding="utf-8"?>
-<p:sldLayout xmlns:a="http://schemas.openxmlformats.org/drawingml/2006/main" xmlns:r="http://schemas.openxmlformats.org/officeDocument/2006/relationships" xmlns:mc="http://schemas.openxmlformats.org/markup-compatibility/2006" xmlns:mv="urn:schemas-microsoft-com:mac:vml" xmlns:p="http://schemas.openxmlformats.org/presentationml/2006/main" xmlns:c="http://schemas.openxmlformats.org/drawingml/2006/chart" xmlns:dgm="http://schemas.openxmlformats.org/drawingml/2006/diagram" xmlns:o="urn:schemas-microsoft-com:office:office" xmlns:v="urn:schemas-microsoft-com:vml" xmlns:pvml="urn:schemas-microsoft-com:office:powerpoint" xmlns:com="http://schemas.openxmlformats.org/drawingml/2006/compatibility" xmlns:p14="http://schemas.microsoft.com/office/powerpoint/2010/main" xmlns:p15="http://schemas.microsoft.com/office/powerpoint/2012/main" xmlns:ahyp="http://schemas.microsoft.com/office/drawing/2018/hyperlinkcolor" matchingName="Title slide" type="title">
+<p:sldLayout xmlns:a="http://schemas.openxmlformats.org/drawingml/2006/main" xmlns:r="http://schemas.openxmlformats.org/officeDocument/2006/relationships" xmlns:p="http://schemas.openxmlformats.org/presentationml/2006/main" matchingName="Title slide" type="title">
   <p:cSld name="TITLE">
     <p:spTree>
       <p:nvGrpSpPr>
-        <p:cNvPr id="9" name="Shape 9"/>
+        <p:cNvPr id="1" name="Shape 9"/>
         <p:cNvGrpSpPr/>
         <p:nvPr/>
       </p:nvGrpSpPr>
@@ -1705,7 +1770,9 @@
       <p:sp>
         <p:nvSpPr>
           <p:cNvPr id="10" name="Google Shape;10;p2"/>
-          <p:cNvSpPr txBox="1"/>
+          <p:cNvSpPr txBox="1">
+            <a:spLocks noGrp="1"/>
+          </p:cNvSpPr>
           <p:nvPr>
             <p:ph type="ctrTitle"/>
           </p:nvPr>
@@ -1720,7 +1787,7 @@
           </a:prstGeom>
         </p:spPr>
         <p:txBody>
-          <a:bodyPr anchorCtr="0" anchor="b" bIns="91425" lIns="91425" spcFirstLastPara="1" rIns="91425" wrap="square" tIns="91425">
+          <a:bodyPr spcFirstLastPara="1" wrap="square" lIns="91425" tIns="91425" rIns="91425" bIns="91425" anchor="b" anchorCtr="0">
             <a:normAutofit/>
           </a:bodyPr>
           <a:lstStyle>
@@ -1824,15 +1891,19 @@
               <a:defRPr sz="5200"/>
             </a:lvl9pPr>
           </a:lstStyle>
-          <a:p/>
+          <a:p>
+            <a:endParaRPr/>
+          </a:p>
         </p:txBody>
       </p:sp>
       <p:sp>
         <p:nvSpPr>
           <p:cNvPr id="11" name="Google Shape;11;p2"/>
-          <p:cNvSpPr txBox="1"/>
+          <p:cNvSpPr txBox="1">
+            <a:spLocks noGrp="1"/>
+          </p:cNvSpPr>
           <p:nvPr>
-            <p:ph idx="1" type="subTitle"/>
+            <p:ph type="subTitle" idx="1"/>
           </p:nvPr>
         </p:nvSpPr>
         <p:spPr>
@@ -1845,7 +1916,7 @@
           </a:prstGeom>
         </p:spPr>
         <p:txBody>
-          <a:bodyPr anchorCtr="0" anchor="t" bIns="91425" lIns="91425" spcFirstLastPara="1" rIns="91425" wrap="square" tIns="91425">
+          <a:bodyPr spcFirstLastPara="1" wrap="square" lIns="91425" tIns="91425" rIns="91425" bIns="91425" anchor="t" anchorCtr="0">
             <a:normAutofit/>
           </a:bodyPr>
           <a:lstStyle>
@@ -1976,15 +2047,19 @@
               <a:defRPr sz="2800"/>
             </a:lvl9pPr>
           </a:lstStyle>
-          <a:p/>
+          <a:p>
+            <a:endParaRPr/>
+          </a:p>
         </p:txBody>
       </p:sp>
       <p:sp>
         <p:nvSpPr>
           <p:cNvPr id="12" name="Google Shape;12;p2"/>
-          <p:cNvSpPr txBox="1"/>
+          <p:cNvSpPr txBox="1">
+            <a:spLocks noGrp="1"/>
+          </p:cNvSpPr>
           <p:nvPr>
-            <p:ph idx="12" type="sldNum"/>
+            <p:ph type="sldNum" idx="12"/>
           </p:nvPr>
         </p:nvSpPr>
         <p:spPr>
@@ -1997,7 +2072,7 @@
           </a:prstGeom>
         </p:spPr>
         <p:txBody>
-          <a:bodyPr anchorCtr="0" anchor="ctr" bIns="91425" lIns="91425" spcFirstLastPara="1" rIns="91425" wrap="square" tIns="91425">
+          <a:bodyPr spcFirstLastPara="1" wrap="square" lIns="91425" tIns="91425" rIns="91425" bIns="91425" anchor="ctr" anchorCtr="0">
             <a:normAutofit/>
           </a:bodyPr>
           <a:lstStyle>
@@ -2039,7 +2114,7 @@
             </a:lvl9pPr>
           </a:lstStyle>
           <a:p>
-            <a:pPr indent="0" lvl="0" marL="0" rtl="0" algn="r">
+            <a:pPr marL="0" lvl="0" indent="0" algn="r" rtl="0">
               <a:spcBef>
                 <a:spcPts val="0"/>
               </a:spcBef>
@@ -2065,11 +2140,11 @@
 </file>
 
 <file path=ppt/slideLayouts/slideLayout10.xml><?xml version="1.0" encoding="utf-8"?>
-<p:sldLayout xmlns:a="http://schemas.openxmlformats.org/drawingml/2006/main" xmlns:r="http://schemas.openxmlformats.org/officeDocument/2006/relationships" xmlns:mc="http://schemas.openxmlformats.org/markup-compatibility/2006" xmlns:mv="urn:schemas-microsoft-com:mac:vml" xmlns:p="http://schemas.openxmlformats.org/presentationml/2006/main" xmlns:c="http://schemas.openxmlformats.org/drawingml/2006/chart" xmlns:dgm="http://schemas.openxmlformats.org/drawingml/2006/diagram" xmlns:o="urn:schemas-microsoft-com:office:office" xmlns:v="urn:schemas-microsoft-com:vml" xmlns:pvml="urn:schemas-microsoft-com:office:powerpoint" xmlns:com="http://schemas.openxmlformats.org/drawingml/2006/compatibility" xmlns:p14="http://schemas.microsoft.com/office/powerpoint/2010/main" xmlns:p15="http://schemas.microsoft.com/office/powerpoint/2012/main" xmlns:ahyp="http://schemas.microsoft.com/office/drawing/2018/hyperlinkcolor" matchingName="Big number">
+<p:sldLayout xmlns:a="http://schemas.openxmlformats.org/drawingml/2006/main" xmlns:r="http://schemas.openxmlformats.org/officeDocument/2006/relationships" xmlns:p="http://schemas.openxmlformats.org/presentationml/2006/main" matchingName="Big number">
   <p:cSld name="BIG_NUMBER">
     <p:spTree>
       <p:nvGrpSpPr>
-        <p:cNvPr id="44" name="Shape 44"/>
+        <p:cNvPr id="1" name="Shape 44"/>
         <p:cNvGrpSpPr/>
         <p:nvPr/>
       </p:nvGrpSpPr>
@@ -2084,9 +2159,11 @@
       <p:sp>
         <p:nvSpPr>
           <p:cNvPr id="45" name="Google Shape;45;p11"/>
-          <p:cNvSpPr txBox="1"/>
+          <p:cNvSpPr txBox="1">
+            <a:spLocks noGrp="1"/>
+          </p:cNvSpPr>
           <p:nvPr>
-            <p:ph hasCustomPrompt="1" type="title"/>
+            <p:ph type="title" hasCustomPrompt="1"/>
           </p:nvPr>
         </p:nvSpPr>
         <p:spPr>
@@ -2099,7 +2176,7 @@
           </a:prstGeom>
         </p:spPr>
         <p:txBody>
-          <a:bodyPr anchorCtr="0" anchor="b" bIns="91425" lIns="91425" spcFirstLastPara="1" rIns="91425" wrap="square" tIns="91425">
+          <a:bodyPr spcFirstLastPara="1" wrap="square" lIns="91425" tIns="91425" rIns="91425" bIns="91425" anchor="b" anchorCtr="0">
             <a:normAutofit/>
           </a:bodyPr>
           <a:lstStyle>
@@ -2213,9 +2290,11 @@
       <p:sp>
         <p:nvSpPr>
           <p:cNvPr id="46" name="Google Shape;46;p11"/>
-          <p:cNvSpPr txBox="1"/>
+          <p:cNvSpPr txBox="1">
+            <a:spLocks noGrp="1"/>
+          </p:cNvSpPr>
           <p:nvPr>
-            <p:ph idx="1" type="body"/>
+            <p:ph type="body" idx="1"/>
           </p:nvPr>
         </p:nvSpPr>
         <p:spPr>
@@ -2228,11 +2307,11 @@
           </a:prstGeom>
         </p:spPr>
         <p:txBody>
-          <a:bodyPr anchorCtr="0" anchor="t" bIns="91425" lIns="91425" spcFirstLastPara="1" rIns="91425" wrap="square" tIns="91425">
+          <a:bodyPr spcFirstLastPara="1" wrap="square" lIns="91425" tIns="91425" rIns="91425" bIns="91425" anchor="t" anchorCtr="0">
             <a:normAutofit/>
           </a:bodyPr>
           <a:lstStyle>
-            <a:lvl1pPr indent="-342900" lvl="0" marL="457200" algn="ctr">
+            <a:lvl1pPr marL="457200" lvl="0" indent="-342900" algn="ctr">
               <a:spcBef>
                 <a:spcPts val="0"/>
               </a:spcBef>
@@ -2243,7 +2322,7 @@
               <a:buChar char="●"/>
               <a:defRPr/>
             </a:lvl1pPr>
-            <a:lvl2pPr indent="-317500" lvl="1" marL="914400" algn="ctr">
+            <a:lvl2pPr marL="914400" lvl="1" indent="-317500" algn="ctr">
               <a:spcBef>
                 <a:spcPts val="0"/>
               </a:spcBef>
@@ -2254,7 +2333,7 @@
               <a:buChar char="○"/>
               <a:defRPr/>
             </a:lvl2pPr>
-            <a:lvl3pPr indent="-317500" lvl="2" marL="1371600" algn="ctr">
+            <a:lvl3pPr marL="1371600" lvl="2" indent="-317500" algn="ctr">
               <a:spcBef>
                 <a:spcPts val="0"/>
               </a:spcBef>
@@ -2265,7 +2344,7 @@
               <a:buChar char="■"/>
               <a:defRPr/>
             </a:lvl3pPr>
-            <a:lvl4pPr indent="-317500" lvl="3" marL="1828800" algn="ctr">
+            <a:lvl4pPr marL="1828800" lvl="3" indent="-317500" algn="ctr">
               <a:spcBef>
                 <a:spcPts val="0"/>
               </a:spcBef>
@@ -2276,7 +2355,7 @@
               <a:buChar char="●"/>
               <a:defRPr/>
             </a:lvl4pPr>
-            <a:lvl5pPr indent="-317500" lvl="4" marL="2286000" algn="ctr">
+            <a:lvl5pPr marL="2286000" lvl="4" indent="-317500" algn="ctr">
               <a:spcBef>
                 <a:spcPts val="0"/>
               </a:spcBef>
@@ -2287,7 +2366,7 @@
               <a:buChar char="○"/>
               <a:defRPr/>
             </a:lvl5pPr>
-            <a:lvl6pPr indent="-317500" lvl="5" marL="2743200" algn="ctr">
+            <a:lvl6pPr marL="2743200" lvl="5" indent="-317500" algn="ctr">
               <a:spcBef>
                 <a:spcPts val="0"/>
               </a:spcBef>
@@ -2298,7 +2377,7 @@
               <a:buChar char="■"/>
               <a:defRPr/>
             </a:lvl6pPr>
-            <a:lvl7pPr indent="-317500" lvl="6" marL="3200400" algn="ctr">
+            <a:lvl7pPr marL="3200400" lvl="6" indent="-317500" algn="ctr">
               <a:spcBef>
                 <a:spcPts val="0"/>
               </a:spcBef>
@@ -2309,7 +2388,7 @@
               <a:buChar char="●"/>
               <a:defRPr/>
             </a:lvl7pPr>
-            <a:lvl8pPr indent="-317500" lvl="7" marL="3657600" algn="ctr">
+            <a:lvl8pPr marL="3657600" lvl="7" indent="-317500" algn="ctr">
               <a:spcBef>
                 <a:spcPts val="0"/>
               </a:spcBef>
@@ -2320,7 +2399,7 @@
               <a:buChar char="○"/>
               <a:defRPr/>
             </a:lvl8pPr>
-            <a:lvl9pPr indent="-317500" lvl="8" marL="4114800" algn="ctr">
+            <a:lvl9pPr marL="4114800" lvl="8" indent="-317500" algn="ctr">
               <a:spcBef>
                 <a:spcPts val="0"/>
               </a:spcBef>
@@ -2332,15 +2411,19 @@
               <a:defRPr/>
             </a:lvl9pPr>
           </a:lstStyle>
-          <a:p/>
+          <a:p>
+            <a:endParaRPr/>
+          </a:p>
         </p:txBody>
       </p:sp>
       <p:sp>
         <p:nvSpPr>
           <p:cNvPr id="47" name="Google Shape;47;p11"/>
-          <p:cNvSpPr txBox="1"/>
+          <p:cNvSpPr txBox="1">
+            <a:spLocks noGrp="1"/>
+          </p:cNvSpPr>
           <p:nvPr>
-            <p:ph idx="12" type="sldNum"/>
+            <p:ph type="sldNum" idx="12"/>
           </p:nvPr>
         </p:nvSpPr>
         <p:spPr>
@@ -2353,7 +2436,7 @@
           </a:prstGeom>
         </p:spPr>
         <p:txBody>
-          <a:bodyPr anchorCtr="0" anchor="ctr" bIns="91425" lIns="91425" spcFirstLastPara="1" rIns="91425" wrap="square" tIns="91425">
+          <a:bodyPr spcFirstLastPara="1" wrap="square" lIns="91425" tIns="91425" rIns="91425" bIns="91425" anchor="ctr" anchorCtr="0">
             <a:normAutofit/>
           </a:bodyPr>
           <a:lstStyle>
@@ -2395,7 +2478,7 @@
             </a:lvl9pPr>
           </a:lstStyle>
           <a:p>
-            <a:pPr indent="0" lvl="0" marL="0" rtl="0" algn="r">
+            <a:pPr marL="0" lvl="0" indent="0" algn="r" rtl="0">
               <a:spcBef>
                 <a:spcPts val="0"/>
               </a:spcBef>
@@ -2421,11 +2504,11 @@
 </file>
 
 <file path=ppt/slideLayouts/slideLayout11.xml><?xml version="1.0" encoding="utf-8"?>
-<p:sldLayout xmlns:a="http://schemas.openxmlformats.org/drawingml/2006/main" xmlns:r="http://schemas.openxmlformats.org/officeDocument/2006/relationships" xmlns:mc="http://schemas.openxmlformats.org/markup-compatibility/2006" xmlns:mv="urn:schemas-microsoft-com:mac:vml" xmlns:p="http://schemas.openxmlformats.org/presentationml/2006/main" xmlns:c="http://schemas.openxmlformats.org/drawingml/2006/chart" xmlns:dgm="http://schemas.openxmlformats.org/drawingml/2006/diagram" xmlns:o="urn:schemas-microsoft-com:office:office" xmlns:v="urn:schemas-microsoft-com:vml" xmlns:pvml="urn:schemas-microsoft-com:office:powerpoint" xmlns:com="http://schemas.openxmlformats.org/drawingml/2006/compatibility" xmlns:p14="http://schemas.microsoft.com/office/powerpoint/2010/main" xmlns:p15="http://schemas.microsoft.com/office/powerpoint/2012/main" xmlns:ahyp="http://schemas.microsoft.com/office/drawing/2018/hyperlinkcolor" matchingName="Blank" type="blank">
+<p:sldLayout xmlns:a="http://schemas.openxmlformats.org/drawingml/2006/main" xmlns:r="http://schemas.openxmlformats.org/officeDocument/2006/relationships" xmlns:p="http://schemas.openxmlformats.org/presentationml/2006/main" matchingName="Blank" type="blank">
   <p:cSld name="BLANK">
     <p:spTree>
       <p:nvGrpSpPr>
-        <p:cNvPr id="48" name="Shape 48"/>
+        <p:cNvPr id="1" name="Shape 48"/>
         <p:cNvGrpSpPr/>
         <p:nvPr/>
       </p:nvGrpSpPr>
@@ -2440,9 +2523,11 @@
       <p:sp>
         <p:nvSpPr>
           <p:cNvPr id="49" name="Google Shape;49;p12"/>
-          <p:cNvSpPr txBox="1"/>
+          <p:cNvSpPr txBox="1">
+            <a:spLocks noGrp="1"/>
+          </p:cNvSpPr>
           <p:nvPr>
-            <p:ph idx="12" type="sldNum"/>
+            <p:ph type="sldNum" idx="12"/>
           </p:nvPr>
         </p:nvSpPr>
         <p:spPr>
@@ -2455,7 +2540,7 @@
           </a:prstGeom>
         </p:spPr>
         <p:txBody>
-          <a:bodyPr anchorCtr="0" anchor="ctr" bIns="91425" lIns="91425" spcFirstLastPara="1" rIns="91425" wrap="square" tIns="91425">
+          <a:bodyPr spcFirstLastPara="1" wrap="square" lIns="91425" tIns="91425" rIns="91425" bIns="91425" anchor="ctr" anchorCtr="0">
             <a:normAutofit/>
           </a:bodyPr>
           <a:lstStyle>
@@ -2497,7 +2582,7 @@
             </a:lvl9pPr>
           </a:lstStyle>
           <a:p>
-            <a:pPr indent="0" lvl="0" marL="0" rtl="0" algn="r">
+            <a:pPr marL="0" lvl="0" indent="0" algn="r" rtl="0">
               <a:spcBef>
                 <a:spcPts val="0"/>
               </a:spcBef>
@@ -2523,11 +2608,11 @@
 </file>
 
 <file path=ppt/slideLayouts/slideLayout2.xml><?xml version="1.0" encoding="utf-8"?>
-<p:sldLayout xmlns:a="http://schemas.openxmlformats.org/drawingml/2006/main" xmlns:r="http://schemas.openxmlformats.org/officeDocument/2006/relationships" xmlns:mc="http://schemas.openxmlformats.org/markup-compatibility/2006" xmlns:mv="urn:schemas-microsoft-com:mac:vml" xmlns:p="http://schemas.openxmlformats.org/presentationml/2006/main" xmlns:c="http://schemas.openxmlformats.org/drawingml/2006/chart" xmlns:dgm="http://schemas.openxmlformats.org/drawingml/2006/diagram" xmlns:o="urn:schemas-microsoft-com:office:office" xmlns:v="urn:schemas-microsoft-com:vml" xmlns:pvml="urn:schemas-microsoft-com:office:powerpoint" xmlns:com="http://schemas.openxmlformats.org/drawingml/2006/compatibility" xmlns:p14="http://schemas.microsoft.com/office/powerpoint/2010/main" xmlns:p15="http://schemas.microsoft.com/office/powerpoint/2012/main" xmlns:ahyp="http://schemas.microsoft.com/office/drawing/2018/hyperlinkcolor" matchingName="Section header" type="secHead">
+<p:sldLayout xmlns:a="http://schemas.openxmlformats.org/drawingml/2006/main" xmlns:r="http://schemas.openxmlformats.org/officeDocument/2006/relationships" xmlns:p="http://schemas.openxmlformats.org/presentationml/2006/main" matchingName="Section header" type="secHead">
   <p:cSld name="SECTION_HEADER">
     <p:spTree>
       <p:nvGrpSpPr>
-        <p:cNvPr id="13" name="Shape 13"/>
+        <p:cNvPr id="1" name="Shape 13"/>
         <p:cNvGrpSpPr/>
         <p:nvPr/>
       </p:nvGrpSpPr>
@@ -2542,7 +2627,9 @@
       <p:sp>
         <p:nvSpPr>
           <p:cNvPr id="14" name="Google Shape;14;p3"/>
-          <p:cNvSpPr txBox="1"/>
+          <p:cNvSpPr txBox="1">
+            <a:spLocks noGrp="1"/>
+          </p:cNvSpPr>
           <p:nvPr>
             <p:ph type="title"/>
           </p:nvPr>
@@ -2557,7 +2644,7 @@
           </a:prstGeom>
         </p:spPr>
         <p:txBody>
-          <a:bodyPr anchorCtr="0" anchor="ctr" bIns="91425" lIns="91425" spcFirstLastPara="1" rIns="91425" wrap="square" tIns="91425">
+          <a:bodyPr spcFirstLastPara="1" wrap="square" lIns="91425" tIns="91425" rIns="91425" bIns="91425" anchor="ctr" anchorCtr="0">
             <a:normAutofit/>
           </a:bodyPr>
           <a:lstStyle>
@@ -2661,15 +2748,19 @@
               <a:defRPr sz="3600"/>
             </a:lvl9pPr>
           </a:lstStyle>
-          <a:p/>
+          <a:p>
+            <a:endParaRPr/>
+          </a:p>
         </p:txBody>
       </p:sp>
       <p:sp>
         <p:nvSpPr>
           <p:cNvPr id="15" name="Google Shape;15;p3"/>
-          <p:cNvSpPr txBox="1"/>
+          <p:cNvSpPr txBox="1">
+            <a:spLocks noGrp="1"/>
+          </p:cNvSpPr>
           <p:nvPr>
-            <p:ph idx="12" type="sldNum"/>
+            <p:ph type="sldNum" idx="12"/>
           </p:nvPr>
         </p:nvSpPr>
         <p:spPr>
@@ -2682,7 +2773,7 @@
           </a:prstGeom>
         </p:spPr>
         <p:txBody>
-          <a:bodyPr anchorCtr="0" anchor="ctr" bIns="91425" lIns="91425" spcFirstLastPara="1" rIns="91425" wrap="square" tIns="91425">
+          <a:bodyPr spcFirstLastPara="1" wrap="square" lIns="91425" tIns="91425" rIns="91425" bIns="91425" anchor="ctr" anchorCtr="0">
             <a:normAutofit/>
           </a:bodyPr>
           <a:lstStyle>
@@ -2724,7 +2815,7 @@
             </a:lvl9pPr>
           </a:lstStyle>
           <a:p>
-            <a:pPr indent="0" lvl="0" marL="0" rtl="0" algn="r">
+            <a:pPr marL="0" lvl="0" indent="0" algn="r" rtl="0">
               <a:spcBef>
                 <a:spcPts val="0"/>
               </a:spcBef>
@@ -2750,11 +2841,11 @@
 </file>
 
 <file path=ppt/slideLayouts/slideLayout3.xml><?xml version="1.0" encoding="utf-8"?>
-<p:sldLayout xmlns:a="http://schemas.openxmlformats.org/drawingml/2006/main" xmlns:r="http://schemas.openxmlformats.org/officeDocument/2006/relationships" xmlns:mc="http://schemas.openxmlformats.org/markup-compatibility/2006" xmlns:mv="urn:schemas-microsoft-com:mac:vml" xmlns:p="http://schemas.openxmlformats.org/presentationml/2006/main" xmlns:c="http://schemas.openxmlformats.org/drawingml/2006/chart" xmlns:dgm="http://schemas.openxmlformats.org/drawingml/2006/diagram" xmlns:o="urn:schemas-microsoft-com:office:office" xmlns:v="urn:schemas-microsoft-com:vml" xmlns:pvml="urn:schemas-microsoft-com:office:powerpoint" xmlns:com="http://schemas.openxmlformats.org/drawingml/2006/compatibility" xmlns:p14="http://schemas.microsoft.com/office/powerpoint/2010/main" xmlns:p15="http://schemas.microsoft.com/office/powerpoint/2012/main" xmlns:ahyp="http://schemas.microsoft.com/office/drawing/2018/hyperlinkcolor" matchingName="Title and body" type="tx">
+<p:sldLayout xmlns:a="http://schemas.openxmlformats.org/drawingml/2006/main" xmlns:r="http://schemas.openxmlformats.org/officeDocument/2006/relationships" xmlns:p="http://schemas.openxmlformats.org/presentationml/2006/main" matchingName="Title and body" type="tx">
   <p:cSld name="TITLE_AND_BODY">
     <p:spTree>
       <p:nvGrpSpPr>
-        <p:cNvPr id="16" name="Shape 16"/>
+        <p:cNvPr id="1" name="Shape 16"/>
         <p:cNvGrpSpPr/>
         <p:nvPr/>
       </p:nvGrpSpPr>
@@ -2769,7 +2860,9 @@
       <p:sp>
         <p:nvSpPr>
           <p:cNvPr id="17" name="Google Shape;17;p4"/>
-          <p:cNvSpPr txBox="1"/>
+          <p:cNvSpPr txBox="1">
+            <a:spLocks noGrp="1"/>
+          </p:cNvSpPr>
           <p:nvPr>
             <p:ph type="title"/>
           </p:nvPr>
@@ -2784,7 +2877,7 @@
           </a:prstGeom>
         </p:spPr>
         <p:txBody>
-          <a:bodyPr anchorCtr="0" anchor="t" bIns="91425" lIns="91425" spcFirstLastPara="1" rIns="91425" wrap="square" tIns="91425">
+          <a:bodyPr spcFirstLastPara="1" wrap="square" lIns="91425" tIns="91425" rIns="91425" bIns="91425" anchor="t" anchorCtr="0">
             <a:normAutofit/>
           </a:bodyPr>
           <a:lstStyle>
@@ -2888,15 +2981,19 @@
               <a:defRPr/>
             </a:lvl9pPr>
           </a:lstStyle>
-          <a:p/>
+          <a:p>
+            <a:endParaRPr/>
+          </a:p>
         </p:txBody>
       </p:sp>
       <p:sp>
         <p:nvSpPr>
           <p:cNvPr id="18" name="Google Shape;18;p4"/>
-          <p:cNvSpPr txBox="1"/>
+          <p:cNvSpPr txBox="1">
+            <a:spLocks noGrp="1"/>
+          </p:cNvSpPr>
           <p:nvPr>
-            <p:ph idx="1" type="body"/>
+            <p:ph type="body" idx="1"/>
           </p:nvPr>
         </p:nvSpPr>
         <p:spPr>
@@ -2909,11 +3006,11 @@
           </a:prstGeom>
         </p:spPr>
         <p:txBody>
-          <a:bodyPr anchorCtr="0" anchor="t" bIns="91425" lIns="91425" spcFirstLastPara="1" rIns="91425" wrap="square" tIns="91425">
+          <a:bodyPr spcFirstLastPara="1" wrap="square" lIns="91425" tIns="91425" rIns="91425" bIns="91425" anchor="t" anchorCtr="0">
             <a:normAutofit/>
           </a:bodyPr>
           <a:lstStyle>
-            <a:lvl1pPr indent="-342900" lvl="0" marL="457200">
+            <a:lvl1pPr marL="457200" lvl="0" indent="-342900">
               <a:spcBef>
                 <a:spcPts val="0"/>
               </a:spcBef>
@@ -2924,7 +3021,7 @@
               <a:buChar char="●"/>
               <a:defRPr/>
             </a:lvl1pPr>
-            <a:lvl2pPr indent="-317500" lvl="1" marL="914400">
+            <a:lvl2pPr marL="914400" lvl="1" indent="-317500">
               <a:spcBef>
                 <a:spcPts val="0"/>
               </a:spcBef>
@@ -2935,7 +3032,7 @@
               <a:buChar char="○"/>
               <a:defRPr/>
             </a:lvl2pPr>
-            <a:lvl3pPr indent="-317500" lvl="2" marL="1371600">
+            <a:lvl3pPr marL="1371600" lvl="2" indent="-317500">
               <a:spcBef>
                 <a:spcPts val="0"/>
               </a:spcBef>
@@ -2946,7 +3043,7 @@
               <a:buChar char="■"/>
               <a:defRPr/>
             </a:lvl3pPr>
-            <a:lvl4pPr indent="-317500" lvl="3" marL="1828800">
+            <a:lvl4pPr marL="1828800" lvl="3" indent="-317500">
               <a:spcBef>
                 <a:spcPts val="0"/>
               </a:spcBef>
@@ -2957,7 +3054,7 @@
               <a:buChar char="●"/>
               <a:defRPr/>
             </a:lvl4pPr>
-            <a:lvl5pPr indent="-317500" lvl="4" marL="2286000">
+            <a:lvl5pPr marL="2286000" lvl="4" indent="-317500">
               <a:spcBef>
                 <a:spcPts val="0"/>
               </a:spcBef>
@@ -2968,7 +3065,7 @@
               <a:buChar char="○"/>
               <a:defRPr/>
             </a:lvl5pPr>
-            <a:lvl6pPr indent="-317500" lvl="5" marL="2743200">
+            <a:lvl6pPr marL="2743200" lvl="5" indent="-317500">
               <a:spcBef>
                 <a:spcPts val="0"/>
               </a:spcBef>
@@ -2979,7 +3076,7 @@
               <a:buChar char="■"/>
               <a:defRPr/>
             </a:lvl6pPr>
-            <a:lvl7pPr indent="-317500" lvl="6" marL="3200400">
+            <a:lvl7pPr marL="3200400" lvl="6" indent="-317500">
               <a:spcBef>
                 <a:spcPts val="0"/>
               </a:spcBef>
@@ -2990,7 +3087,7 @@
               <a:buChar char="●"/>
               <a:defRPr/>
             </a:lvl7pPr>
-            <a:lvl8pPr indent="-317500" lvl="7" marL="3657600">
+            <a:lvl8pPr marL="3657600" lvl="7" indent="-317500">
               <a:spcBef>
                 <a:spcPts val="0"/>
               </a:spcBef>
@@ -3001,7 +3098,7 @@
               <a:buChar char="○"/>
               <a:defRPr/>
             </a:lvl8pPr>
-            <a:lvl9pPr indent="-317500" lvl="8" marL="4114800">
+            <a:lvl9pPr marL="4114800" lvl="8" indent="-317500">
               <a:spcBef>
                 <a:spcPts val="0"/>
               </a:spcBef>
@@ -3013,15 +3110,19 @@
               <a:defRPr/>
             </a:lvl9pPr>
           </a:lstStyle>
-          <a:p/>
+          <a:p>
+            <a:endParaRPr/>
+          </a:p>
         </p:txBody>
       </p:sp>
       <p:sp>
         <p:nvSpPr>
           <p:cNvPr id="19" name="Google Shape;19;p4"/>
-          <p:cNvSpPr txBox="1"/>
+          <p:cNvSpPr txBox="1">
+            <a:spLocks noGrp="1"/>
+          </p:cNvSpPr>
           <p:nvPr>
-            <p:ph idx="12" type="sldNum"/>
+            <p:ph type="sldNum" idx="12"/>
           </p:nvPr>
         </p:nvSpPr>
         <p:spPr>
@@ -3034,7 +3135,7 @@
           </a:prstGeom>
         </p:spPr>
         <p:txBody>
-          <a:bodyPr anchorCtr="0" anchor="ctr" bIns="91425" lIns="91425" spcFirstLastPara="1" rIns="91425" wrap="square" tIns="91425">
+          <a:bodyPr spcFirstLastPara="1" wrap="square" lIns="91425" tIns="91425" rIns="91425" bIns="91425" anchor="ctr" anchorCtr="0">
             <a:normAutofit/>
           </a:bodyPr>
           <a:lstStyle>
@@ -3076,7 +3177,7 @@
             </a:lvl9pPr>
           </a:lstStyle>
           <a:p>
-            <a:pPr indent="0" lvl="0" marL="0" rtl="0" algn="r">
+            <a:pPr marL="0" lvl="0" indent="0" algn="r" rtl="0">
               <a:spcBef>
                 <a:spcPts val="0"/>
               </a:spcBef>
@@ -3102,11 +3203,11 @@
 </file>
 
 <file path=ppt/slideLayouts/slideLayout4.xml><?xml version="1.0" encoding="utf-8"?>
-<p:sldLayout xmlns:a="http://schemas.openxmlformats.org/drawingml/2006/main" xmlns:r="http://schemas.openxmlformats.org/officeDocument/2006/relationships" xmlns:mc="http://schemas.openxmlformats.org/markup-compatibility/2006" xmlns:mv="urn:schemas-microsoft-com:mac:vml" xmlns:p="http://schemas.openxmlformats.org/presentationml/2006/main" xmlns:c="http://schemas.openxmlformats.org/drawingml/2006/chart" xmlns:dgm="http://schemas.openxmlformats.org/drawingml/2006/diagram" xmlns:o="urn:schemas-microsoft-com:office:office" xmlns:v="urn:schemas-microsoft-com:vml" xmlns:pvml="urn:schemas-microsoft-com:office:powerpoint" xmlns:com="http://schemas.openxmlformats.org/drawingml/2006/compatibility" xmlns:p14="http://schemas.microsoft.com/office/powerpoint/2010/main" xmlns:p15="http://schemas.microsoft.com/office/powerpoint/2012/main" xmlns:ahyp="http://schemas.microsoft.com/office/drawing/2018/hyperlinkcolor" matchingName="Title and two columns" type="twoColTx">
+<p:sldLayout xmlns:a="http://schemas.openxmlformats.org/drawingml/2006/main" xmlns:r="http://schemas.openxmlformats.org/officeDocument/2006/relationships" xmlns:p="http://schemas.openxmlformats.org/presentationml/2006/main" matchingName="Title and two columns" type="twoColTx">
   <p:cSld name="TITLE_AND_TWO_COLUMNS">
     <p:spTree>
       <p:nvGrpSpPr>
-        <p:cNvPr id="20" name="Shape 20"/>
+        <p:cNvPr id="1" name="Shape 20"/>
         <p:cNvGrpSpPr/>
         <p:nvPr/>
       </p:nvGrpSpPr>
@@ -3121,7 +3222,9 @@
       <p:sp>
         <p:nvSpPr>
           <p:cNvPr id="21" name="Google Shape;21;p5"/>
-          <p:cNvSpPr txBox="1"/>
+          <p:cNvSpPr txBox="1">
+            <a:spLocks noGrp="1"/>
+          </p:cNvSpPr>
           <p:nvPr>
             <p:ph type="title"/>
           </p:nvPr>
@@ -3136,7 +3239,7 @@
           </a:prstGeom>
         </p:spPr>
         <p:txBody>
-          <a:bodyPr anchorCtr="0" anchor="t" bIns="91425" lIns="91425" spcFirstLastPara="1" rIns="91425" wrap="square" tIns="91425">
+          <a:bodyPr spcFirstLastPara="1" wrap="square" lIns="91425" tIns="91425" rIns="91425" bIns="91425" anchor="t" anchorCtr="0">
             <a:normAutofit/>
           </a:bodyPr>
           <a:lstStyle>
@@ -3240,15 +3343,19 @@
               <a:defRPr/>
             </a:lvl9pPr>
           </a:lstStyle>
-          <a:p/>
+          <a:p>
+            <a:endParaRPr/>
+          </a:p>
         </p:txBody>
       </p:sp>
       <p:sp>
         <p:nvSpPr>
           <p:cNvPr id="22" name="Google Shape;22;p5"/>
-          <p:cNvSpPr txBox="1"/>
+          <p:cNvSpPr txBox="1">
+            <a:spLocks noGrp="1"/>
+          </p:cNvSpPr>
           <p:nvPr>
-            <p:ph idx="1" type="body"/>
+            <p:ph type="body" idx="1"/>
           </p:nvPr>
         </p:nvSpPr>
         <p:spPr>
@@ -3261,11 +3368,11 @@
           </a:prstGeom>
         </p:spPr>
         <p:txBody>
-          <a:bodyPr anchorCtr="0" anchor="t" bIns="91425" lIns="91425" spcFirstLastPara="1" rIns="91425" wrap="square" tIns="91425">
+          <a:bodyPr spcFirstLastPara="1" wrap="square" lIns="91425" tIns="91425" rIns="91425" bIns="91425" anchor="t" anchorCtr="0">
             <a:normAutofit/>
           </a:bodyPr>
           <a:lstStyle>
-            <a:lvl1pPr indent="-317500" lvl="0" marL="457200">
+            <a:lvl1pPr marL="457200" lvl="0" indent="-317500">
               <a:spcBef>
                 <a:spcPts val="0"/>
               </a:spcBef>
@@ -3276,7 +3383,7 @@
               <a:buChar char="●"/>
               <a:defRPr sz="1400"/>
             </a:lvl1pPr>
-            <a:lvl2pPr indent="-304800" lvl="1" marL="914400">
+            <a:lvl2pPr marL="914400" lvl="1" indent="-304800">
               <a:spcBef>
                 <a:spcPts val="0"/>
               </a:spcBef>
@@ -3287,7 +3394,7 @@
               <a:buChar char="○"/>
               <a:defRPr sz="1200"/>
             </a:lvl2pPr>
-            <a:lvl3pPr indent="-304800" lvl="2" marL="1371600">
+            <a:lvl3pPr marL="1371600" lvl="2" indent="-304800">
               <a:spcBef>
                 <a:spcPts val="0"/>
               </a:spcBef>
@@ -3298,7 +3405,7 @@
               <a:buChar char="■"/>
               <a:defRPr sz="1200"/>
             </a:lvl3pPr>
-            <a:lvl4pPr indent="-304800" lvl="3" marL="1828800">
+            <a:lvl4pPr marL="1828800" lvl="3" indent="-304800">
               <a:spcBef>
                 <a:spcPts val="0"/>
               </a:spcBef>
@@ -3309,7 +3416,7 @@
               <a:buChar char="●"/>
               <a:defRPr sz="1200"/>
             </a:lvl4pPr>
-            <a:lvl5pPr indent="-304800" lvl="4" marL="2286000">
+            <a:lvl5pPr marL="2286000" lvl="4" indent="-304800">
               <a:spcBef>
                 <a:spcPts val="0"/>
               </a:spcBef>
@@ -3320,7 +3427,7 @@
               <a:buChar char="○"/>
               <a:defRPr sz="1200"/>
             </a:lvl5pPr>
-            <a:lvl6pPr indent="-304800" lvl="5" marL="2743200">
+            <a:lvl6pPr marL="2743200" lvl="5" indent="-304800">
               <a:spcBef>
                 <a:spcPts val="0"/>
               </a:spcBef>
@@ -3331,7 +3438,7 @@
               <a:buChar char="■"/>
               <a:defRPr sz="1200"/>
             </a:lvl6pPr>
-            <a:lvl7pPr indent="-304800" lvl="6" marL="3200400">
+            <a:lvl7pPr marL="3200400" lvl="6" indent="-304800">
               <a:spcBef>
                 <a:spcPts val="0"/>
               </a:spcBef>
@@ -3342,7 +3449,7 @@
               <a:buChar char="●"/>
               <a:defRPr sz="1200"/>
             </a:lvl7pPr>
-            <a:lvl8pPr indent="-304800" lvl="7" marL="3657600">
+            <a:lvl8pPr marL="3657600" lvl="7" indent="-304800">
               <a:spcBef>
                 <a:spcPts val="0"/>
               </a:spcBef>
@@ -3353,7 +3460,7 @@
               <a:buChar char="○"/>
               <a:defRPr sz="1200"/>
             </a:lvl8pPr>
-            <a:lvl9pPr indent="-304800" lvl="8" marL="4114800">
+            <a:lvl9pPr marL="4114800" lvl="8" indent="-304800">
               <a:spcBef>
                 <a:spcPts val="0"/>
               </a:spcBef>
@@ -3365,15 +3472,19 @@
               <a:defRPr sz="1200"/>
             </a:lvl9pPr>
           </a:lstStyle>
-          <a:p/>
+          <a:p>
+            <a:endParaRPr/>
+          </a:p>
         </p:txBody>
       </p:sp>
       <p:sp>
         <p:nvSpPr>
           <p:cNvPr id="23" name="Google Shape;23;p5"/>
-          <p:cNvSpPr txBox="1"/>
+          <p:cNvSpPr txBox="1">
+            <a:spLocks noGrp="1"/>
+          </p:cNvSpPr>
           <p:nvPr>
-            <p:ph idx="2" type="body"/>
+            <p:ph type="body" idx="2"/>
           </p:nvPr>
         </p:nvSpPr>
         <p:spPr>
@@ -3386,11 +3497,11 @@
           </a:prstGeom>
         </p:spPr>
         <p:txBody>
-          <a:bodyPr anchorCtr="0" anchor="t" bIns="91425" lIns="91425" spcFirstLastPara="1" rIns="91425" wrap="square" tIns="91425">
+          <a:bodyPr spcFirstLastPara="1" wrap="square" lIns="91425" tIns="91425" rIns="91425" bIns="91425" anchor="t" anchorCtr="0">
             <a:normAutofit/>
           </a:bodyPr>
           <a:lstStyle>
-            <a:lvl1pPr indent="-317500" lvl="0" marL="457200">
+            <a:lvl1pPr marL="457200" lvl="0" indent="-317500">
               <a:spcBef>
                 <a:spcPts val="0"/>
               </a:spcBef>
@@ -3401,7 +3512,7 @@
               <a:buChar char="●"/>
               <a:defRPr sz="1400"/>
             </a:lvl1pPr>
-            <a:lvl2pPr indent="-304800" lvl="1" marL="914400">
+            <a:lvl2pPr marL="914400" lvl="1" indent="-304800">
               <a:spcBef>
                 <a:spcPts val="0"/>
               </a:spcBef>
@@ -3412,7 +3523,7 @@
               <a:buChar char="○"/>
               <a:defRPr sz="1200"/>
             </a:lvl2pPr>
-            <a:lvl3pPr indent="-304800" lvl="2" marL="1371600">
+            <a:lvl3pPr marL="1371600" lvl="2" indent="-304800">
               <a:spcBef>
                 <a:spcPts val="0"/>
               </a:spcBef>
@@ -3423,7 +3534,7 @@
               <a:buChar char="■"/>
               <a:defRPr sz="1200"/>
             </a:lvl3pPr>
-            <a:lvl4pPr indent="-304800" lvl="3" marL="1828800">
+            <a:lvl4pPr marL="1828800" lvl="3" indent="-304800">
               <a:spcBef>
                 <a:spcPts val="0"/>
               </a:spcBef>
@@ -3434,7 +3545,7 @@
               <a:buChar char="●"/>
               <a:defRPr sz="1200"/>
             </a:lvl4pPr>
-            <a:lvl5pPr indent="-304800" lvl="4" marL="2286000">
+            <a:lvl5pPr marL="2286000" lvl="4" indent="-304800">
               <a:spcBef>
                 <a:spcPts val="0"/>
               </a:spcBef>
@@ -3445,7 +3556,7 @@
               <a:buChar char="○"/>
               <a:defRPr sz="1200"/>
             </a:lvl5pPr>
-            <a:lvl6pPr indent="-304800" lvl="5" marL="2743200">
+            <a:lvl6pPr marL="2743200" lvl="5" indent="-304800">
               <a:spcBef>
                 <a:spcPts val="0"/>
               </a:spcBef>
@@ -3456,7 +3567,7 @@
               <a:buChar char="■"/>
               <a:defRPr sz="1200"/>
             </a:lvl6pPr>
-            <a:lvl7pPr indent="-304800" lvl="6" marL="3200400">
+            <a:lvl7pPr marL="3200400" lvl="6" indent="-304800">
               <a:spcBef>
                 <a:spcPts val="0"/>
               </a:spcBef>
@@ -3467,7 +3578,7 @@
               <a:buChar char="●"/>
               <a:defRPr sz="1200"/>
             </a:lvl7pPr>
-            <a:lvl8pPr indent="-304800" lvl="7" marL="3657600">
+            <a:lvl8pPr marL="3657600" lvl="7" indent="-304800">
               <a:spcBef>
                 <a:spcPts val="0"/>
               </a:spcBef>
@@ -3478,7 +3589,7 @@
               <a:buChar char="○"/>
               <a:defRPr sz="1200"/>
             </a:lvl8pPr>
-            <a:lvl9pPr indent="-304800" lvl="8" marL="4114800">
+            <a:lvl9pPr marL="4114800" lvl="8" indent="-304800">
               <a:spcBef>
                 <a:spcPts val="0"/>
               </a:spcBef>
@@ -3490,15 +3601,19 @@
               <a:defRPr sz="1200"/>
             </a:lvl9pPr>
           </a:lstStyle>
-          <a:p/>
+          <a:p>
+            <a:endParaRPr/>
+          </a:p>
         </p:txBody>
       </p:sp>
       <p:sp>
         <p:nvSpPr>
           <p:cNvPr id="24" name="Google Shape;24;p5"/>
-          <p:cNvSpPr txBox="1"/>
+          <p:cNvSpPr txBox="1">
+            <a:spLocks noGrp="1"/>
+          </p:cNvSpPr>
           <p:nvPr>
-            <p:ph idx="12" type="sldNum"/>
+            <p:ph type="sldNum" idx="12"/>
           </p:nvPr>
         </p:nvSpPr>
         <p:spPr>
@@ -3511,7 +3626,7 @@
           </a:prstGeom>
         </p:spPr>
         <p:txBody>
-          <a:bodyPr anchorCtr="0" anchor="ctr" bIns="91425" lIns="91425" spcFirstLastPara="1" rIns="91425" wrap="square" tIns="91425">
+          <a:bodyPr spcFirstLastPara="1" wrap="square" lIns="91425" tIns="91425" rIns="91425" bIns="91425" anchor="ctr" anchorCtr="0">
             <a:normAutofit/>
           </a:bodyPr>
           <a:lstStyle>
@@ -3553,7 +3668,7 @@
             </a:lvl9pPr>
           </a:lstStyle>
           <a:p>
-            <a:pPr indent="0" lvl="0" marL="0" rtl="0" algn="r">
+            <a:pPr marL="0" lvl="0" indent="0" algn="r" rtl="0">
               <a:spcBef>
                 <a:spcPts val="0"/>
               </a:spcBef>
@@ -3579,11 +3694,11 @@
 </file>
 
 <file path=ppt/slideLayouts/slideLayout5.xml><?xml version="1.0" encoding="utf-8"?>
-<p:sldLayout xmlns:a="http://schemas.openxmlformats.org/drawingml/2006/main" xmlns:r="http://schemas.openxmlformats.org/officeDocument/2006/relationships" xmlns:mc="http://schemas.openxmlformats.org/markup-compatibility/2006" xmlns:mv="urn:schemas-microsoft-com:mac:vml" xmlns:p="http://schemas.openxmlformats.org/presentationml/2006/main" xmlns:c="http://schemas.openxmlformats.org/drawingml/2006/chart" xmlns:dgm="http://schemas.openxmlformats.org/drawingml/2006/diagram" xmlns:o="urn:schemas-microsoft-com:office:office" xmlns:v="urn:schemas-microsoft-com:vml" xmlns:pvml="urn:schemas-microsoft-com:office:powerpoint" xmlns:com="http://schemas.openxmlformats.org/drawingml/2006/compatibility" xmlns:p14="http://schemas.microsoft.com/office/powerpoint/2010/main" xmlns:p15="http://schemas.microsoft.com/office/powerpoint/2012/main" xmlns:ahyp="http://schemas.microsoft.com/office/drawing/2018/hyperlinkcolor" matchingName="Title only" type="titleOnly">
+<p:sldLayout xmlns:a="http://schemas.openxmlformats.org/drawingml/2006/main" xmlns:r="http://schemas.openxmlformats.org/officeDocument/2006/relationships" xmlns:p="http://schemas.openxmlformats.org/presentationml/2006/main" matchingName="Title only" type="titleOnly">
   <p:cSld name="TITLE_ONLY">
     <p:spTree>
       <p:nvGrpSpPr>
-        <p:cNvPr id="25" name="Shape 25"/>
+        <p:cNvPr id="1" name="Shape 25"/>
         <p:cNvGrpSpPr/>
         <p:nvPr/>
       </p:nvGrpSpPr>
@@ -3598,7 +3713,9 @@
       <p:sp>
         <p:nvSpPr>
           <p:cNvPr id="26" name="Google Shape;26;p6"/>
-          <p:cNvSpPr txBox="1"/>
+          <p:cNvSpPr txBox="1">
+            <a:spLocks noGrp="1"/>
+          </p:cNvSpPr>
           <p:nvPr>
             <p:ph type="title"/>
           </p:nvPr>
@@ -3613,7 +3730,7 @@
           </a:prstGeom>
         </p:spPr>
         <p:txBody>
-          <a:bodyPr anchorCtr="0" anchor="t" bIns="91425" lIns="91425" spcFirstLastPara="1" rIns="91425" wrap="square" tIns="91425">
+          <a:bodyPr spcFirstLastPara="1" wrap="square" lIns="91425" tIns="91425" rIns="91425" bIns="91425" anchor="t" anchorCtr="0">
             <a:normAutofit/>
           </a:bodyPr>
           <a:lstStyle>
@@ -3717,15 +3834,19 @@
               <a:defRPr/>
             </a:lvl9pPr>
           </a:lstStyle>
-          <a:p/>
+          <a:p>
+            <a:endParaRPr/>
+          </a:p>
         </p:txBody>
       </p:sp>
       <p:sp>
         <p:nvSpPr>
           <p:cNvPr id="27" name="Google Shape;27;p6"/>
-          <p:cNvSpPr txBox="1"/>
+          <p:cNvSpPr txBox="1">
+            <a:spLocks noGrp="1"/>
+          </p:cNvSpPr>
           <p:nvPr>
-            <p:ph idx="12" type="sldNum"/>
+            <p:ph type="sldNum" idx="12"/>
           </p:nvPr>
         </p:nvSpPr>
         <p:spPr>
@@ -3738,7 +3859,7 @@
           </a:prstGeom>
         </p:spPr>
         <p:txBody>
-          <a:bodyPr anchorCtr="0" anchor="ctr" bIns="91425" lIns="91425" spcFirstLastPara="1" rIns="91425" wrap="square" tIns="91425">
+          <a:bodyPr spcFirstLastPara="1" wrap="square" lIns="91425" tIns="91425" rIns="91425" bIns="91425" anchor="ctr" anchorCtr="0">
             <a:normAutofit/>
           </a:bodyPr>
           <a:lstStyle>
@@ -3780,7 +3901,7 @@
             </a:lvl9pPr>
           </a:lstStyle>
           <a:p>
-            <a:pPr indent="0" lvl="0" marL="0" rtl="0" algn="r">
+            <a:pPr marL="0" lvl="0" indent="0" algn="r" rtl="0">
               <a:spcBef>
                 <a:spcPts val="0"/>
               </a:spcBef>
@@ -3806,11 +3927,11 @@
 </file>
 
 <file path=ppt/slideLayouts/slideLayout6.xml><?xml version="1.0" encoding="utf-8"?>
-<p:sldLayout xmlns:a="http://schemas.openxmlformats.org/drawingml/2006/main" xmlns:r="http://schemas.openxmlformats.org/officeDocument/2006/relationships" xmlns:mc="http://schemas.openxmlformats.org/markup-compatibility/2006" xmlns:mv="urn:schemas-microsoft-com:mac:vml" xmlns:p="http://schemas.openxmlformats.org/presentationml/2006/main" xmlns:c="http://schemas.openxmlformats.org/drawingml/2006/chart" xmlns:dgm="http://schemas.openxmlformats.org/drawingml/2006/diagram" xmlns:o="urn:schemas-microsoft-com:office:office" xmlns:v="urn:schemas-microsoft-com:vml" xmlns:pvml="urn:schemas-microsoft-com:office:powerpoint" xmlns:com="http://schemas.openxmlformats.org/drawingml/2006/compatibility" xmlns:p14="http://schemas.microsoft.com/office/powerpoint/2010/main" xmlns:p15="http://schemas.microsoft.com/office/powerpoint/2012/main" xmlns:ahyp="http://schemas.microsoft.com/office/drawing/2018/hyperlinkcolor" matchingName="One column text">
+<p:sldLayout xmlns:a="http://schemas.openxmlformats.org/drawingml/2006/main" xmlns:r="http://schemas.openxmlformats.org/officeDocument/2006/relationships" xmlns:p="http://schemas.openxmlformats.org/presentationml/2006/main" matchingName="One column text">
   <p:cSld name="ONE_COLUMN_TEXT">
     <p:spTree>
       <p:nvGrpSpPr>
-        <p:cNvPr id="28" name="Shape 28"/>
+        <p:cNvPr id="1" name="Shape 28"/>
         <p:cNvGrpSpPr/>
         <p:nvPr/>
       </p:nvGrpSpPr>
@@ -3825,7 +3946,9 @@
       <p:sp>
         <p:nvSpPr>
           <p:cNvPr id="29" name="Google Shape;29;p7"/>
-          <p:cNvSpPr txBox="1"/>
+          <p:cNvSpPr txBox="1">
+            <a:spLocks noGrp="1"/>
+          </p:cNvSpPr>
           <p:nvPr>
             <p:ph type="title"/>
           </p:nvPr>
@@ -3840,7 +3963,7 @@
           </a:prstGeom>
         </p:spPr>
         <p:txBody>
-          <a:bodyPr anchorCtr="0" anchor="b" bIns="91425" lIns="91425" spcFirstLastPara="1" rIns="91425" wrap="square" tIns="91425">
+          <a:bodyPr spcFirstLastPara="1" wrap="square" lIns="91425" tIns="91425" rIns="91425" bIns="91425" anchor="b" anchorCtr="0">
             <a:normAutofit/>
           </a:bodyPr>
           <a:lstStyle>
@@ -3944,15 +4067,19 @@
               <a:defRPr sz="2400"/>
             </a:lvl9pPr>
           </a:lstStyle>
-          <a:p/>
+          <a:p>
+            <a:endParaRPr/>
+          </a:p>
         </p:txBody>
       </p:sp>
       <p:sp>
         <p:nvSpPr>
           <p:cNvPr id="30" name="Google Shape;30;p7"/>
-          <p:cNvSpPr txBox="1"/>
+          <p:cNvSpPr txBox="1">
+            <a:spLocks noGrp="1"/>
+          </p:cNvSpPr>
           <p:nvPr>
-            <p:ph idx="1" type="body"/>
+            <p:ph type="body" idx="1"/>
           </p:nvPr>
         </p:nvSpPr>
         <p:spPr>
@@ -3965,11 +4092,11 @@
           </a:prstGeom>
         </p:spPr>
         <p:txBody>
-          <a:bodyPr anchorCtr="0" anchor="t" bIns="91425" lIns="91425" spcFirstLastPara="1" rIns="91425" wrap="square" tIns="91425">
+          <a:bodyPr spcFirstLastPara="1" wrap="square" lIns="91425" tIns="91425" rIns="91425" bIns="91425" anchor="t" anchorCtr="0">
             <a:normAutofit/>
           </a:bodyPr>
           <a:lstStyle>
-            <a:lvl1pPr indent="-304800" lvl="0" marL="457200">
+            <a:lvl1pPr marL="457200" lvl="0" indent="-304800">
               <a:spcBef>
                 <a:spcPts val="0"/>
               </a:spcBef>
@@ -3980,7 +4107,7 @@
               <a:buChar char="●"/>
               <a:defRPr sz="1200"/>
             </a:lvl1pPr>
-            <a:lvl2pPr indent="-304800" lvl="1" marL="914400">
+            <a:lvl2pPr marL="914400" lvl="1" indent="-304800">
               <a:spcBef>
                 <a:spcPts val="0"/>
               </a:spcBef>
@@ -3991,7 +4118,7 @@
               <a:buChar char="○"/>
               <a:defRPr sz="1200"/>
             </a:lvl2pPr>
-            <a:lvl3pPr indent="-304800" lvl="2" marL="1371600">
+            <a:lvl3pPr marL="1371600" lvl="2" indent="-304800">
               <a:spcBef>
                 <a:spcPts val="0"/>
               </a:spcBef>
@@ -4002,7 +4129,7 @@
               <a:buChar char="■"/>
               <a:defRPr sz="1200"/>
             </a:lvl3pPr>
-            <a:lvl4pPr indent="-304800" lvl="3" marL="1828800">
+            <a:lvl4pPr marL="1828800" lvl="3" indent="-304800">
               <a:spcBef>
                 <a:spcPts val="0"/>
               </a:spcBef>
@@ -4013,7 +4140,7 @@
               <a:buChar char="●"/>
               <a:defRPr sz="1200"/>
             </a:lvl4pPr>
-            <a:lvl5pPr indent="-304800" lvl="4" marL="2286000">
+            <a:lvl5pPr marL="2286000" lvl="4" indent="-304800">
               <a:spcBef>
                 <a:spcPts val="0"/>
               </a:spcBef>
@@ -4024,7 +4151,7 @@
               <a:buChar char="○"/>
               <a:defRPr sz="1200"/>
             </a:lvl5pPr>
-            <a:lvl6pPr indent="-304800" lvl="5" marL="2743200">
+            <a:lvl6pPr marL="2743200" lvl="5" indent="-304800">
               <a:spcBef>
                 <a:spcPts val="0"/>
               </a:spcBef>
@@ -4035,7 +4162,7 @@
               <a:buChar char="■"/>
               <a:defRPr sz="1200"/>
             </a:lvl6pPr>
-            <a:lvl7pPr indent="-304800" lvl="6" marL="3200400">
+            <a:lvl7pPr marL="3200400" lvl="6" indent="-304800">
               <a:spcBef>
                 <a:spcPts val="0"/>
               </a:spcBef>
@@ -4046,7 +4173,7 @@
               <a:buChar char="●"/>
               <a:defRPr sz="1200"/>
             </a:lvl7pPr>
-            <a:lvl8pPr indent="-304800" lvl="7" marL="3657600">
+            <a:lvl8pPr marL="3657600" lvl="7" indent="-304800">
               <a:spcBef>
                 <a:spcPts val="0"/>
               </a:spcBef>
@@ -4057,7 +4184,7 @@
               <a:buChar char="○"/>
               <a:defRPr sz="1200"/>
             </a:lvl8pPr>
-            <a:lvl9pPr indent="-304800" lvl="8" marL="4114800">
+            <a:lvl9pPr marL="4114800" lvl="8" indent="-304800">
               <a:spcBef>
                 <a:spcPts val="0"/>
               </a:spcBef>
@@ -4069,15 +4196,19 @@
               <a:defRPr sz="1200"/>
             </a:lvl9pPr>
           </a:lstStyle>
-          <a:p/>
+          <a:p>
+            <a:endParaRPr/>
+          </a:p>
         </p:txBody>
       </p:sp>
       <p:sp>
         <p:nvSpPr>
           <p:cNvPr id="31" name="Google Shape;31;p7"/>
-          <p:cNvSpPr txBox="1"/>
+          <p:cNvSpPr txBox="1">
+            <a:spLocks noGrp="1"/>
+          </p:cNvSpPr>
           <p:nvPr>
-            <p:ph idx="12" type="sldNum"/>
+            <p:ph type="sldNum" idx="12"/>
           </p:nvPr>
         </p:nvSpPr>
         <p:spPr>
@@ -4090,7 +4221,7 @@
           </a:prstGeom>
         </p:spPr>
         <p:txBody>
-          <a:bodyPr anchorCtr="0" anchor="ctr" bIns="91425" lIns="91425" spcFirstLastPara="1" rIns="91425" wrap="square" tIns="91425">
+          <a:bodyPr spcFirstLastPara="1" wrap="square" lIns="91425" tIns="91425" rIns="91425" bIns="91425" anchor="ctr" anchorCtr="0">
             <a:normAutofit/>
           </a:bodyPr>
           <a:lstStyle>
@@ -4132,7 +4263,7 @@
             </a:lvl9pPr>
           </a:lstStyle>
           <a:p>
-            <a:pPr indent="0" lvl="0" marL="0" rtl="0" algn="r">
+            <a:pPr marL="0" lvl="0" indent="0" algn="r" rtl="0">
               <a:spcBef>
                 <a:spcPts val="0"/>
               </a:spcBef>
@@ -4158,11 +4289,11 @@
 </file>
 
 <file path=ppt/slideLayouts/slideLayout7.xml><?xml version="1.0" encoding="utf-8"?>
-<p:sldLayout xmlns:a="http://schemas.openxmlformats.org/drawingml/2006/main" xmlns:r="http://schemas.openxmlformats.org/officeDocument/2006/relationships" xmlns:mc="http://schemas.openxmlformats.org/markup-compatibility/2006" xmlns:mv="urn:schemas-microsoft-com:mac:vml" xmlns:p="http://schemas.openxmlformats.org/presentationml/2006/main" xmlns:c="http://schemas.openxmlformats.org/drawingml/2006/chart" xmlns:dgm="http://schemas.openxmlformats.org/drawingml/2006/diagram" xmlns:o="urn:schemas-microsoft-com:office:office" xmlns:v="urn:schemas-microsoft-com:vml" xmlns:pvml="urn:schemas-microsoft-com:office:powerpoint" xmlns:com="http://schemas.openxmlformats.org/drawingml/2006/compatibility" xmlns:p14="http://schemas.microsoft.com/office/powerpoint/2010/main" xmlns:p15="http://schemas.microsoft.com/office/powerpoint/2012/main" xmlns:ahyp="http://schemas.microsoft.com/office/drawing/2018/hyperlinkcolor" matchingName="Main point">
+<p:sldLayout xmlns:a="http://schemas.openxmlformats.org/drawingml/2006/main" xmlns:r="http://schemas.openxmlformats.org/officeDocument/2006/relationships" xmlns:p="http://schemas.openxmlformats.org/presentationml/2006/main" matchingName="Main point">
   <p:cSld name="MAIN_POINT">
     <p:spTree>
       <p:nvGrpSpPr>
-        <p:cNvPr id="32" name="Shape 32"/>
+        <p:cNvPr id="1" name="Shape 32"/>
         <p:cNvGrpSpPr/>
         <p:nvPr/>
       </p:nvGrpSpPr>
@@ -4177,7 +4308,9 @@
       <p:sp>
         <p:nvSpPr>
           <p:cNvPr id="33" name="Google Shape;33;p8"/>
-          <p:cNvSpPr txBox="1"/>
+          <p:cNvSpPr txBox="1">
+            <a:spLocks noGrp="1"/>
+          </p:cNvSpPr>
           <p:nvPr>
             <p:ph type="title"/>
           </p:nvPr>
@@ -4192,7 +4325,7 @@
           </a:prstGeom>
         </p:spPr>
         <p:txBody>
-          <a:bodyPr anchorCtr="0" anchor="ctr" bIns="91425" lIns="91425" spcFirstLastPara="1" rIns="91425" wrap="square" tIns="91425">
+          <a:bodyPr spcFirstLastPara="1" wrap="square" lIns="91425" tIns="91425" rIns="91425" bIns="91425" anchor="ctr" anchorCtr="0">
             <a:normAutofit/>
           </a:bodyPr>
           <a:lstStyle>
@@ -4296,15 +4429,19 @@
               <a:defRPr sz="4800"/>
             </a:lvl9pPr>
           </a:lstStyle>
-          <a:p/>
+          <a:p>
+            <a:endParaRPr/>
+          </a:p>
         </p:txBody>
       </p:sp>
       <p:sp>
         <p:nvSpPr>
           <p:cNvPr id="34" name="Google Shape;34;p8"/>
-          <p:cNvSpPr txBox="1"/>
+          <p:cNvSpPr txBox="1">
+            <a:spLocks noGrp="1"/>
+          </p:cNvSpPr>
           <p:nvPr>
-            <p:ph idx="12" type="sldNum"/>
+            <p:ph type="sldNum" idx="12"/>
           </p:nvPr>
         </p:nvSpPr>
         <p:spPr>
@@ -4317,7 +4454,7 @@
           </a:prstGeom>
         </p:spPr>
         <p:txBody>
-          <a:bodyPr anchorCtr="0" anchor="ctr" bIns="91425" lIns="91425" spcFirstLastPara="1" rIns="91425" wrap="square" tIns="91425">
+          <a:bodyPr spcFirstLastPara="1" wrap="square" lIns="91425" tIns="91425" rIns="91425" bIns="91425" anchor="ctr" anchorCtr="0">
             <a:normAutofit/>
           </a:bodyPr>
           <a:lstStyle>
@@ -4359,7 +4496,7 @@
             </a:lvl9pPr>
           </a:lstStyle>
           <a:p>
-            <a:pPr indent="0" lvl="0" marL="0" rtl="0" algn="r">
+            <a:pPr marL="0" lvl="0" indent="0" algn="r" rtl="0">
               <a:spcBef>
                 <a:spcPts val="0"/>
               </a:spcBef>
@@ -4385,11 +4522,11 @@
 </file>
 
 <file path=ppt/slideLayouts/slideLayout8.xml><?xml version="1.0" encoding="utf-8"?>
-<p:sldLayout xmlns:a="http://schemas.openxmlformats.org/drawingml/2006/main" xmlns:r="http://schemas.openxmlformats.org/officeDocument/2006/relationships" xmlns:mc="http://schemas.openxmlformats.org/markup-compatibility/2006" xmlns:mv="urn:schemas-microsoft-com:mac:vml" xmlns:p="http://schemas.openxmlformats.org/presentationml/2006/main" xmlns:c="http://schemas.openxmlformats.org/drawingml/2006/chart" xmlns:dgm="http://schemas.openxmlformats.org/drawingml/2006/diagram" xmlns:o="urn:schemas-microsoft-com:office:office" xmlns:v="urn:schemas-microsoft-com:vml" xmlns:pvml="urn:schemas-microsoft-com:office:powerpoint" xmlns:com="http://schemas.openxmlformats.org/drawingml/2006/compatibility" xmlns:p14="http://schemas.microsoft.com/office/powerpoint/2010/main" xmlns:p15="http://schemas.microsoft.com/office/powerpoint/2012/main" xmlns:ahyp="http://schemas.microsoft.com/office/drawing/2018/hyperlinkcolor" matchingName="Section title and description">
+<p:sldLayout xmlns:a="http://schemas.openxmlformats.org/drawingml/2006/main" xmlns:r="http://schemas.openxmlformats.org/officeDocument/2006/relationships" xmlns:p="http://schemas.openxmlformats.org/presentationml/2006/main" matchingName="Section title and description">
   <p:cSld name="SECTION_TITLE_AND_DESCRIPTION">
     <p:spTree>
       <p:nvGrpSpPr>
-        <p:cNvPr id="35" name="Shape 35"/>
+        <p:cNvPr id="1" name="Shape 35"/>
         <p:cNvGrpSpPr/>
         <p:nvPr/>
       </p:nvGrpSpPr>
@@ -4423,12 +4560,12 @@
           </a:ln>
         </p:spPr>
         <p:txBody>
-          <a:bodyPr anchorCtr="0" anchor="ctr" bIns="91425" lIns="91425" spcFirstLastPara="1" rIns="91425" wrap="square" tIns="91425">
+          <a:bodyPr spcFirstLastPara="1" wrap="square" lIns="91425" tIns="91425" rIns="91425" bIns="91425" anchor="ctr" anchorCtr="0">
             <a:noAutofit/>
           </a:bodyPr>
           <a:lstStyle/>
           <a:p>
-            <a:pPr indent="0" lvl="0" marL="0" rtl="0" algn="l">
+            <a:pPr marL="0" lvl="0" indent="0" algn="l" rtl="0">
               <a:spcBef>
                 <a:spcPts val="0"/>
               </a:spcBef>
@@ -4437,9 +4574,6 @@
               </a:spcAft>
               <a:buNone/>
             </a:pPr>
-            <a:r>
-              <a:t/>
-            </a:r>
             <a:endParaRPr/>
           </a:p>
         </p:txBody>
@@ -4447,7 +4581,9 @@
       <p:sp>
         <p:nvSpPr>
           <p:cNvPr id="37" name="Google Shape;37;p9"/>
-          <p:cNvSpPr txBox="1"/>
+          <p:cNvSpPr txBox="1">
+            <a:spLocks noGrp="1"/>
+          </p:cNvSpPr>
           <p:nvPr>
             <p:ph type="title"/>
           </p:nvPr>
@@ -4462,7 +4598,7 @@
           </a:prstGeom>
         </p:spPr>
         <p:txBody>
-          <a:bodyPr anchorCtr="0" anchor="b" bIns="91425" lIns="91425" spcFirstLastPara="1" rIns="91425" wrap="square" tIns="91425">
+          <a:bodyPr spcFirstLastPara="1" wrap="square" lIns="91425" tIns="91425" rIns="91425" bIns="91425" anchor="b" anchorCtr="0">
             <a:normAutofit/>
           </a:bodyPr>
           <a:lstStyle>
@@ -4566,15 +4702,19 @@
               <a:defRPr sz="4200"/>
             </a:lvl9pPr>
           </a:lstStyle>
-          <a:p/>
+          <a:p>
+            <a:endParaRPr/>
+          </a:p>
         </p:txBody>
       </p:sp>
       <p:sp>
         <p:nvSpPr>
           <p:cNvPr id="38" name="Google Shape;38;p9"/>
-          <p:cNvSpPr txBox="1"/>
+          <p:cNvSpPr txBox="1">
+            <a:spLocks noGrp="1"/>
+          </p:cNvSpPr>
           <p:nvPr>
-            <p:ph idx="1" type="subTitle"/>
+            <p:ph type="subTitle" idx="1"/>
           </p:nvPr>
         </p:nvSpPr>
         <p:spPr>
@@ -4587,7 +4727,7 @@
           </a:prstGeom>
         </p:spPr>
         <p:txBody>
-          <a:bodyPr anchorCtr="0" anchor="t" bIns="91425" lIns="91425" spcFirstLastPara="1" rIns="91425" wrap="square" tIns="91425">
+          <a:bodyPr spcFirstLastPara="1" wrap="square" lIns="91425" tIns="91425" rIns="91425" bIns="91425" anchor="t" anchorCtr="0">
             <a:normAutofit/>
           </a:bodyPr>
           <a:lstStyle>
@@ -4718,15 +4858,19 @@
               <a:defRPr sz="2100"/>
             </a:lvl9pPr>
           </a:lstStyle>
-          <a:p/>
+          <a:p>
+            <a:endParaRPr/>
+          </a:p>
         </p:txBody>
       </p:sp>
       <p:sp>
         <p:nvSpPr>
           <p:cNvPr id="39" name="Google Shape;39;p9"/>
-          <p:cNvSpPr txBox="1"/>
+          <p:cNvSpPr txBox="1">
+            <a:spLocks noGrp="1"/>
+          </p:cNvSpPr>
           <p:nvPr>
-            <p:ph idx="2" type="body"/>
+            <p:ph type="body" idx="2"/>
           </p:nvPr>
         </p:nvSpPr>
         <p:spPr>
@@ -4739,11 +4883,11 @@
           </a:prstGeom>
         </p:spPr>
         <p:txBody>
-          <a:bodyPr anchorCtr="0" anchor="ctr" bIns="91425" lIns="91425" spcFirstLastPara="1" rIns="91425" wrap="square" tIns="91425">
+          <a:bodyPr spcFirstLastPara="1" wrap="square" lIns="91425" tIns="91425" rIns="91425" bIns="91425" anchor="ctr" anchorCtr="0">
             <a:normAutofit/>
           </a:bodyPr>
           <a:lstStyle>
-            <a:lvl1pPr indent="-342900" lvl="0" marL="457200">
+            <a:lvl1pPr marL="457200" lvl="0" indent="-342900">
               <a:spcBef>
                 <a:spcPts val="0"/>
               </a:spcBef>
@@ -4754,7 +4898,7 @@
               <a:buChar char="●"/>
               <a:defRPr/>
             </a:lvl1pPr>
-            <a:lvl2pPr indent="-317500" lvl="1" marL="914400">
+            <a:lvl2pPr marL="914400" lvl="1" indent="-317500">
               <a:spcBef>
                 <a:spcPts val="0"/>
               </a:spcBef>
@@ -4765,7 +4909,7 @@
               <a:buChar char="○"/>
               <a:defRPr/>
             </a:lvl2pPr>
-            <a:lvl3pPr indent="-317500" lvl="2" marL="1371600">
+            <a:lvl3pPr marL="1371600" lvl="2" indent="-317500">
               <a:spcBef>
                 <a:spcPts val="0"/>
               </a:spcBef>
@@ -4776,7 +4920,7 @@
               <a:buChar char="■"/>
               <a:defRPr/>
             </a:lvl3pPr>
-            <a:lvl4pPr indent="-317500" lvl="3" marL="1828800">
+            <a:lvl4pPr marL="1828800" lvl="3" indent="-317500">
               <a:spcBef>
                 <a:spcPts val="0"/>
               </a:spcBef>
@@ -4787,7 +4931,7 @@
               <a:buChar char="●"/>
               <a:defRPr/>
             </a:lvl4pPr>
-            <a:lvl5pPr indent="-317500" lvl="4" marL="2286000">
+            <a:lvl5pPr marL="2286000" lvl="4" indent="-317500">
               <a:spcBef>
                 <a:spcPts val="0"/>
               </a:spcBef>
@@ -4798,7 +4942,7 @@
               <a:buChar char="○"/>
               <a:defRPr/>
             </a:lvl5pPr>
-            <a:lvl6pPr indent="-317500" lvl="5" marL="2743200">
+            <a:lvl6pPr marL="2743200" lvl="5" indent="-317500">
               <a:spcBef>
                 <a:spcPts val="0"/>
               </a:spcBef>
@@ -4809,7 +4953,7 @@
               <a:buChar char="■"/>
               <a:defRPr/>
             </a:lvl6pPr>
-            <a:lvl7pPr indent="-317500" lvl="6" marL="3200400">
+            <a:lvl7pPr marL="3200400" lvl="6" indent="-317500">
               <a:spcBef>
                 <a:spcPts val="0"/>
               </a:spcBef>
@@ -4820,7 +4964,7 @@
               <a:buChar char="●"/>
               <a:defRPr/>
             </a:lvl7pPr>
-            <a:lvl8pPr indent="-317500" lvl="7" marL="3657600">
+            <a:lvl8pPr marL="3657600" lvl="7" indent="-317500">
               <a:spcBef>
                 <a:spcPts val="0"/>
               </a:spcBef>
@@ -4831,7 +4975,7 @@
               <a:buChar char="○"/>
               <a:defRPr/>
             </a:lvl8pPr>
-            <a:lvl9pPr indent="-317500" lvl="8" marL="4114800">
+            <a:lvl9pPr marL="4114800" lvl="8" indent="-317500">
               <a:spcBef>
                 <a:spcPts val="0"/>
               </a:spcBef>
@@ -4843,15 +4987,19 @@
               <a:defRPr/>
             </a:lvl9pPr>
           </a:lstStyle>
-          <a:p/>
+          <a:p>
+            <a:endParaRPr/>
+          </a:p>
         </p:txBody>
       </p:sp>
       <p:sp>
         <p:nvSpPr>
           <p:cNvPr id="40" name="Google Shape;40;p9"/>
-          <p:cNvSpPr txBox="1"/>
+          <p:cNvSpPr txBox="1">
+            <a:spLocks noGrp="1"/>
+          </p:cNvSpPr>
           <p:nvPr>
-            <p:ph idx="12" type="sldNum"/>
+            <p:ph type="sldNum" idx="12"/>
           </p:nvPr>
         </p:nvSpPr>
         <p:spPr>
@@ -4864,7 +5012,7 @@
           </a:prstGeom>
         </p:spPr>
         <p:txBody>
-          <a:bodyPr anchorCtr="0" anchor="ctr" bIns="91425" lIns="91425" spcFirstLastPara="1" rIns="91425" wrap="square" tIns="91425">
+          <a:bodyPr spcFirstLastPara="1" wrap="square" lIns="91425" tIns="91425" rIns="91425" bIns="91425" anchor="ctr" anchorCtr="0">
             <a:normAutofit/>
           </a:bodyPr>
           <a:lstStyle>
@@ -4906,7 +5054,7 @@
             </a:lvl9pPr>
           </a:lstStyle>
           <a:p>
-            <a:pPr indent="0" lvl="0" marL="0" rtl="0" algn="r">
+            <a:pPr marL="0" lvl="0" indent="0" algn="r" rtl="0">
               <a:spcBef>
                 <a:spcPts val="0"/>
               </a:spcBef>
@@ -4932,11 +5080,11 @@
 </file>
 
 <file path=ppt/slideLayouts/slideLayout9.xml><?xml version="1.0" encoding="utf-8"?>
-<p:sldLayout xmlns:a="http://schemas.openxmlformats.org/drawingml/2006/main" xmlns:r="http://schemas.openxmlformats.org/officeDocument/2006/relationships" xmlns:mc="http://schemas.openxmlformats.org/markup-compatibility/2006" xmlns:mv="urn:schemas-microsoft-com:mac:vml" xmlns:p="http://schemas.openxmlformats.org/presentationml/2006/main" xmlns:c="http://schemas.openxmlformats.org/drawingml/2006/chart" xmlns:dgm="http://schemas.openxmlformats.org/drawingml/2006/diagram" xmlns:o="urn:schemas-microsoft-com:office:office" xmlns:v="urn:schemas-microsoft-com:vml" xmlns:pvml="urn:schemas-microsoft-com:office:powerpoint" xmlns:com="http://schemas.openxmlformats.org/drawingml/2006/compatibility" xmlns:p14="http://schemas.microsoft.com/office/powerpoint/2010/main" xmlns:p15="http://schemas.microsoft.com/office/powerpoint/2012/main" xmlns:ahyp="http://schemas.microsoft.com/office/drawing/2018/hyperlinkcolor" matchingName="Caption">
+<p:sldLayout xmlns:a="http://schemas.openxmlformats.org/drawingml/2006/main" xmlns:r="http://schemas.openxmlformats.org/officeDocument/2006/relationships" xmlns:p="http://schemas.openxmlformats.org/presentationml/2006/main" matchingName="Caption">
   <p:cSld name="CAPTION_ONLY">
     <p:spTree>
       <p:nvGrpSpPr>
-        <p:cNvPr id="41" name="Shape 41"/>
+        <p:cNvPr id="1" name="Shape 41"/>
         <p:cNvGrpSpPr/>
         <p:nvPr/>
       </p:nvGrpSpPr>
@@ -4951,9 +5099,11 @@
       <p:sp>
         <p:nvSpPr>
           <p:cNvPr id="42" name="Google Shape;42;p10"/>
-          <p:cNvSpPr txBox="1"/>
+          <p:cNvSpPr txBox="1">
+            <a:spLocks noGrp="1"/>
+          </p:cNvSpPr>
           <p:nvPr>
-            <p:ph idx="1" type="body"/>
+            <p:ph type="body" idx="1"/>
           </p:nvPr>
         </p:nvSpPr>
         <p:spPr>
@@ -4966,11 +5116,11 @@
           </a:prstGeom>
         </p:spPr>
         <p:txBody>
-          <a:bodyPr anchorCtr="0" anchor="ctr" bIns="91425" lIns="91425" spcFirstLastPara="1" rIns="91425" wrap="square" tIns="91425">
+          <a:bodyPr spcFirstLastPara="1" wrap="square" lIns="91425" tIns="91425" rIns="91425" bIns="91425" anchor="ctr" anchorCtr="0">
             <a:normAutofit/>
           </a:bodyPr>
           <a:lstStyle>
-            <a:lvl1pPr indent="-228600" lvl="0" marL="457200">
+            <a:lvl1pPr marL="457200" lvl="0" indent="-228600">
               <a:lnSpc>
                 <a:spcPct val="100000"/>
               </a:lnSpc>
@@ -4985,15 +5135,19 @@
               <a:defRPr/>
             </a:lvl1pPr>
           </a:lstStyle>
-          <a:p/>
+          <a:p>
+            <a:endParaRPr/>
+          </a:p>
         </p:txBody>
       </p:sp>
       <p:sp>
         <p:nvSpPr>
           <p:cNvPr id="43" name="Google Shape;43;p10"/>
-          <p:cNvSpPr txBox="1"/>
+          <p:cNvSpPr txBox="1">
+            <a:spLocks noGrp="1"/>
+          </p:cNvSpPr>
           <p:nvPr>
-            <p:ph idx="12" type="sldNum"/>
+            <p:ph type="sldNum" idx="12"/>
           </p:nvPr>
         </p:nvSpPr>
         <p:spPr>
@@ -5006,7 +5160,7 @@
           </a:prstGeom>
         </p:spPr>
         <p:txBody>
-          <a:bodyPr anchorCtr="0" anchor="ctr" bIns="91425" lIns="91425" spcFirstLastPara="1" rIns="91425" wrap="square" tIns="91425">
+          <a:bodyPr spcFirstLastPara="1" wrap="square" lIns="91425" tIns="91425" rIns="91425" bIns="91425" anchor="ctr" anchorCtr="0">
             <a:normAutofit/>
           </a:bodyPr>
           <a:lstStyle>
@@ -5048,7 +5202,7 @@
             </a:lvl9pPr>
           </a:lstStyle>
           <a:p>
-            <a:pPr indent="0" lvl="0" marL="0" rtl="0" algn="r">
+            <a:pPr marL="0" lvl="0" indent="0" algn="r" rtl="0">
               <a:spcBef>
                 <a:spcPts val="0"/>
               </a:spcBef>
@@ -5074,18 +5228,19 @@
 </file>
 
 <file path=ppt/slideMasters/slideMaster1.xml><?xml version="1.0" encoding="utf-8"?>
-<p:sldMaster xmlns:a="http://schemas.openxmlformats.org/drawingml/2006/main" xmlns:r="http://schemas.openxmlformats.org/officeDocument/2006/relationships" xmlns:mc="http://schemas.openxmlformats.org/markup-compatibility/2006" xmlns:mv="urn:schemas-microsoft-com:mac:vml" xmlns:p="http://schemas.openxmlformats.org/presentationml/2006/main" xmlns:c="http://schemas.openxmlformats.org/drawingml/2006/chart" xmlns:dgm="http://schemas.openxmlformats.org/drawingml/2006/diagram" xmlns:o="urn:schemas-microsoft-com:office:office" xmlns:v="urn:schemas-microsoft-com:vml" xmlns:pvml="urn:schemas-microsoft-com:office:powerpoint" xmlns:com="http://schemas.openxmlformats.org/drawingml/2006/compatibility" xmlns:p14="http://schemas.microsoft.com/office/powerpoint/2010/main" xmlns:p15="http://schemas.microsoft.com/office/powerpoint/2012/main" xmlns:ahyp="http://schemas.microsoft.com/office/drawing/2018/hyperlinkcolor">
+<p:sldMaster xmlns:a="http://schemas.openxmlformats.org/drawingml/2006/main" xmlns:r="http://schemas.openxmlformats.org/officeDocument/2006/relationships" xmlns:p="http://schemas.openxmlformats.org/presentationml/2006/main">
   <p:cSld name="simple-light-2">
     <p:bg>
       <p:bgPr>
         <a:solidFill>
           <a:schemeClr val="lt1"/>
         </a:solidFill>
+        <a:effectLst/>
       </p:bgPr>
     </p:bg>
     <p:spTree>
       <p:nvGrpSpPr>
-        <p:cNvPr id="5" name="Shape 5"/>
+        <p:cNvPr id="1" name="Shape 5"/>
         <p:cNvGrpSpPr/>
         <p:nvPr/>
       </p:nvGrpSpPr>
@@ -5100,7 +5255,9 @@
       <p:sp>
         <p:nvSpPr>
           <p:cNvPr id="6" name="Google Shape;6;p1"/>
-          <p:cNvSpPr txBox="1"/>
+          <p:cNvSpPr txBox="1">
+            <a:spLocks noGrp="1"/>
+          </p:cNvSpPr>
           <p:nvPr>
             <p:ph type="title"/>
           </p:nvPr>
@@ -5119,7 +5276,7 @@
           </a:ln>
         </p:spPr>
         <p:txBody>
-          <a:bodyPr anchorCtr="0" anchor="t" bIns="91425" lIns="91425" spcFirstLastPara="1" rIns="91425" wrap="square" tIns="91425">
+          <a:bodyPr spcFirstLastPara="1" wrap="square" lIns="91425" tIns="91425" rIns="91425" bIns="91425" anchor="t" anchorCtr="0">
             <a:normAutofit/>
           </a:bodyPr>
           <a:lstStyle>
@@ -5286,15 +5443,19 @@
               </a:defRPr>
             </a:lvl9pPr>
           </a:lstStyle>
-          <a:p/>
+          <a:p>
+            <a:endParaRPr/>
+          </a:p>
         </p:txBody>
       </p:sp>
       <p:sp>
         <p:nvSpPr>
           <p:cNvPr id="7" name="Google Shape;7;p1"/>
-          <p:cNvSpPr txBox="1"/>
+          <p:cNvSpPr txBox="1">
+            <a:spLocks noGrp="1"/>
+          </p:cNvSpPr>
           <p:nvPr>
-            <p:ph idx="1" type="body"/>
+            <p:ph type="body" idx="1"/>
           </p:nvPr>
         </p:nvSpPr>
         <p:spPr>
@@ -5311,11 +5472,11 @@
           </a:ln>
         </p:spPr>
         <p:txBody>
-          <a:bodyPr anchorCtr="0" anchor="t" bIns="91425" lIns="91425" spcFirstLastPara="1" rIns="91425" wrap="square" tIns="91425">
+          <a:bodyPr spcFirstLastPara="1" wrap="square" lIns="91425" tIns="91425" rIns="91425" bIns="91425" anchor="t" anchorCtr="0">
             <a:normAutofit/>
           </a:bodyPr>
           <a:lstStyle>
-            <a:lvl1pPr indent="-342900" lvl="0" marL="457200">
+            <a:lvl1pPr marL="457200" lvl="0" indent="-342900">
               <a:lnSpc>
                 <a:spcPct val="115000"/>
               </a:lnSpc>
@@ -5336,7 +5497,7 @@
                 </a:solidFill>
               </a:defRPr>
             </a:lvl1pPr>
-            <a:lvl2pPr indent="-317500" lvl="1" marL="914400">
+            <a:lvl2pPr marL="914400" lvl="1" indent="-317500">
               <a:lnSpc>
                 <a:spcPct val="115000"/>
               </a:lnSpc>
@@ -5357,7 +5518,7 @@
                 </a:solidFill>
               </a:defRPr>
             </a:lvl2pPr>
-            <a:lvl3pPr indent="-317500" lvl="2" marL="1371600">
+            <a:lvl3pPr marL="1371600" lvl="2" indent="-317500">
               <a:lnSpc>
                 <a:spcPct val="115000"/>
               </a:lnSpc>
@@ -5378,7 +5539,7 @@
                 </a:solidFill>
               </a:defRPr>
             </a:lvl3pPr>
-            <a:lvl4pPr indent="-317500" lvl="3" marL="1828800">
+            <a:lvl4pPr marL="1828800" lvl="3" indent="-317500">
               <a:lnSpc>
                 <a:spcPct val="115000"/>
               </a:lnSpc>
@@ -5399,7 +5560,7 @@
                 </a:solidFill>
               </a:defRPr>
             </a:lvl4pPr>
-            <a:lvl5pPr indent="-317500" lvl="4" marL="2286000">
+            <a:lvl5pPr marL="2286000" lvl="4" indent="-317500">
               <a:lnSpc>
                 <a:spcPct val="115000"/>
               </a:lnSpc>
@@ -5420,7 +5581,7 @@
                 </a:solidFill>
               </a:defRPr>
             </a:lvl5pPr>
-            <a:lvl6pPr indent="-317500" lvl="5" marL="2743200">
+            <a:lvl6pPr marL="2743200" lvl="5" indent="-317500">
               <a:lnSpc>
                 <a:spcPct val="115000"/>
               </a:lnSpc>
@@ -5441,7 +5602,7 @@
                 </a:solidFill>
               </a:defRPr>
             </a:lvl6pPr>
-            <a:lvl7pPr indent="-317500" lvl="6" marL="3200400">
+            <a:lvl7pPr marL="3200400" lvl="6" indent="-317500">
               <a:lnSpc>
                 <a:spcPct val="115000"/>
               </a:lnSpc>
@@ -5462,7 +5623,7 @@
                 </a:solidFill>
               </a:defRPr>
             </a:lvl7pPr>
-            <a:lvl8pPr indent="-317500" lvl="7" marL="3657600">
+            <a:lvl8pPr marL="3657600" lvl="7" indent="-317500">
               <a:lnSpc>
                 <a:spcPct val="115000"/>
               </a:lnSpc>
@@ -5483,7 +5644,7 @@
                 </a:solidFill>
               </a:defRPr>
             </a:lvl8pPr>
-            <a:lvl9pPr indent="-317500" lvl="8" marL="4114800">
+            <a:lvl9pPr marL="4114800" lvl="8" indent="-317500">
               <a:lnSpc>
                 <a:spcPct val="115000"/>
               </a:lnSpc>
@@ -5505,15 +5666,19 @@
               </a:defRPr>
             </a:lvl9pPr>
           </a:lstStyle>
-          <a:p/>
+          <a:p>
+            <a:endParaRPr/>
+          </a:p>
         </p:txBody>
       </p:sp>
       <p:sp>
         <p:nvSpPr>
           <p:cNvPr id="8" name="Google Shape;8;p1"/>
-          <p:cNvSpPr txBox="1"/>
+          <p:cNvSpPr txBox="1">
+            <a:spLocks noGrp="1"/>
+          </p:cNvSpPr>
           <p:nvPr>
-            <p:ph idx="12" type="sldNum"/>
+            <p:ph type="sldNum" idx="12"/>
           </p:nvPr>
         </p:nvSpPr>
         <p:spPr>
@@ -5530,7 +5695,7 @@
           </a:ln>
         </p:spPr>
         <p:txBody>
-          <a:bodyPr anchorCtr="0" anchor="ctr" bIns="91425" lIns="91425" spcFirstLastPara="1" rIns="91425" wrap="square" tIns="91425">
+          <a:bodyPr spcFirstLastPara="1" wrap="square" lIns="91425" tIns="91425" rIns="91425" bIns="91425" anchor="ctr" anchorCtr="0">
             <a:normAutofit/>
           </a:bodyPr>
           <a:lstStyle>
@@ -5608,7 +5773,7 @@
             </a:lvl9pPr>
           </a:lstStyle>
           <a:p>
-            <a:pPr indent="0" lvl="0" marL="0" rtl="0" algn="r">
+            <a:pPr marL="0" lvl="0" indent="0" algn="r" rtl="0">
               <a:spcBef>
                 <a:spcPts val="0"/>
               </a:spcBef>
@@ -5627,7 +5792,7 @@
       </p:sp>
     </p:spTree>
   </p:cSld>
-  <p:clrMap accent1="accent1" accent2="accent2" accent3="accent3" accent4="accent4" accent5="accent5" accent6="accent6" bg1="lt1" bg2="dk2" tx1="dk1" tx2="lt2" folHlink="folHlink" hlink="hlink"/>
+  <p:clrMap bg1="lt1" tx1="dk1" bg2="dk2" tx2="lt2" accent1="accent1" accent2="accent2" accent3="accent3" accent4="accent4" accent5="accent5" accent6="accent6" hlink="hlink" folHlink="folHlink"/>
   <p:sldLayoutIdLst>
     <p:sldLayoutId id="2147483648" r:id="rId1"/>
     <p:sldLayoutId id="2147483649" r:id="rId2"/>
@@ -5641,10 +5806,10 @@
     <p:sldLayoutId id="2147483657" r:id="rId10"/>
     <p:sldLayoutId id="2147483658" r:id="rId11"/>
   </p:sldLayoutIdLst>
-  <p:hf dt="0" ftr="0" hdr="0" sldNum="0"/>
+  <p:hf sldNum="0" hdr="0" ftr="0" dt="0"/>
   <p:txStyles>
     <p:titleStyle>
-      <a:defPPr lvl="0" marR="0" rtl="0" algn="l">
+      <a:defPPr marR="0" lvl="0" algn="l" rtl="0">
         <a:lnSpc>
           <a:spcPct val="100000"/>
         </a:lnSpc>
@@ -5655,7 +5820,7 @@
           <a:spcPts val="0"/>
         </a:spcAft>
       </a:defPPr>
-      <a:lvl1pPr lvl="0" marR="0" rtl="0" algn="l">
+      <a:lvl1pPr marR="0" lvl="0" algn="l" rtl="0">
         <a:lnSpc>
           <a:spcPct val="100000"/>
         </a:lnSpc>
@@ -5669,7 +5834,7 @@
           <a:srgbClr val="000000"/>
         </a:buClr>
         <a:buFont typeface="Arial"/>
-        <a:defRPr b="0" i="0" sz="1400" u="none" cap="none" strike="noStrike">
+        <a:defRPr sz="1400" b="0" i="0" u="none" strike="noStrike" cap="none">
           <a:solidFill>
             <a:srgbClr val="000000"/>
           </a:solidFill>
@@ -5679,7 +5844,7 @@
           <a:sym typeface="Arial"/>
         </a:defRPr>
       </a:lvl1pPr>
-      <a:lvl2pPr lvl="1" marR="0" rtl="0" algn="l">
+      <a:lvl2pPr marR="0" lvl="1" algn="l" rtl="0">
         <a:lnSpc>
           <a:spcPct val="100000"/>
         </a:lnSpc>
@@ -5693,7 +5858,7 @@
           <a:srgbClr val="000000"/>
         </a:buClr>
         <a:buFont typeface="Arial"/>
-        <a:defRPr b="0" i="0" sz="1400" u="none" cap="none" strike="noStrike">
+        <a:defRPr sz="1400" b="0" i="0" u="none" strike="noStrike" cap="none">
           <a:solidFill>
             <a:srgbClr val="000000"/>
           </a:solidFill>
@@ -5703,7 +5868,7 @@
           <a:sym typeface="Arial"/>
         </a:defRPr>
       </a:lvl2pPr>
-      <a:lvl3pPr lvl="2" marR="0" rtl="0" algn="l">
+      <a:lvl3pPr marR="0" lvl="2" algn="l" rtl="0">
         <a:lnSpc>
           <a:spcPct val="100000"/>
         </a:lnSpc>
@@ -5717,7 +5882,7 @@
           <a:srgbClr val="000000"/>
         </a:buClr>
         <a:buFont typeface="Arial"/>
-        <a:defRPr b="0" i="0" sz="1400" u="none" cap="none" strike="noStrike">
+        <a:defRPr sz="1400" b="0" i="0" u="none" strike="noStrike" cap="none">
           <a:solidFill>
             <a:srgbClr val="000000"/>
           </a:solidFill>
@@ -5727,7 +5892,7 @@
           <a:sym typeface="Arial"/>
         </a:defRPr>
       </a:lvl3pPr>
-      <a:lvl4pPr lvl="3" marR="0" rtl="0" algn="l">
+      <a:lvl4pPr marR="0" lvl="3" algn="l" rtl="0">
         <a:lnSpc>
           <a:spcPct val="100000"/>
         </a:lnSpc>
@@ -5741,7 +5906,7 @@
           <a:srgbClr val="000000"/>
         </a:buClr>
         <a:buFont typeface="Arial"/>
-        <a:defRPr b="0" i="0" sz="1400" u="none" cap="none" strike="noStrike">
+        <a:defRPr sz="1400" b="0" i="0" u="none" strike="noStrike" cap="none">
           <a:solidFill>
             <a:srgbClr val="000000"/>
           </a:solidFill>
@@ -5751,7 +5916,7 @@
           <a:sym typeface="Arial"/>
         </a:defRPr>
       </a:lvl4pPr>
-      <a:lvl5pPr lvl="4" marR="0" rtl="0" algn="l">
+      <a:lvl5pPr marR="0" lvl="4" algn="l" rtl="0">
         <a:lnSpc>
           <a:spcPct val="100000"/>
         </a:lnSpc>
@@ -5765,7 +5930,7 @@
           <a:srgbClr val="000000"/>
         </a:buClr>
         <a:buFont typeface="Arial"/>
-        <a:defRPr b="0" i="0" sz="1400" u="none" cap="none" strike="noStrike">
+        <a:defRPr sz="1400" b="0" i="0" u="none" strike="noStrike" cap="none">
           <a:solidFill>
             <a:srgbClr val="000000"/>
           </a:solidFill>
@@ -5775,7 +5940,7 @@
           <a:sym typeface="Arial"/>
         </a:defRPr>
       </a:lvl5pPr>
-      <a:lvl6pPr lvl="5" marR="0" rtl="0" algn="l">
+      <a:lvl6pPr marR="0" lvl="5" algn="l" rtl="0">
         <a:lnSpc>
           <a:spcPct val="100000"/>
         </a:lnSpc>
@@ -5789,7 +5954,7 @@
           <a:srgbClr val="000000"/>
         </a:buClr>
         <a:buFont typeface="Arial"/>
-        <a:defRPr b="0" i="0" sz="1400" u="none" cap="none" strike="noStrike">
+        <a:defRPr sz="1400" b="0" i="0" u="none" strike="noStrike" cap="none">
           <a:solidFill>
             <a:srgbClr val="000000"/>
           </a:solidFill>
@@ -5799,7 +5964,7 @@
           <a:sym typeface="Arial"/>
         </a:defRPr>
       </a:lvl6pPr>
-      <a:lvl7pPr lvl="6" marR="0" rtl="0" algn="l">
+      <a:lvl7pPr marR="0" lvl="6" algn="l" rtl="0">
         <a:lnSpc>
           <a:spcPct val="100000"/>
         </a:lnSpc>
@@ -5813,7 +5978,7 @@
           <a:srgbClr val="000000"/>
         </a:buClr>
         <a:buFont typeface="Arial"/>
-        <a:defRPr b="0" i="0" sz="1400" u="none" cap="none" strike="noStrike">
+        <a:defRPr sz="1400" b="0" i="0" u="none" strike="noStrike" cap="none">
           <a:solidFill>
             <a:srgbClr val="000000"/>
           </a:solidFill>
@@ -5823,7 +5988,7 @@
           <a:sym typeface="Arial"/>
         </a:defRPr>
       </a:lvl7pPr>
-      <a:lvl8pPr lvl="7" marR="0" rtl="0" algn="l">
+      <a:lvl8pPr marR="0" lvl="7" algn="l" rtl="0">
         <a:lnSpc>
           <a:spcPct val="100000"/>
         </a:lnSpc>
@@ -5837,7 +6002,7 @@
           <a:srgbClr val="000000"/>
         </a:buClr>
         <a:buFont typeface="Arial"/>
-        <a:defRPr b="0" i="0" sz="1400" u="none" cap="none" strike="noStrike">
+        <a:defRPr sz="1400" b="0" i="0" u="none" strike="noStrike" cap="none">
           <a:solidFill>
             <a:srgbClr val="000000"/>
           </a:solidFill>
@@ -5847,7 +6012,7 @@
           <a:sym typeface="Arial"/>
         </a:defRPr>
       </a:lvl8pPr>
-      <a:lvl9pPr lvl="8" marR="0" rtl="0" algn="l">
+      <a:lvl9pPr marR="0" lvl="8" algn="l" rtl="0">
         <a:lnSpc>
           <a:spcPct val="100000"/>
         </a:lnSpc>
@@ -5861,7 +6026,7 @@
           <a:srgbClr val="000000"/>
         </a:buClr>
         <a:buFont typeface="Arial"/>
-        <a:defRPr b="0" i="0" sz="1400" u="none" cap="none" strike="noStrike">
+        <a:defRPr sz="1400" b="0" i="0" u="none" strike="noStrike" cap="none">
           <a:solidFill>
             <a:srgbClr val="000000"/>
           </a:solidFill>
@@ -5873,7 +6038,7 @@
       </a:lvl9pPr>
     </p:titleStyle>
     <p:bodyStyle>
-      <a:defPPr lvl="0" marR="0" rtl="0" algn="l">
+      <a:defPPr marR="0" lvl="0" algn="l" rtl="0">
         <a:lnSpc>
           <a:spcPct val="100000"/>
         </a:lnSpc>
@@ -5884,7 +6049,7 @@
           <a:spcPts val="0"/>
         </a:spcAft>
       </a:defPPr>
-      <a:lvl1pPr lvl="0" marR="0" rtl="0" algn="l">
+      <a:lvl1pPr marR="0" lvl="0" algn="l" rtl="0">
         <a:lnSpc>
           <a:spcPct val="100000"/>
         </a:lnSpc>
@@ -5898,7 +6063,7 @@
           <a:srgbClr val="000000"/>
         </a:buClr>
         <a:buFont typeface="Arial"/>
-        <a:defRPr b="0" i="0" sz="1400" u="none" cap="none" strike="noStrike">
+        <a:defRPr sz="1400" b="0" i="0" u="none" strike="noStrike" cap="none">
           <a:solidFill>
             <a:srgbClr val="000000"/>
           </a:solidFill>
@@ -5908,7 +6073,7 @@
           <a:sym typeface="Arial"/>
         </a:defRPr>
       </a:lvl1pPr>
-      <a:lvl2pPr lvl="1" marR="0" rtl="0" algn="l">
+      <a:lvl2pPr marR="0" lvl="1" algn="l" rtl="0">
         <a:lnSpc>
           <a:spcPct val="100000"/>
         </a:lnSpc>
@@ -5922,7 +6087,7 @@
           <a:srgbClr val="000000"/>
         </a:buClr>
         <a:buFont typeface="Arial"/>
-        <a:defRPr b="0" i="0" sz="1400" u="none" cap="none" strike="noStrike">
+        <a:defRPr sz="1400" b="0" i="0" u="none" strike="noStrike" cap="none">
           <a:solidFill>
             <a:srgbClr val="000000"/>
           </a:solidFill>
@@ -5932,7 +6097,7 @@
           <a:sym typeface="Arial"/>
         </a:defRPr>
       </a:lvl2pPr>
-      <a:lvl3pPr lvl="2" marR="0" rtl="0" algn="l">
+      <a:lvl3pPr marR="0" lvl="2" algn="l" rtl="0">
         <a:lnSpc>
           <a:spcPct val="100000"/>
         </a:lnSpc>
@@ -5946,7 +6111,7 @@
           <a:srgbClr val="000000"/>
         </a:buClr>
         <a:buFont typeface="Arial"/>
-        <a:defRPr b="0" i="0" sz="1400" u="none" cap="none" strike="noStrike">
+        <a:defRPr sz="1400" b="0" i="0" u="none" strike="noStrike" cap="none">
           <a:solidFill>
             <a:srgbClr val="000000"/>
           </a:solidFill>
@@ -5956,7 +6121,7 @@
           <a:sym typeface="Arial"/>
         </a:defRPr>
       </a:lvl3pPr>
-      <a:lvl4pPr lvl="3" marR="0" rtl="0" algn="l">
+      <a:lvl4pPr marR="0" lvl="3" algn="l" rtl="0">
         <a:lnSpc>
           <a:spcPct val="100000"/>
         </a:lnSpc>
@@ -5970,7 +6135,7 @@
           <a:srgbClr val="000000"/>
         </a:buClr>
         <a:buFont typeface="Arial"/>
-        <a:defRPr b="0" i="0" sz="1400" u="none" cap="none" strike="noStrike">
+        <a:defRPr sz="1400" b="0" i="0" u="none" strike="noStrike" cap="none">
           <a:solidFill>
             <a:srgbClr val="000000"/>
           </a:solidFill>
@@ -5980,7 +6145,7 @@
           <a:sym typeface="Arial"/>
         </a:defRPr>
       </a:lvl4pPr>
-      <a:lvl5pPr lvl="4" marR="0" rtl="0" algn="l">
+      <a:lvl5pPr marR="0" lvl="4" algn="l" rtl="0">
         <a:lnSpc>
           <a:spcPct val="100000"/>
         </a:lnSpc>
@@ -5994,7 +6159,7 @@
           <a:srgbClr val="000000"/>
         </a:buClr>
         <a:buFont typeface="Arial"/>
-        <a:defRPr b="0" i="0" sz="1400" u="none" cap="none" strike="noStrike">
+        <a:defRPr sz="1400" b="0" i="0" u="none" strike="noStrike" cap="none">
           <a:solidFill>
             <a:srgbClr val="000000"/>
           </a:solidFill>
@@ -6004,7 +6169,7 @@
           <a:sym typeface="Arial"/>
         </a:defRPr>
       </a:lvl5pPr>
-      <a:lvl6pPr lvl="5" marR="0" rtl="0" algn="l">
+      <a:lvl6pPr marR="0" lvl="5" algn="l" rtl="0">
         <a:lnSpc>
           <a:spcPct val="100000"/>
         </a:lnSpc>
@@ -6018,7 +6183,7 @@
           <a:srgbClr val="000000"/>
         </a:buClr>
         <a:buFont typeface="Arial"/>
-        <a:defRPr b="0" i="0" sz="1400" u="none" cap="none" strike="noStrike">
+        <a:defRPr sz="1400" b="0" i="0" u="none" strike="noStrike" cap="none">
           <a:solidFill>
             <a:srgbClr val="000000"/>
           </a:solidFill>
@@ -6028,7 +6193,7 @@
           <a:sym typeface="Arial"/>
         </a:defRPr>
       </a:lvl6pPr>
-      <a:lvl7pPr lvl="6" marR="0" rtl="0" algn="l">
+      <a:lvl7pPr marR="0" lvl="6" algn="l" rtl="0">
         <a:lnSpc>
           <a:spcPct val="100000"/>
         </a:lnSpc>
@@ -6042,7 +6207,7 @@
           <a:srgbClr val="000000"/>
         </a:buClr>
         <a:buFont typeface="Arial"/>
-        <a:defRPr b="0" i="0" sz="1400" u="none" cap="none" strike="noStrike">
+        <a:defRPr sz="1400" b="0" i="0" u="none" strike="noStrike" cap="none">
           <a:solidFill>
             <a:srgbClr val="000000"/>
           </a:solidFill>
@@ -6052,7 +6217,7 @@
           <a:sym typeface="Arial"/>
         </a:defRPr>
       </a:lvl7pPr>
-      <a:lvl8pPr lvl="7" marR="0" rtl="0" algn="l">
+      <a:lvl8pPr marR="0" lvl="7" algn="l" rtl="0">
         <a:lnSpc>
           <a:spcPct val="100000"/>
         </a:lnSpc>
@@ -6066,7 +6231,7 @@
           <a:srgbClr val="000000"/>
         </a:buClr>
         <a:buFont typeface="Arial"/>
-        <a:defRPr b="0" i="0" sz="1400" u="none" cap="none" strike="noStrike">
+        <a:defRPr sz="1400" b="0" i="0" u="none" strike="noStrike" cap="none">
           <a:solidFill>
             <a:srgbClr val="000000"/>
           </a:solidFill>
@@ -6076,7 +6241,7 @@
           <a:sym typeface="Arial"/>
         </a:defRPr>
       </a:lvl8pPr>
-      <a:lvl9pPr lvl="8" marR="0" rtl="0" algn="l">
+      <a:lvl9pPr marR="0" lvl="8" algn="l" rtl="0">
         <a:lnSpc>
           <a:spcPct val="100000"/>
         </a:lnSpc>
@@ -6090,7 +6255,7 @@
           <a:srgbClr val="000000"/>
         </a:buClr>
         <a:buFont typeface="Arial"/>
-        <a:defRPr b="0" i="0" sz="1400" u="none" cap="none" strike="noStrike">
+        <a:defRPr sz="1400" b="0" i="0" u="none" strike="noStrike" cap="none">
           <a:solidFill>
             <a:srgbClr val="000000"/>
           </a:solidFill>
@@ -6102,7 +6267,7 @@
       </a:lvl9pPr>
     </p:bodyStyle>
     <p:otherStyle>
-      <a:defPPr lvl="0" marR="0" rtl="0" algn="l">
+      <a:defPPr marR="0" lvl="0" algn="l" rtl="0">
         <a:lnSpc>
           <a:spcPct val="100000"/>
         </a:lnSpc>
@@ -6113,7 +6278,7 @@
           <a:spcPts val="0"/>
         </a:spcAft>
       </a:defPPr>
-      <a:lvl1pPr lvl="0" marR="0" rtl="0" algn="l">
+      <a:lvl1pPr marR="0" lvl="0" algn="l" rtl="0">
         <a:lnSpc>
           <a:spcPct val="100000"/>
         </a:lnSpc>
@@ -6127,7 +6292,7 @@
           <a:srgbClr val="000000"/>
         </a:buClr>
         <a:buFont typeface="Arial"/>
-        <a:defRPr b="0" i="0" sz="1400" u="none" cap="none" strike="noStrike">
+        <a:defRPr sz="1400" b="0" i="0" u="none" strike="noStrike" cap="none">
           <a:solidFill>
             <a:srgbClr val="000000"/>
           </a:solidFill>
@@ -6137,7 +6302,7 @@
           <a:sym typeface="Arial"/>
         </a:defRPr>
       </a:lvl1pPr>
-      <a:lvl2pPr lvl="1" marR="0" rtl="0" algn="l">
+      <a:lvl2pPr marR="0" lvl="1" algn="l" rtl="0">
         <a:lnSpc>
           <a:spcPct val="100000"/>
         </a:lnSpc>
@@ -6151,7 +6316,7 @@
           <a:srgbClr val="000000"/>
         </a:buClr>
         <a:buFont typeface="Arial"/>
-        <a:defRPr b="0" i="0" sz="1400" u="none" cap="none" strike="noStrike">
+        <a:defRPr sz="1400" b="0" i="0" u="none" strike="noStrike" cap="none">
           <a:solidFill>
             <a:srgbClr val="000000"/>
           </a:solidFill>
@@ -6161,7 +6326,7 @@
           <a:sym typeface="Arial"/>
         </a:defRPr>
       </a:lvl2pPr>
-      <a:lvl3pPr lvl="2" marR="0" rtl="0" algn="l">
+      <a:lvl3pPr marR="0" lvl="2" algn="l" rtl="0">
         <a:lnSpc>
           <a:spcPct val="100000"/>
         </a:lnSpc>
@@ -6175,7 +6340,7 @@
           <a:srgbClr val="000000"/>
         </a:buClr>
         <a:buFont typeface="Arial"/>
-        <a:defRPr b="0" i="0" sz="1400" u="none" cap="none" strike="noStrike">
+        <a:defRPr sz="1400" b="0" i="0" u="none" strike="noStrike" cap="none">
           <a:solidFill>
             <a:srgbClr val="000000"/>
           </a:solidFill>
@@ -6185,7 +6350,7 @@
           <a:sym typeface="Arial"/>
         </a:defRPr>
       </a:lvl3pPr>
-      <a:lvl4pPr lvl="3" marR="0" rtl="0" algn="l">
+      <a:lvl4pPr marR="0" lvl="3" algn="l" rtl="0">
         <a:lnSpc>
           <a:spcPct val="100000"/>
         </a:lnSpc>
@@ -6199,7 +6364,7 @@
           <a:srgbClr val="000000"/>
         </a:buClr>
         <a:buFont typeface="Arial"/>
-        <a:defRPr b="0" i="0" sz="1400" u="none" cap="none" strike="noStrike">
+        <a:defRPr sz="1400" b="0" i="0" u="none" strike="noStrike" cap="none">
           <a:solidFill>
             <a:srgbClr val="000000"/>
           </a:solidFill>
@@ -6209,7 +6374,7 @@
           <a:sym typeface="Arial"/>
         </a:defRPr>
       </a:lvl4pPr>
-      <a:lvl5pPr lvl="4" marR="0" rtl="0" algn="l">
+      <a:lvl5pPr marR="0" lvl="4" algn="l" rtl="0">
         <a:lnSpc>
           <a:spcPct val="100000"/>
         </a:lnSpc>
@@ -6223,7 +6388,7 @@
           <a:srgbClr val="000000"/>
         </a:buClr>
         <a:buFont typeface="Arial"/>
-        <a:defRPr b="0" i="0" sz="1400" u="none" cap="none" strike="noStrike">
+        <a:defRPr sz="1400" b="0" i="0" u="none" strike="noStrike" cap="none">
           <a:solidFill>
             <a:srgbClr val="000000"/>
           </a:solidFill>
@@ -6233,7 +6398,7 @@
           <a:sym typeface="Arial"/>
         </a:defRPr>
       </a:lvl5pPr>
-      <a:lvl6pPr lvl="5" marR="0" rtl="0" algn="l">
+      <a:lvl6pPr marR="0" lvl="5" algn="l" rtl="0">
         <a:lnSpc>
           <a:spcPct val="100000"/>
         </a:lnSpc>
@@ -6247,7 +6412,7 @@
           <a:srgbClr val="000000"/>
         </a:buClr>
         <a:buFont typeface="Arial"/>
-        <a:defRPr b="0" i="0" sz="1400" u="none" cap="none" strike="noStrike">
+        <a:defRPr sz="1400" b="0" i="0" u="none" strike="noStrike" cap="none">
           <a:solidFill>
             <a:srgbClr val="000000"/>
           </a:solidFill>
@@ -6257,7 +6422,7 @@
           <a:sym typeface="Arial"/>
         </a:defRPr>
       </a:lvl6pPr>
-      <a:lvl7pPr lvl="6" marR="0" rtl="0" algn="l">
+      <a:lvl7pPr marR="0" lvl="6" algn="l" rtl="0">
         <a:lnSpc>
           <a:spcPct val="100000"/>
         </a:lnSpc>
@@ -6271,7 +6436,7 @@
           <a:srgbClr val="000000"/>
         </a:buClr>
         <a:buFont typeface="Arial"/>
-        <a:defRPr b="0" i="0" sz="1400" u="none" cap="none" strike="noStrike">
+        <a:defRPr sz="1400" b="0" i="0" u="none" strike="noStrike" cap="none">
           <a:solidFill>
             <a:srgbClr val="000000"/>
           </a:solidFill>
@@ -6281,7 +6446,7 @@
           <a:sym typeface="Arial"/>
         </a:defRPr>
       </a:lvl7pPr>
-      <a:lvl8pPr lvl="7" marR="0" rtl="0" algn="l">
+      <a:lvl8pPr marR="0" lvl="7" algn="l" rtl="0">
         <a:lnSpc>
           <a:spcPct val="100000"/>
         </a:lnSpc>
@@ -6295,7 +6460,7 @@
           <a:srgbClr val="000000"/>
         </a:buClr>
         <a:buFont typeface="Arial"/>
-        <a:defRPr b="0" i="0" sz="1400" u="none" cap="none" strike="noStrike">
+        <a:defRPr sz="1400" b="0" i="0" u="none" strike="noStrike" cap="none">
           <a:solidFill>
             <a:srgbClr val="000000"/>
           </a:solidFill>
@@ -6305,7 +6470,7 @@
           <a:sym typeface="Arial"/>
         </a:defRPr>
       </a:lvl8pPr>
-      <a:lvl9pPr lvl="8" marR="0" rtl="0" algn="l">
+      <a:lvl9pPr marR="0" lvl="8" algn="l" rtl="0">
         <a:lnSpc>
           <a:spcPct val="100000"/>
         </a:lnSpc>
@@ -6319,7 +6484,7 @@
           <a:srgbClr val="000000"/>
         </a:buClr>
         <a:buFont typeface="Arial"/>
-        <a:defRPr b="0" i="0" sz="1400" u="none" cap="none" strike="noStrike">
+        <a:defRPr sz="1400" b="0" i="0" u="none" strike="noStrike" cap="none">
           <a:solidFill>
             <a:srgbClr val="000000"/>
           </a:solidFill>
@@ -6335,11 +6500,11 @@
 </file>
 
 <file path=ppt/slides/slide1.xml><?xml version="1.0" encoding="utf-8"?>
-<p:sld xmlns:a="http://schemas.openxmlformats.org/drawingml/2006/main" xmlns:r="http://schemas.openxmlformats.org/officeDocument/2006/relationships" xmlns:mc="http://schemas.openxmlformats.org/markup-compatibility/2006" xmlns:mv="urn:schemas-microsoft-com:mac:vml" xmlns:p="http://schemas.openxmlformats.org/presentationml/2006/main" xmlns:c="http://schemas.openxmlformats.org/drawingml/2006/chart" xmlns:dgm="http://schemas.openxmlformats.org/drawingml/2006/diagram" xmlns:o="urn:schemas-microsoft-com:office:office" xmlns:v="urn:schemas-microsoft-com:vml" xmlns:pvml="urn:schemas-microsoft-com:office:powerpoint" xmlns:com="http://schemas.openxmlformats.org/drawingml/2006/compatibility" xmlns:p14="http://schemas.microsoft.com/office/powerpoint/2010/main" xmlns:p15="http://schemas.microsoft.com/office/powerpoint/2012/main" xmlns:ahyp="http://schemas.microsoft.com/office/drawing/2018/hyperlinkcolor">
+<p:sld xmlns:a="http://schemas.openxmlformats.org/drawingml/2006/main" xmlns:r="http://schemas.openxmlformats.org/officeDocument/2006/relationships" xmlns:p="http://schemas.openxmlformats.org/presentationml/2006/main">
   <p:cSld>
     <p:spTree>
       <p:nvGrpSpPr>
-        <p:cNvPr id="53" name="Shape 53"/>
+        <p:cNvPr id="1" name="Shape 53"/>
         <p:cNvGrpSpPr/>
         <p:nvPr/>
       </p:nvGrpSpPr>
@@ -6354,7 +6519,9 @@
       <p:sp>
         <p:nvSpPr>
           <p:cNvPr id="54" name="Google Shape;54;p13"/>
-          <p:cNvSpPr txBox="1"/>
+          <p:cNvSpPr txBox="1">
+            <a:spLocks noGrp="1"/>
+          </p:cNvSpPr>
           <p:nvPr>
             <p:ph type="ctrTitle"/>
           </p:nvPr>
@@ -6369,12 +6536,12 @@
           </a:prstGeom>
         </p:spPr>
         <p:txBody>
-          <a:bodyPr anchorCtr="0" anchor="b" bIns="91425" lIns="91425" spcFirstLastPara="1" rIns="91425" wrap="square" tIns="91425">
+          <a:bodyPr spcFirstLastPara="1" wrap="square" lIns="91425" tIns="91425" rIns="91425" bIns="91425" anchor="b" anchorCtr="0">
             <a:normAutofit/>
           </a:bodyPr>
           <a:lstStyle/>
           <a:p>
-            <a:pPr indent="0" lvl="0" marL="0" rtl="0" algn="ctr">
+            <a:pPr marL="0" lvl="0" indent="0" algn="ctr" rtl="0">
               <a:spcBef>
                 <a:spcPts val="0"/>
               </a:spcBef>
@@ -6394,9 +6561,11 @@
       <p:sp>
         <p:nvSpPr>
           <p:cNvPr id="55" name="Google Shape;55;p13"/>
-          <p:cNvSpPr txBox="1"/>
+          <p:cNvSpPr txBox="1">
+            <a:spLocks noGrp="1"/>
+          </p:cNvSpPr>
           <p:nvPr>
-            <p:ph idx="1" type="subTitle"/>
+            <p:ph type="subTitle" idx="1"/>
           </p:nvPr>
         </p:nvSpPr>
         <p:spPr>
@@ -6409,12 +6578,12 @@
           </a:prstGeom>
         </p:spPr>
         <p:txBody>
-          <a:bodyPr anchorCtr="0" anchor="t" bIns="91425" lIns="91425" spcFirstLastPara="1" rIns="91425" wrap="square" tIns="91425">
+          <a:bodyPr spcFirstLastPara="1" wrap="square" lIns="91425" tIns="91425" rIns="91425" bIns="91425" anchor="t" anchorCtr="0">
             <a:normAutofit/>
           </a:bodyPr>
           <a:lstStyle/>
           <a:p>
-            <a:pPr indent="0" lvl="0" marL="0" rtl="0" algn="ctr">
+            <a:pPr marL="0" lvl="0" indent="0" algn="ctr" rtl="0">
               <a:spcBef>
                 <a:spcPts val="0"/>
               </a:spcBef>
@@ -6440,11 +6609,11 @@
 </file>
 
 <file path=ppt/slides/slide10.xml><?xml version="1.0" encoding="utf-8"?>
-<p:sld xmlns:a="http://schemas.openxmlformats.org/drawingml/2006/main" xmlns:r="http://schemas.openxmlformats.org/officeDocument/2006/relationships" xmlns:mc="http://schemas.openxmlformats.org/markup-compatibility/2006" xmlns:mv="urn:schemas-microsoft-com:mac:vml" xmlns:p="http://schemas.openxmlformats.org/presentationml/2006/main" xmlns:c="http://schemas.openxmlformats.org/drawingml/2006/chart" xmlns:dgm="http://schemas.openxmlformats.org/drawingml/2006/diagram" xmlns:o="urn:schemas-microsoft-com:office:office" xmlns:v="urn:schemas-microsoft-com:vml" xmlns:pvml="urn:schemas-microsoft-com:office:powerpoint" xmlns:com="http://schemas.openxmlformats.org/drawingml/2006/compatibility" xmlns:p14="http://schemas.microsoft.com/office/powerpoint/2010/main" xmlns:p15="http://schemas.microsoft.com/office/powerpoint/2012/main" xmlns:ahyp="http://schemas.microsoft.com/office/drawing/2018/hyperlinkcolor">
+<p:sld xmlns:a="http://schemas.openxmlformats.org/drawingml/2006/main" xmlns:r="http://schemas.openxmlformats.org/officeDocument/2006/relationships" xmlns:p="http://schemas.openxmlformats.org/presentationml/2006/main">
   <p:cSld>
     <p:spTree>
       <p:nvGrpSpPr>
-        <p:cNvPr id="118" name="Shape 118"/>
+        <p:cNvPr id="1" name="Shape 118"/>
         <p:cNvGrpSpPr/>
         <p:nvPr/>
       </p:nvGrpSpPr>
@@ -6459,7 +6628,9 @@
       <p:sp>
         <p:nvSpPr>
           <p:cNvPr id="119" name="Google Shape;119;p22"/>
-          <p:cNvSpPr txBox="1"/>
+          <p:cNvSpPr txBox="1">
+            <a:spLocks noGrp="1"/>
+          </p:cNvSpPr>
           <p:nvPr>
             <p:ph type="title"/>
           </p:nvPr>
@@ -6474,12 +6645,12 @@
           </a:prstGeom>
         </p:spPr>
         <p:txBody>
-          <a:bodyPr anchorCtr="0" anchor="t" bIns="91425" lIns="91425" spcFirstLastPara="1" rIns="91425" wrap="square" tIns="91425">
+          <a:bodyPr spcFirstLastPara="1" wrap="square" lIns="91425" tIns="91425" rIns="91425" bIns="91425" anchor="t" anchorCtr="0">
             <a:normAutofit fontScale="90000"/>
           </a:bodyPr>
           <a:lstStyle/>
           <a:p>
-            <a:pPr indent="0" lvl="0" marL="0" rtl="0" algn="l">
+            <a:pPr marL="0" lvl="0" indent="0" algn="l" rtl="0">
               <a:spcBef>
                 <a:spcPts val="0"/>
               </a:spcBef>
@@ -6499,9 +6670,11 @@
       <p:sp>
         <p:nvSpPr>
           <p:cNvPr id="120" name="Google Shape;120;p22"/>
-          <p:cNvSpPr txBox="1"/>
+          <p:cNvSpPr txBox="1">
+            <a:spLocks noGrp="1"/>
+          </p:cNvSpPr>
           <p:nvPr>
-            <p:ph idx="1" type="body"/>
+            <p:ph type="body" idx="1"/>
           </p:nvPr>
         </p:nvSpPr>
         <p:spPr>
@@ -6514,12 +6687,12 @@
           </a:prstGeom>
         </p:spPr>
         <p:txBody>
-          <a:bodyPr anchorCtr="0" anchor="t" bIns="91425" lIns="91425" spcFirstLastPara="1" rIns="91425" wrap="square" tIns="91425">
+          <a:bodyPr spcFirstLastPara="1" wrap="square" lIns="91425" tIns="91425" rIns="91425" bIns="91425" anchor="t" anchorCtr="0">
             <a:normAutofit/>
           </a:bodyPr>
           <a:lstStyle/>
           <a:p>
-            <a:pPr indent="0" lvl="0" marL="0" rtl="0" algn="l">
+            <a:pPr marL="0" lvl="0" indent="0" algn="l" rtl="0">
               <a:spcBef>
                 <a:spcPts val="0"/>
               </a:spcBef>
@@ -6544,7 +6717,7 @@
             <a:endParaRPr/>
           </a:p>
           <a:p>
-            <a:pPr indent="0" lvl="0" marL="0" rtl="0" algn="l">
+            <a:pPr marL="0" lvl="0" indent="0" algn="l" rtl="0">
               <a:spcBef>
                 <a:spcPts val="1200"/>
               </a:spcBef>
@@ -6579,11 +6752,11 @@
 </file>
 
 <file path=ppt/slides/slide2.xml><?xml version="1.0" encoding="utf-8"?>
-<p:sld xmlns:a="http://schemas.openxmlformats.org/drawingml/2006/main" xmlns:r="http://schemas.openxmlformats.org/officeDocument/2006/relationships" xmlns:mc="http://schemas.openxmlformats.org/markup-compatibility/2006" xmlns:mv="urn:schemas-microsoft-com:mac:vml" xmlns:p="http://schemas.openxmlformats.org/presentationml/2006/main" xmlns:c="http://schemas.openxmlformats.org/drawingml/2006/chart" xmlns:dgm="http://schemas.openxmlformats.org/drawingml/2006/diagram" xmlns:o="urn:schemas-microsoft-com:office:office" xmlns:v="urn:schemas-microsoft-com:vml" xmlns:pvml="urn:schemas-microsoft-com:office:powerpoint" xmlns:com="http://schemas.openxmlformats.org/drawingml/2006/compatibility" xmlns:p14="http://schemas.microsoft.com/office/powerpoint/2010/main" xmlns:p15="http://schemas.microsoft.com/office/powerpoint/2012/main" xmlns:ahyp="http://schemas.microsoft.com/office/drawing/2018/hyperlinkcolor">
+<p:sld xmlns:a="http://schemas.openxmlformats.org/drawingml/2006/main" xmlns:r="http://schemas.openxmlformats.org/officeDocument/2006/relationships" xmlns:p="http://schemas.openxmlformats.org/presentationml/2006/main">
   <p:cSld>
     <p:spTree>
       <p:nvGrpSpPr>
-        <p:cNvPr id="59" name="Shape 59"/>
+        <p:cNvPr id="1" name="Shape 59"/>
         <p:cNvGrpSpPr/>
         <p:nvPr/>
       </p:nvGrpSpPr>
@@ -6598,7 +6771,9 @@
       <p:sp>
         <p:nvSpPr>
           <p:cNvPr id="60" name="Google Shape;60;p14"/>
-          <p:cNvSpPr txBox="1"/>
+          <p:cNvSpPr txBox="1">
+            <a:spLocks noGrp="1"/>
+          </p:cNvSpPr>
           <p:nvPr>
             <p:ph type="title"/>
           </p:nvPr>
@@ -6613,12 +6788,12 @@
           </a:prstGeom>
         </p:spPr>
         <p:txBody>
-          <a:bodyPr anchorCtr="0" anchor="t" bIns="91425" lIns="91425" spcFirstLastPara="1" rIns="91425" wrap="square" tIns="91425">
+          <a:bodyPr spcFirstLastPara="1" wrap="square" lIns="91425" tIns="91425" rIns="91425" bIns="91425" anchor="t" anchorCtr="0">
             <a:normAutofit fontScale="90000"/>
           </a:bodyPr>
           <a:lstStyle/>
           <a:p>
-            <a:pPr indent="0" lvl="0" marL="0" rtl="0" algn="l">
+            <a:pPr marL="0" lvl="0" indent="0" algn="l" rtl="0">
               <a:spcBef>
                 <a:spcPts val="0"/>
               </a:spcBef>
@@ -6638,9 +6813,11 @@
       <p:sp>
         <p:nvSpPr>
           <p:cNvPr id="61" name="Google Shape;61;p14"/>
-          <p:cNvSpPr txBox="1"/>
+          <p:cNvSpPr txBox="1">
+            <a:spLocks noGrp="1"/>
+          </p:cNvSpPr>
           <p:nvPr>
-            <p:ph idx="1" type="body"/>
+            <p:ph type="body" idx="1"/>
           </p:nvPr>
         </p:nvSpPr>
         <p:spPr>
@@ -6653,12 +6830,12 @@
           </a:prstGeom>
         </p:spPr>
         <p:txBody>
-          <a:bodyPr anchorCtr="0" anchor="t" bIns="91425" lIns="91425" spcFirstLastPara="1" rIns="91425" wrap="square" tIns="91425">
+          <a:bodyPr spcFirstLastPara="1" wrap="square" lIns="91425" tIns="91425" rIns="91425" bIns="91425" anchor="t" anchorCtr="0">
             <a:normAutofit/>
           </a:bodyPr>
           <a:lstStyle/>
           <a:p>
-            <a:pPr indent="-342900" lvl="0" marL="457200" rtl="0" algn="l">
+            <a:pPr marL="457200" lvl="0" indent="-342900" algn="l" rtl="0">
               <a:spcBef>
                 <a:spcPts val="0"/>
               </a:spcBef>
@@ -6675,7 +6852,7 @@
             <a:endParaRPr/>
           </a:p>
           <a:p>
-            <a:pPr indent="-342900" lvl="0" marL="457200" rtl="0" algn="l">
+            <a:pPr marL="457200" lvl="0" indent="-342900" algn="l" rtl="0">
               <a:spcBef>
                 <a:spcPts val="0"/>
               </a:spcBef>
@@ -6692,7 +6869,7 @@
             <a:endParaRPr/>
           </a:p>
           <a:p>
-            <a:pPr indent="-342900" lvl="0" marL="457200" rtl="0" algn="l">
+            <a:pPr marL="457200" lvl="0" indent="-342900" algn="l" rtl="0">
               <a:spcBef>
                 <a:spcPts val="0"/>
               </a:spcBef>
@@ -6709,7 +6886,7 @@
             <a:endParaRPr/>
           </a:p>
           <a:p>
-            <a:pPr indent="-342900" lvl="0" marL="457200" rtl="0" algn="l">
+            <a:pPr marL="457200" lvl="0" indent="-342900" algn="l" rtl="0">
               <a:spcBef>
                 <a:spcPts val="0"/>
               </a:spcBef>
@@ -6726,7 +6903,7 @@
             <a:endParaRPr/>
           </a:p>
           <a:p>
-            <a:pPr indent="-342900" lvl="0" marL="457200" rtl="0" algn="l">
+            <a:pPr marL="457200" lvl="0" indent="-342900" algn="l" rtl="0">
               <a:spcBef>
                 <a:spcPts val="0"/>
               </a:spcBef>
@@ -6743,7 +6920,7 @@
             <a:endParaRPr/>
           </a:p>
           <a:p>
-            <a:pPr indent="-342900" lvl="0" marL="457200" rtl="0" algn="l">
+            <a:pPr marL="457200" lvl="0" indent="-342900" algn="l" rtl="0">
               <a:spcBef>
                 <a:spcPts val="0"/>
               </a:spcBef>
@@ -6760,7 +6937,7 @@
             <a:endParaRPr/>
           </a:p>
           <a:p>
-            <a:pPr indent="-342900" lvl="0" marL="457200" rtl="0" algn="l">
+            <a:pPr marL="457200" lvl="0" indent="-342900" algn="l" rtl="0">
               <a:spcBef>
                 <a:spcPts val="0"/>
               </a:spcBef>
@@ -6787,11 +6964,11 @@
 </file>
 
 <file path=ppt/slides/slide3.xml><?xml version="1.0" encoding="utf-8"?>
-<p:sld xmlns:a="http://schemas.openxmlformats.org/drawingml/2006/main" xmlns:r="http://schemas.openxmlformats.org/officeDocument/2006/relationships" xmlns:mc="http://schemas.openxmlformats.org/markup-compatibility/2006" xmlns:mv="urn:schemas-microsoft-com:mac:vml" xmlns:p="http://schemas.openxmlformats.org/presentationml/2006/main" xmlns:c="http://schemas.openxmlformats.org/drawingml/2006/chart" xmlns:dgm="http://schemas.openxmlformats.org/drawingml/2006/diagram" xmlns:o="urn:schemas-microsoft-com:office:office" xmlns:v="urn:schemas-microsoft-com:vml" xmlns:pvml="urn:schemas-microsoft-com:office:powerpoint" xmlns:com="http://schemas.openxmlformats.org/drawingml/2006/compatibility" xmlns:p14="http://schemas.microsoft.com/office/powerpoint/2010/main" xmlns:p15="http://schemas.microsoft.com/office/powerpoint/2012/main" xmlns:ahyp="http://schemas.microsoft.com/office/drawing/2018/hyperlinkcolor">
+<p:sld xmlns:a="http://schemas.openxmlformats.org/drawingml/2006/main" xmlns:r="http://schemas.openxmlformats.org/officeDocument/2006/relationships" xmlns:p="http://schemas.openxmlformats.org/presentationml/2006/main">
   <p:cSld>
     <p:spTree>
       <p:nvGrpSpPr>
-        <p:cNvPr id="65" name="Shape 65"/>
+        <p:cNvPr id="1" name="Shape 65"/>
         <p:cNvGrpSpPr/>
         <p:nvPr/>
       </p:nvGrpSpPr>
@@ -6806,7 +6983,9 @@
       <p:sp>
         <p:nvSpPr>
           <p:cNvPr id="66" name="Google Shape;66;p15"/>
-          <p:cNvSpPr txBox="1"/>
+          <p:cNvSpPr txBox="1">
+            <a:spLocks noGrp="1"/>
+          </p:cNvSpPr>
           <p:nvPr>
             <p:ph type="title"/>
           </p:nvPr>
@@ -6821,12 +7000,12 @@
           </a:prstGeom>
         </p:spPr>
         <p:txBody>
-          <a:bodyPr anchorCtr="0" anchor="t" bIns="91425" lIns="91425" spcFirstLastPara="1" rIns="91425" wrap="square" tIns="91425">
+          <a:bodyPr spcFirstLastPara="1" wrap="square" lIns="91425" tIns="91425" rIns="91425" bIns="91425" anchor="t" anchorCtr="0">
             <a:normAutofit fontScale="90000"/>
           </a:bodyPr>
           <a:lstStyle/>
           <a:p>
-            <a:pPr indent="0" lvl="0" marL="0" rtl="0" algn="l">
+            <a:pPr marL="0" lvl="0" indent="0" algn="l" rtl="0">
               <a:spcBef>
                 <a:spcPts val="0"/>
               </a:spcBef>
@@ -6846,9 +7025,11 @@
       <p:sp>
         <p:nvSpPr>
           <p:cNvPr id="67" name="Google Shape;67;p15"/>
-          <p:cNvSpPr txBox="1"/>
+          <p:cNvSpPr txBox="1">
+            <a:spLocks noGrp="1"/>
+          </p:cNvSpPr>
           <p:nvPr>
-            <p:ph idx="1" type="body"/>
+            <p:ph type="body" idx="1"/>
           </p:nvPr>
         </p:nvSpPr>
         <p:spPr>
@@ -6861,12 +7042,12 @@
           </a:prstGeom>
         </p:spPr>
         <p:txBody>
-          <a:bodyPr anchorCtr="0" anchor="t" bIns="91425" lIns="91425" spcFirstLastPara="1" rIns="91425" wrap="square" tIns="91425">
+          <a:bodyPr spcFirstLastPara="1" wrap="square" lIns="91425" tIns="91425" rIns="91425" bIns="91425" anchor="t" anchorCtr="0">
             <a:normAutofit/>
           </a:bodyPr>
           <a:lstStyle/>
           <a:p>
-            <a:pPr indent="0" lvl="0" marL="0" rtl="0" algn="l">
+            <a:pPr marL="0" lvl="0" indent="0" algn="l" rtl="0">
               <a:spcBef>
                 <a:spcPts val="0"/>
               </a:spcBef>
@@ -6920,11 +7101,11 @@
 </file>
 
 <file path=ppt/slides/slide4.xml><?xml version="1.0" encoding="utf-8"?>
-<p:sld xmlns:a="http://schemas.openxmlformats.org/drawingml/2006/main" xmlns:r="http://schemas.openxmlformats.org/officeDocument/2006/relationships" xmlns:mc="http://schemas.openxmlformats.org/markup-compatibility/2006" xmlns:mv="urn:schemas-microsoft-com:mac:vml" xmlns:p="http://schemas.openxmlformats.org/presentationml/2006/main" xmlns:c="http://schemas.openxmlformats.org/drawingml/2006/chart" xmlns:dgm="http://schemas.openxmlformats.org/drawingml/2006/diagram" xmlns:o="urn:schemas-microsoft-com:office:office" xmlns:v="urn:schemas-microsoft-com:vml" xmlns:pvml="urn:schemas-microsoft-com:office:powerpoint" xmlns:com="http://schemas.openxmlformats.org/drawingml/2006/compatibility" xmlns:p14="http://schemas.microsoft.com/office/powerpoint/2010/main" xmlns:p15="http://schemas.microsoft.com/office/powerpoint/2012/main" xmlns:ahyp="http://schemas.microsoft.com/office/drawing/2018/hyperlinkcolor">
+<p:sld xmlns:a="http://schemas.openxmlformats.org/drawingml/2006/main" xmlns:r="http://schemas.openxmlformats.org/officeDocument/2006/relationships" xmlns:p="http://schemas.openxmlformats.org/presentationml/2006/main">
   <p:cSld>
     <p:spTree>
       <p:nvGrpSpPr>
-        <p:cNvPr id="72" name="Shape 72"/>
+        <p:cNvPr id="1" name="Shape 72"/>
         <p:cNvGrpSpPr/>
         <p:nvPr/>
       </p:nvGrpSpPr>
@@ -6939,7 +7120,9 @@
       <p:sp>
         <p:nvSpPr>
           <p:cNvPr id="73" name="Google Shape;73;p16"/>
-          <p:cNvSpPr txBox="1"/>
+          <p:cNvSpPr txBox="1">
+            <a:spLocks noGrp="1"/>
+          </p:cNvSpPr>
           <p:nvPr>
             <p:ph type="title"/>
           </p:nvPr>
@@ -6954,12 +7137,12 @@
           </a:prstGeom>
         </p:spPr>
         <p:txBody>
-          <a:bodyPr anchorCtr="0" anchor="t" bIns="91425" lIns="91425" spcFirstLastPara="1" rIns="91425" wrap="square" tIns="91425">
+          <a:bodyPr spcFirstLastPara="1" wrap="square" lIns="91425" tIns="91425" rIns="91425" bIns="91425" anchor="t" anchorCtr="0">
             <a:normAutofit fontScale="90000"/>
           </a:bodyPr>
           <a:lstStyle/>
           <a:p>
-            <a:pPr indent="0" lvl="0" marL="0" rtl="0" algn="l">
+            <a:pPr marL="0" lvl="0" indent="0" algn="l" rtl="0">
               <a:spcBef>
                 <a:spcPts val="0"/>
               </a:spcBef>
@@ -6979,9 +7162,11 @@
       <p:sp>
         <p:nvSpPr>
           <p:cNvPr id="74" name="Google Shape;74;p16"/>
-          <p:cNvSpPr txBox="1"/>
+          <p:cNvSpPr txBox="1">
+            <a:spLocks noGrp="1"/>
+          </p:cNvSpPr>
           <p:nvPr>
-            <p:ph idx="1" type="body"/>
+            <p:ph type="body" idx="1"/>
           </p:nvPr>
         </p:nvSpPr>
         <p:spPr>
@@ -6994,12 +7179,12 @@
           </a:prstGeom>
         </p:spPr>
         <p:txBody>
-          <a:bodyPr anchorCtr="0" anchor="t" bIns="91425" lIns="91425" spcFirstLastPara="1" rIns="91425" wrap="square" tIns="91425">
+          <a:bodyPr spcFirstLastPara="1" wrap="square" lIns="91425" tIns="91425" rIns="91425" bIns="91425" anchor="t" anchorCtr="0">
             <a:normAutofit/>
           </a:bodyPr>
           <a:lstStyle/>
           <a:p>
-            <a:pPr indent="0" lvl="0" marL="0" rtl="0" algn="l">
+            <a:pPr marL="0" lvl="0" indent="0" algn="l" rtl="0">
               <a:spcBef>
                 <a:spcPts val="0"/>
               </a:spcBef>
@@ -7039,14 +7224,14 @@
             <a:avLst/>
           </a:prstGeom>
           <a:noFill/>
-          <a:ln cap="flat" cmpd="sng" w="9525">
+          <a:ln w="9525" cap="flat" cmpd="sng">
             <a:solidFill>
               <a:schemeClr val="dk2"/>
             </a:solidFill>
             <a:prstDash val="solid"/>
             <a:round/>
-            <a:headEnd len="sm" w="sm" type="none"/>
-            <a:tailEnd len="sm" w="sm" type="none"/>
+            <a:headEnd type="none" w="sm" len="sm"/>
+            <a:tailEnd type="none" w="sm" len="sm"/>
           </a:ln>
         </p:spPr>
       </p:pic>
@@ -7073,14 +7258,14 @@
             <a:avLst/>
           </a:prstGeom>
           <a:noFill/>
-          <a:ln cap="flat" cmpd="sng" w="9525">
+          <a:ln w="9525" cap="flat" cmpd="sng">
             <a:solidFill>
               <a:schemeClr val="dk2"/>
             </a:solidFill>
             <a:prstDash val="solid"/>
             <a:round/>
-            <a:headEnd len="sm" w="sm" type="none"/>
-            <a:tailEnd len="sm" w="sm" type="none"/>
+            <a:headEnd type="none" w="sm" len="sm"/>
+            <a:tailEnd type="none" w="sm" len="sm"/>
           </a:ln>
         </p:spPr>
       </p:pic>
@@ -7093,11 +7278,11 @@
 </file>
 
 <file path=ppt/slides/slide5.xml><?xml version="1.0" encoding="utf-8"?>
-<p:sld xmlns:a="http://schemas.openxmlformats.org/drawingml/2006/main" xmlns:r="http://schemas.openxmlformats.org/officeDocument/2006/relationships" xmlns:mc="http://schemas.openxmlformats.org/markup-compatibility/2006" xmlns:mv="urn:schemas-microsoft-com:mac:vml" xmlns:p="http://schemas.openxmlformats.org/presentationml/2006/main" xmlns:c="http://schemas.openxmlformats.org/drawingml/2006/chart" xmlns:dgm="http://schemas.openxmlformats.org/drawingml/2006/diagram" xmlns:o="urn:schemas-microsoft-com:office:office" xmlns:v="urn:schemas-microsoft-com:vml" xmlns:pvml="urn:schemas-microsoft-com:office:powerpoint" xmlns:com="http://schemas.openxmlformats.org/drawingml/2006/compatibility" xmlns:p14="http://schemas.microsoft.com/office/powerpoint/2010/main" xmlns:p15="http://schemas.microsoft.com/office/powerpoint/2012/main" xmlns:ahyp="http://schemas.microsoft.com/office/drawing/2018/hyperlinkcolor">
+<p:sld xmlns:a="http://schemas.openxmlformats.org/drawingml/2006/main" xmlns:r="http://schemas.openxmlformats.org/officeDocument/2006/relationships" xmlns:p="http://schemas.openxmlformats.org/presentationml/2006/main">
   <p:cSld>
     <p:spTree>
       <p:nvGrpSpPr>
-        <p:cNvPr id="80" name="Shape 80"/>
+        <p:cNvPr id="1" name="Shape 80"/>
         <p:cNvGrpSpPr/>
         <p:nvPr/>
       </p:nvGrpSpPr>
@@ -7112,7 +7297,9 @@
       <p:sp>
         <p:nvSpPr>
           <p:cNvPr id="81" name="Google Shape;81;p17"/>
-          <p:cNvSpPr txBox="1"/>
+          <p:cNvSpPr txBox="1">
+            <a:spLocks noGrp="1"/>
+          </p:cNvSpPr>
           <p:nvPr>
             <p:ph type="title"/>
           </p:nvPr>
@@ -7127,12 +7314,12 @@
           </a:prstGeom>
         </p:spPr>
         <p:txBody>
-          <a:bodyPr anchorCtr="0" anchor="t" bIns="91425" lIns="91425" spcFirstLastPara="1" rIns="91425" wrap="square" tIns="91425">
+          <a:bodyPr spcFirstLastPara="1" wrap="square" lIns="91425" tIns="91425" rIns="91425" bIns="91425" anchor="t" anchorCtr="0">
             <a:normAutofit fontScale="90000"/>
           </a:bodyPr>
           <a:lstStyle/>
           <a:p>
-            <a:pPr indent="0" lvl="0" marL="0" rtl="0" algn="l">
+            <a:pPr marL="0" lvl="0" indent="0" algn="l" rtl="0">
               <a:spcBef>
                 <a:spcPts val="0"/>
               </a:spcBef>
@@ -7152,9 +7339,11 @@
       <p:sp>
         <p:nvSpPr>
           <p:cNvPr id="82" name="Google Shape;82;p17"/>
-          <p:cNvSpPr txBox="1"/>
+          <p:cNvSpPr txBox="1">
+            <a:spLocks noGrp="1"/>
+          </p:cNvSpPr>
           <p:nvPr>
-            <p:ph idx="1" type="body"/>
+            <p:ph type="body" idx="1"/>
           </p:nvPr>
         </p:nvSpPr>
         <p:spPr>
@@ -7167,12 +7356,12 @@
           </a:prstGeom>
         </p:spPr>
         <p:txBody>
-          <a:bodyPr anchorCtr="0" anchor="t" bIns="91425" lIns="91425" spcFirstLastPara="1" rIns="91425" wrap="square" tIns="91425">
+          <a:bodyPr spcFirstLastPara="1" wrap="square" lIns="91425" tIns="91425" rIns="91425" bIns="91425" anchor="t" anchorCtr="0">
             <a:normAutofit/>
           </a:bodyPr>
           <a:lstStyle/>
           <a:p>
-            <a:pPr indent="0" lvl="0" marL="0" rtl="0" algn="l">
+            <a:pPr marL="0" lvl="0" indent="0" algn="l" rtl="0">
               <a:spcBef>
                 <a:spcPts val="0"/>
               </a:spcBef>
@@ -7192,9 +7381,11 @@
       <p:sp>
         <p:nvSpPr>
           <p:cNvPr id="83" name="Google Shape;83;p17"/>
-          <p:cNvSpPr txBox="1"/>
+          <p:cNvSpPr txBox="1">
+            <a:spLocks noGrp="1"/>
+          </p:cNvSpPr>
           <p:nvPr>
-            <p:ph idx="1" type="body"/>
+            <p:ph type="body" idx="1"/>
           </p:nvPr>
         </p:nvSpPr>
         <p:spPr>
@@ -7207,12 +7398,12 @@
           </a:prstGeom>
         </p:spPr>
         <p:txBody>
-          <a:bodyPr anchorCtr="0" anchor="t" bIns="91425" lIns="91425" spcFirstLastPara="1" rIns="91425" wrap="square" tIns="91425">
+          <a:bodyPr spcFirstLastPara="1" wrap="square" lIns="91425" tIns="91425" rIns="91425" bIns="91425" anchor="t" anchorCtr="0">
             <a:normAutofit/>
           </a:bodyPr>
           <a:lstStyle/>
           <a:p>
-            <a:pPr indent="0" lvl="0" marL="0" rtl="0" algn="l">
+            <a:pPr marL="0" lvl="0" indent="0" algn="l" rtl="0">
               <a:spcBef>
                 <a:spcPts val="0"/>
               </a:spcBef>
@@ -7264,7 +7455,7 @@
           <p:nvPr/>
         </p:nvCxnSpPr>
         <p:spPr>
-          <a:xfrm flipH="1" rot="10800000">
+          <a:xfrm rot="10800000" flipH="1">
             <a:off x="3524400" y="1555700"/>
             <a:ext cx="704700" cy="378300"/>
           </a:xfrm>
@@ -7272,14 +7463,14 @@
             <a:avLst/>
           </a:prstGeom>
           <a:noFill/>
-          <a:ln cap="flat" cmpd="sng" w="9525">
+          <a:ln w="9525" cap="flat" cmpd="sng">
             <a:solidFill>
               <a:schemeClr val="dk2"/>
             </a:solidFill>
             <a:prstDash val="solid"/>
             <a:round/>
-            <a:headEnd len="med" w="med" type="none"/>
-            <a:tailEnd len="med" w="med" type="triangle"/>
+            <a:headEnd type="none" w="med" len="med"/>
+            <a:tailEnd type="triangle" w="med" len="med"/>
           </a:ln>
         </p:spPr>
       </p:cxnSp>
@@ -7298,14 +7489,14 @@
             <a:avLst/>
           </a:prstGeom>
           <a:noFill/>
-          <a:ln cap="flat" cmpd="sng" w="9525">
+          <a:ln w="9525" cap="flat" cmpd="sng">
             <a:solidFill>
               <a:schemeClr val="dk2"/>
             </a:solidFill>
             <a:prstDash val="solid"/>
             <a:round/>
-            <a:headEnd len="med" w="med" type="none"/>
-            <a:tailEnd len="med" w="med" type="triangle"/>
+            <a:headEnd type="none" w="med" len="med"/>
+            <a:tailEnd type="triangle" w="med" len="med"/>
           </a:ln>
         </p:spPr>
       </p:cxnSp>
@@ -7374,11 +7565,11 @@
 </file>
 
 <file path=ppt/slides/slide6.xml><?xml version="1.0" encoding="utf-8"?>
-<p:sld xmlns:a="http://schemas.openxmlformats.org/drawingml/2006/main" xmlns:r="http://schemas.openxmlformats.org/officeDocument/2006/relationships" xmlns:mc="http://schemas.openxmlformats.org/markup-compatibility/2006" xmlns:mv="urn:schemas-microsoft-com:mac:vml" xmlns:p="http://schemas.openxmlformats.org/presentationml/2006/main" xmlns:c="http://schemas.openxmlformats.org/drawingml/2006/chart" xmlns:dgm="http://schemas.openxmlformats.org/drawingml/2006/diagram" xmlns:o="urn:schemas-microsoft-com:office:office" xmlns:v="urn:schemas-microsoft-com:vml" xmlns:pvml="urn:schemas-microsoft-com:office:powerpoint" xmlns:com="http://schemas.openxmlformats.org/drawingml/2006/compatibility" xmlns:p14="http://schemas.microsoft.com/office/powerpoint/2010/main" xmlns:p15="http://schemas.microsoft.com/office/powerpoint/2012/main" xmlns:ahyp="http://schemas.microsoft.com/office/drawing/2018/hyperlinkcolor">
+<p:sld xmlns:a="http://schemas.openxmlformats.org/drawingml/2006/main" xmlns:r="http://schemas.openxmlformats.org/officeDocument/2006/relationships" xmlns:p="http://schemas.openxmlformats.org/presentationml/2006/main">
   <p:cSld>
     <p:spTree>
       <p:nvGrpSpPr>
-        <p:cNvPr id="92" name="Shape 92"/>
+        <p:cNvPr id="1" name="Shape 92"/>
         <p:cNvGrpSpPr/>
         <p:nvPr/>
       </p:nvGrpSpPr>
@@ -7393,7 +7584,9 @@
       <p:sp>
         <p:nvSpPr>
           <p:cNvPr id="93" name="Google Shape;93;p18"/>
-          <p:cNvSpPr txBox="1"/>
+          <p:cNvSpPr txBox="1">
+            <a:spLocks noGrp="1"/>
+          </p:cNvSpPr>
           <p:nvPr>
             <p:ph type="title"/>
           </p:nvPr>
@@ -7408,12 +7601,12 @@
           </a:prstGeom>
         </p:spPr>
         <p:txBody>
-          <a:bodyPr anchorCtr="0" anchor="t" bIns="91425" lIns="91425" spcFirstLastPara="1" rIns="91425" wrap="square" tIns="91425">
+          <a:bodyPr spcFirstLastPara="1" wrap="square" lIns="91425" tIns="91425" rIns="91425" bIns="91425" anchor="t" anchorCtr="0">
             <a:normAutofit fontScale="90000"/>
           </a:bodyPr>
           <a:lstStyle/>
           <a:p>
-            <a:pPr indent="0" lvl="0" marL="0" rtl="0" algn="l">
+            <a:pPr marL="0" lvl="0" indent="0" algn="l" rtl="0">
               <a:spcBef>
                 <a:spcPts val="0"/>
               </a:spcBef>
@@ -7433,9 +7626,11 @@
       <p:sp>
         <p:nvSpPr>
           <p:cNvPr id="94" name="Google Shape;94;p18"/>
-          <p:cNvSpPr txBox="1"/>
+          <p:cNvSpPr txBox="1">
+            <a:spLocks noGrp="1"/>
+          </p:cNvSpPr>
           <p:nvPr>
-            <p:ph idx="1" type="body"/>
+            <p:ph type="body" idx="1"/>
           </p:nvPr>
         </p:nvSpPr>
         <p:spPr>
@@ -7448,12 +7643,12 @@
           </a:prstGeom>
         </p:spPr>
         <p:txBody>
-          <a:bodyPr anchorCtr="0" anchor="t" bIns="91425" lIns="91425" spcFirstLastPara="1" rIns="91425" wrap="square" tIns="91425">
+          <a:bodyPr spcFirstLastPara="1" wrap="square" lIns="91425" tIns="91425" rIns="91425" bIns="91425" anchor="t" anchorCtr="0">
             <a:normAutofit/>
           </a:bodyPr>
           <a:lstStyle/>
           <a:p>
-            <a:pPr indent="-342900" lvl="0" marL="457200" rtl="0" algn="l">
+            <a:pPr marL="457200" lvl="0" indent="-342900" algn="l" rtl="0">
               <a:spcBef>
                 <a:spcPts val="0"/>
               </a:spcBef>
@@ -7470,7 +7665,7 @@
             <a:endParaRPr/>
           </a:p>
           <a:p>
-            <a:pPr indent="-342900" lvl="0" marL="457200" rtl="0" algn="l">
+            <a:pPr marL="457200" lvl="0" indent="-342900" algn="l" rtl="0">
               <a:spcBef>
                 <a:spcPts val="0"/>
               </a:spcBef>
@@ -7487,7 +7682,7 @@
             <a:endParaRPr/>
           </a:p>
           <a:p>
-            <a:pPr indent="-342900" lvl="0" marL="457200" rtl="0" algn="l">
+            <a:pPr marL="457200" lvl="0" indent="-342900" algn="l" rtl="0">
               <a:spcBef>
                 <a:spcPts val="0"/>
               </a:spcBef>
@@ -7533,6 +7728,36 @@
           </a:ln>
         </p:spPr>
       </p:pic>
+      <p:pic>
+        <p:nvPicPr>
+          <p:cNvPr id="3" name="Picture 2" descr="A diagram of a project&#10;&#10;Description automatically generated with medium confidence">
+            <a:extLst>
+              <a:ext uri="{FF2B5EF4-FFF2-40B4-BE49-F238E27FC236}">
+                <a16:creationId xmlns:a16="http://schemas.microsoft.com/office/drawing/2014/main" id="{B90FAA99-D9C4-B729-60BE-0CFACC9DE2E2}"/>
+              </a:ext>
+            </a:extLst>
+          </p:cNvPr>
+          <p:cNvPicPr>
+            <a:picLocks noChangeAspect="1"/>
+          </p:cNvPicPr>
+          <p:nvPr/>
+        </p:nvPicPr>
+        <p:blipFill>
+          <a:blip r:embed="rId4"/>
+          <a:stretch>
+            <a:fillRect/>
+          </a:stretch>
+        </p:blipFill>
+        <p:spPr>
+          <a:xfrm>
+            <a:off x="2424271" y="0"/>
+            <a:ext cx="6648558" cy="5143500"/>
+          </a:xfrm>
+          <a:prstGeom prst="rect">
+            <a:avLst/>
+          </a:prstGeom>
+        </p:spPr>
+      </p:pic>
     </p:spTree>
   </p:cSld>
   <p:clrMapOvr>
@@ -7542,11 +7767,11 @@
 </file>
 
 <file path=ppt/slides/slide7.xml><?xml version="1.0" encoding="utf-8"?>
-<p:sld xmlns:a="http://schemas.openxmlformats.org/drawingml/2006/main" xmlns:r="http://schemas.openxmlformats.org/officeDocument/2006/relationships" xmlns:mc="http://schemas.openxmlformats.org/markup-compatibility/2006" xmlns:mv="urn:schemas-microsoft-com:mac:vml" xmlns:p="http://schemas.openxmlformats.org/presentationml/2006/main" xmlns:c="http://schemas.openxmlformats.org/drawingml/2006/chart" xmlns:dgm="http://schemas.openxmlformats.org/drawingml/2006/diagram" xmlns:o="urn:schemas-microsoft-com:office:office" xmlns:v="urn:schemas-microsoft-com:vml" xmlns:pvml="urn:schemas-microsoft-com:office:powerpoint" xmlns:com="http://schemas.openxmlformats.org/drawingml/2006/compatibility" xmlns:p14="http://schemas.microsoft.com/office/powerpoint/2010/main" xmlns:p15="http://schemas.microsoft.com/office/powerpoint/2012/main" xmlns:ahyp="http://schemas.microsoft.com/office/drawing/2018/hyperlinkcolor">
+<p:sld xmlns:a="http://schemas.openxmlformats.org/drawingml/2006/main" xmlns:r="http://schemas.openxmlformats.org/officeDocument/2006/relationships" xmlns:p="http://schemas.openxmlformats.org/presentationml/2006/main">
   <p:cSld>
     <p:spTree>
       <p:nvGrpSpPr>
-        <p:cNvPr id="99" name="Shape 99"/>
+        <p:cNvPr id="1" name="Shape 99"/>
         <p:cNvGrpSpPr/>
         <p:nvPr/>
       </p:nvGrpSpPr>
@@ -7561,7 +7786,9 @@
       <p:sp>
         <p:nvSpPr>
           <p:cNvPr id="100" name="Google Shape;100;p19"/>
-          <p:cNvSpPr txBox="1"/>
+          <p:cNvSpPr txBox="1">
+            <a:spLocks noGrp="1"/>
+          </p:cNvSpPr>
           <p:nvPr>
             <p:ph type="title"/>
           </p:nvPr>
@@ -7576,12 +7803,12 @@
           </a:prstGeom>
         </p:spPr>
         <p:txBody>
-          <a:bodyPr anchorCtr="0" anchor="t" bIns="91425" lIns="91425" spcFirstLastPara="1" rIns="91425" wrap="square" tIns="91425">
+          <a:bodyPr spcFirstLastPara="1" wrap="square" lIns="91425" tIns="91425" rIns="91425" bIns="91425" anchor="t" anchorCtr="0">
             <a:normAutofit fontScale="90000"/>
           </a:bodyPr>
           <a:lstStyle/>
           <a:p>
-            <a:pPr indent="0" lvl="0" marL="0" rtl="0" algn="l">
+            <a:pPr marL="0" lvl="0" indent="0" algn="l" rtl="0">
               <a:spcBef>
                 <a:spcPts val="0"/>
               </a:spcBef>
@@ -7601,9 +7828,11 @@
       <p:sp>
         <p:nvSpPr>
           <p:cNvPr id="101" name="Google Shape;101;p19"/>
-          <p:cNvSpPr txBox="1"/>
+          <p:cNvSpPr txBox="1">
+            <a:spLocks noGrp="1"/>
+          </p:cNvSpPr>
           <p:nvPr>
-            <p:ph idx="1" type="body"/>
+            <p:ph type="body" idx="1"/>
           </p:nvPr>
         </p:nvSpPr>
         <p:spPr>
@@ -7616,219 +7845,244 @@
           </a:prstGeom>
         </p:spPr>
         <p:txBody>
-          <a:bodyPr anchorCtr="0" anchor="t" bIns="91425" lIns="91425" spcFirstLastPara="1" rIns="91425" wrap="square" tIns="91425">
-            <a:normAutofit fontScale="92500" lnSpcReduction="20000"/>
+          <a:bodyPr spcFirstLastPara="1" wrap="square" lIns="91425" tIns="91425" rIns="91425" bIns="91425" anchor="t" anchorCtr="0">
+            <a:normAutofit fontScale="85000" lnSpcReduction="20000"/>
           </a:bodyPr>
           <a:lstStyle/>
           <a:p>
-            <a:pPr indent="0" lvl="0" marL="0" rtl="0" algn="l">
+            <a:pPr marL="0" lvl="0" indent="0" algn="l" rtl="0">
               <a:lnSpc>
-                <a:spcPct val="100000"/>
+                <a:spcPct val="120000"/>
               </a:lnSpc>
               <a:spcBef>
-                <a:spcPts val="0"/>
-              </a:spcBef>
-              <a:spcAft>
-                <a:spcPts val="0"/>
+                <a:spcPts val="200"/>
+              </a:spcBef>
+              <a:spcAft>
+                <a:spcPts val="200"/>
               </a:spcAft>
               <a:buNone/>
             </a:pPr>
             <a:r>
-              <a:rPr lang="ru"/>
-              <a:t> 1) Checkout page:</a:t>
+              <a:rPr lang="en-US" dirty="0"/>
+              <a:t>1) Checkout page:</a:t>
             </a:r>
-            <a:endParaRPr/>
           </a:p>
           <a:p>
-            <a:pPr indent="0" lvl="0" marL="0" rtl="0" algn="l">
+            <a:pPr marL="0" lvl="0" indent="0" algn="l" rtl="0">
               <a:lnSpc>
-                <a:spcPct val="100000"/>
+                <a:spcPct val="120000"/>
               </a:lnSpc>
               <a:spcBef>
-                <a:spcPts val="1200"/>
-              </a:spcBef>
-              <a:spcAft>
-                <a:spcPts val="0"/>
+                <a:spcPts val="200"/>
+              </a:spcBef>
+              <a:spcAft>
+                <a:spcPts val="200"/>
               </a:spcAft>
               <a:buNone/>
             </a:pPr>
             <a:r>
-              <a:rPr lang="ru"/>
-              <a:t>     1. You can enter any email =&gt; email divergence. </a:t>
+              <a:rPr lang="en-US" dirty="0"/>
+              <a:t>    1. You can enter any email =&gt; email divergence (pre-population).</a:t>
             </a:r>
-            <a:endParaRPr/>
           </a:p>
           <a:p>
-            <a:pPr indent="0" lvl="0" marL="0" rtl="0" algn="l">
+            <a:pPr marL="0" lvl="0" indent="0" algn="l" rtl="0">
               <a:lnSpc>
-                <a:spcPct val="100000"/>
+                <a:spcPct val="120000"/>
               </a:lnSpc>
               <a:spcBef>
-                <a:spcPts val="1200"/>
-              </a:spcBef>
-              <a:spcAft>
-                <a:spcPts val="0"/>
+                <a:spcPts val="200"/>
+              </a:spcBef>
+              <a:spcAft>
+                <a:spcPts val="200"/>
               </a:spcAft>
               <a:buNone/>
             </a:pPr>
             <a:r>
-              <a:rPr lang="ru"/>
-              <a:t>     2. Backend can generate checkout session with</a:t>
+              <a:rPr lang="en-US" dirty="0"/>
+              <a:t>    2. Backend can generate checkout session with</a:t>
             </a:r>
-            <a:endParaRPr/>
           </a:p>
           <a:p>
-            <a:pPr indent="0" lvl="0" marL="0" rtl="0" algn="l">
+            <a:pPr marL="0" lvl="0" indent="0" algn="l" rtl="0">
               <a:lnSpc>
-                <a:spcPct val="100000"/>
+                <a:spcPct val="120000"/>
               </a:lnSpc>
               <a:spcBef>
-                <a:spcPts val="1200"/>
-              </a:spcBef>
-              <a:spcAft>
-                <a:spcPts val="0"/>
+                <a:spcPts val="200"/>
+              </a:spcBef>
+              <a:spcAft>
+                <a:spcPts val="200"/>
               </a:spcAft>
               <a:buNone/>
             </a:pPr>
             <a:r>
-              <a:rPr lang="ru"/>
-              <a:t>       the email from auth context, so the frontend can pre-populate the form with email. </a:t>
+              <a:rPr lang="en-US" dirty="0"/>
+              <a:t>       the email from auth context, so the frontend can pre-populate the form with email.</a:t>
             </a:r>
-            <a:endParaRPr/>
           </a:p>
           <a:p>
-            <a:pPr indent="0" lvl="0" marL="0" rtl="0" algn="l">
+            <a:pPr marL="0" lvl="0" indent="0" algn="l" rtl="0">
               <a:lnSpc>
-                <a:spcPct val="100000"/>
+                <a:spcPct val="120000"/>
               </a:lnSpc>
               <a:spcBef>
-                <a:spcPts val="1200"/>
-              </a:spcBef>
-              <a:spcAft>
-                <a:spcPts val="0"/>
+                <a:spcPts val="200"/>
+              </a:spcBef>
+              <a:spcAft>
+                <a:spcPts val="200"/>
               </a:spcAft>
               <a:buNone/>
             </a:pPr>
             <a:r>
-              <a:rPr lang="ru"/>
+              <a:rPr lang="en-US" dirty="0"/>
               <a:t>       But if there is "Google pay", there you can choose any google account =&gt; email divergence</a:t>
             </a:r>
-            <a:endParaRPr/>
           </a:p>
           <a:p>
-            <a:pPr indent="0" lvl="0" marL="0" rtl="0" algn="l">
+            <a:pPr marL="0" lvl="0" indent="0" algn="l" rtl="0">
               <a:lnSpc>
-                <a:spcPct val="100000"/>
+                <a:spcPct val="120000"/>
               </a:lnSpc>
               <a:spcBef>
-                <a:spcPts val="1200"/>
-              </a:spcBef>
-              <a:spcAft>
-                <a:spcPts val="0"/>
+                <a:spcPts val="200"/>
+              </a:spcBef>
+              <a:spcAft>
+                <a:spcPts val="200"/>
               </a:spcAft>
               <a:buNone/>
             </a:pPr>
             <a:r>
-              <a:rPr lang="ru"/>
-              <a:t>  2) Portal page:</a:t>
+              <a:rPr lang="en-US" dirty="0"/>
+              <a:t>       (turn off google/apple/link payments)</a:t>
             </a:r>
-            <a:endParaRPr/>
           </a:p>
           <a:p>
-            <a:pPr indent="0" lvl="0" marL="0" rtl="0" algn="l">
+            <a:pPr marL="0" lvl="0" indent="0" algn="l" rtl="0">
               <a:lnSpc>
-                <a:spcPct val="100000"/>
+                <a:spcPct val="120000"/>
               </a:lnSpc>
               <a:spcBef>
-                <a:spcPts val="1200"/>
-              </a:spcBef>
-              <a:spcAft>
-                <a:spcPts val="0"/>
+                <a:spcPts val="200"/>
+              </a:spcBef>
+              <a:spcAft>
+                <a:spcPts val="200"/>
               </a:spcAft>
               <a:buNone/>
             </a:pPr>
             <a:r>
-              <a:rPr lang="ru"/>
-              <a:t>     1. You can enter the email that you possess, but if someone entered your email</a:t>
+              <a:rPr lang="en-US" dirty="0"/>
+              <a:t>2) Portal page:</a:t>
             </a:r>
-            <a:endParaRPr/>
           </a:p>
           <a:p>
-            <a:pPr indent="0" lvl="0" marL="0" rtl="0" algn="l">
+            <a:pPr marL="0" lvl="0" indent="0" algn="l" rtl="0">
               <a:lnSpc>
-                <a:spcPct val="100000"/>
+                <a:spcPct val="120000"/>
               </a:lnSpc>
               <a:spcBef>
-                <a:spcPts val="1200"/>
-              </a:spcBef>
-              <a:spcAft>
-                <a:spcPts val="0"/>
+                <a:spcPts val="200"/>
+              </a:spcBef>
+              <a:spcAft>
+                <a:spcPts val="200"/>
               </a:spcAft>
               <a:buNone/>
             </a:pPr>
             <a:r>
-              <a:rPr lang="ru"/>
-              <a:t>     in checkout session =&gt; they overwrite your subscription(you manage not yours)</a:t>
+              <a:rPr lang="en-US" dirty="0"/>
+              <a:t>    1. You can enter the email that you possess, but if someone entered your email</a:t>
             </a:r>
-            <a:endParaRPr/>
           </a:p>
           <a:p>
-            <a:pPr indent="0" lvl="0" marL="0" rtl="0" algn="l">
+            <a:pPr marL="0" lvl="0" indent="0" algn="l" rtl="0">
               <a:lnSpc>
-                <a:spcPct val="100000"/>
+                <a:spcPct val="120000"/>
               </a:lnSpc>
               <a:spcBef>
-                <a:spcPts val="1200"/>
-              </a:spcBef>
-              <a:spcAft>
-                <a:spcPts val="0"/>
+                <a:spcPts val="200"/>
+              </a:spcBef>
+              <a:spcAft>
+                <a:spcPts val="200"/>
               </a:spcAft>
               <a:buNone/>
             </a:pPr>
             <a:r>
-              <a:rPr lang="ru"/>
-              <a:t>     2. Backend can generate portal session only after checkout</a:t>
+              <a:rPr lang="en-US" dirty="0"/>
+              <a:t>       in checkout session =&gt; they overwrite your subscription (verify email)</a:t>
             </a:r>
-            <a:endParaRPr/>
           </a:p>
           <a:p>
-            <a:pPr indent="0" lvl="0" marL="0" rtl="0" algn="l">
+            <a:pPr marL="0" lvl="0" indent="0" algn="l" rtl="0">
               <a:lnSpc>
-                <a:spcPct val="100000"/>
+                <a:spcPct val="120000"/>
               </a:lnSpc>
               <a:spcBef>
-                <a:spcPts val="1200"/>
-              </a:spcBef>
-              <a:spcAft>
-                <a:spcPts val="0"/>
-              </a:spcAft>
-              <a:buClr>
-                <a:schemeClr val="dk1"/>
-              </a:buClr>
-              <a:buSzPct val="61111"/>
-              <a:buFont typeface="Arial"/>
+                <a:spcPts val="200"/>
+              </a:spcBef>
+              <a:spcAft>
+                <a:spcPts val="200"/>
+              </a:spcAft>
               <a:buNone/>
             </a:pPr>
             <a:r>
-              <a:rPr lang="ru"/>
-              <a:t>     redirection =&gt; only after checkout</a:t>
+              <a:rPr lang="en-US" dirty="0"/>
+              <a:t>    2. Backend can generate portal session only after checkout</a:t>
             </a:r>
-            <a:endParaRPr/>
           </a:p>
           <a:p>
-            <a:pPr indent="0" lvl="0" marL="0" rtl="0" algn="l">
-              <a:spcBef>
-                <a:spcPts val="1200"/>
-              </a:spcBef>
-              <a:spcAft>
-                <a:spcPts val="1200"/>
+            <a:pPr marL="0" lvl="0" indent="0" algn="l" rtl="0">
+              <a:lnSpc>
+                <a:spcPct val="120000"/>
+              </a:lnSpc>
+              <a:spcBef>
+                <a:spcPts val="200"/>
+              </a:spcBef>
+              <a:spcAft>
+                <a:spcPts val="200"/>
               </a:spcAft>
               <a:buNone/>
             </a:pPr>
             <a:r>
-              <a:t/>
+              <a:rPr lang="en-US" dirty="0"/>
+              <a:t>       redirection =&gt; only after checkout (verify email)</a:t>
             </a:r>
-            <a:endParaRPr/>
+          </a:p>
+          <a:p>
+            <a:pPr marL="0" lvl="0" indent="0" algn="l" rtl="0">
+              <a:lnSpc>
+                <a:spcPct val="120000"/>
+              </a:lnSpc>
+              <a:spcBef>
+                <a:spcPts val="200"/>
+              </a:spcBef>
+              <a:spcAft>
+                <a:spcPts val="200"/>
+              </a:spcAft>
+              <a:buNone/>
+            </a:pPr>
+            <a:r>
+              <a:rPr lang="en-US" dirty="0"/>
+              <a:t>   3. If email doesn't belongs to you =&gt; can't enter portal page, cancel only</a:t>
+            </a:r>
+          </a:p>
+          <a:p>
+            <a:pPr marL="0" lvl="0" indent="0" algn="l" rtl="0">
+              <a:lnSpc>
+                <a:spcPct val="120000"/>
+              </a:lnSpc>
+              <a:spcBef>
+                <a:spcPts val="200"/>
+              </a:spcBef>
+              <a:spcAft>
+                <a:spcPts val="200"/>
+              </a:spcAft>
+              <a:buNone/>
+            </a:pPr>
+            <a:r>
+              <a:rPr lang="en-US" dirty="0"/>
+              <a:t>   via bank (verify email)</a:t>
+            </a:r>
+            <a:endParaRPr dirty="0"/>
           </a:p>
         </p:txBody>
       </p:sp>
@@ -7841,11 +8095,11 @@
 </file>
 
 <file path=ppt/slides/slide8.xml><?xml version="1.0" encoding="utf-8"?>
-<p:sld xmlns:a="http://schemas.openxmlformats.org/drawingml/2006/main" xmlns:r="http://schemas.openxmlformats.org/officeDocument/2006/relationships" xmlns:mc="http://schemas.openxmlformats.org/markup-compatibility/2006" xmlns:mv="urn:schemas-microsoft-com:mac:vml" xmlns:p="http://schemas.openxmlformats.org/presentationml/2006/main" xmlns:c="http://schemas.openxmlformats.org/drawingml/2006/chart" xmlns:dgm="http://schemas.openxmlformats.org/drawingml/2006/diagram" xmlns:o="urn:schemas-microsoft-com:office:office" xmlns:v="urn:schemas-microsoft-com:vml" xmlns:pvml="urn:schemas-microsoft-com:office:powerpoint" xmlns:com="http://schemas.openxmlformats.org/drawingml/2006/compatibility" xmlns:p14="http://schemas.microsoft.com/office/powerpoint/2010/main" xmlns:p15="http://schemas.microsoft.com/office/powerpoint/2012/main" xmlns:ahyp="http://schemas.microsoft.com/office/drawing/2018/hyperlinkcolor">
+<p:sld xmlns:a="http://schemas.openxmlformats.org/drawingml/2006/main" xmlns:r="http://schemas.openxmlformats.org/officeDocument/2006/relationships" xmlns:p="http://schemas.openxmlformats.org/presentationml/2006/main">
   <p:cSld>
     <p:spTree>
       <p:nvGrpSpPr>
-        <p:cNvPr id="105" name="Shape 105"/>
+        <p:cNvPr id="1" name="Shape 105"/>
         <p:cNvGrpSpPr/>
         <p:nvPr/>
       </p:nvGrpSpPr>
@@ -7860,7 +8114,9 @@
       <p:sp>
         <p:nvSpPr>
           <p:cNvPr id="106" name="Google Shape;106;p20"/>
-          <p:cNvSpPr txBox="1"/>
+          <p:cNvSpPr txBox="1">
+            <a:spLocks noGrp="1"/>
+          </p:cNvSpPr>
           <p:nvPr>
             <p:ph type="title"/>
           </p:nvPr>
@@ -7875,12 +8131,12 @@
           </a:prstGeom>
         </p:spPr>
         <p:txBody>
-          <a:bodyPr anchorCtr="0" anchor="t" bIns="91425" lIns="91425" spcFirstLastPara="1" rIns="91425" wrap="square" tIns="91425">
+          <a:bodyPr spcFirstLastPara="1" wrap="square" lIns="91425" tIns="91425" rIns="91425" bIns="91425" anchor="t" anchorCtr="0">
             <a:normAutofit fontScale="90000"/>
           </a:bodyPr>
           <a:lstStyle/>
           <a:p>
-            <a:pPr indent="0" lvl="0" marL="0" rtl="0" algn="l">
+            <a:pPr marL="0" lvl="0" indent="0" algn="l" rtl="0">
               <a:spcBef>
                 <a:spcPts val="0"/>
               </a:spcBef>
@@ -7900,9 +8156,11 @@
       <p:sp>
         <p:nvSpPr>
           <p:cNvPr id="107" name="Google Shape;107;p20"/>
-          <p:cNvSpPr txBox="1"/>
+          <p:cNvSpPr txBox="1">
+            <a:spLocks noGrp="1"/>
+          </p:cNvSpPr>
           <p:nvPr>
-            <p:ph idx="1" type="body"/>
+            <p:ph type="body" idx="1"/>
           </p:nvPr>
         </p:nvSpPr>
         <p:spPr>
@@ -7915,12 +8173,12 @@
           </a:prstGeom>
         </p:spPr>
         <p:txBody>
-          <a:bodyPr anchorCtr="0" anchor="t" bIns="91425" lIns="91425" spcFirstLastPara="1" rIns="91425" wrap="square" tIns="91425">
+          <a:bodyPr spcFirstLastPara="1" wrap="square" lIns="91425" tIns="91425" rIns="91425" bIns="91425" anchor="t" anchorCtr="0">
             <a:normAutofit/>
           </a:bodyPr>
           <a:lstStyle/>
           <a:p>
-            <a:pPr indent="0" lvl="0" marL="0" rtl="0" algn="l">
+            <a:pPr marL="0" lvl="0" indent="0" algn="l" rtl="0">
               <a:spcBef>
                 <a:spcPts val="0"/>
               </a:spcBef>
@@ -7929,9 +8187,6 @@
               </a:spcAft>
               <a:buNone/>
             </a:pPr>
-            <a:r>
-              <a:t/>
-            </a:r>
             <a:endParaRPr/>
           </a:p>
         </p:txBody>
@@ -7973,11 +8228,11 @@
 </file>
 
 <file path=ppt/slides/slide9.xml><?xml version="1.0" encoding="utf-8"?>
-<p:sld xmlns:a="http://schemas.openxmlformats.org/drawingml/2006/main" xmlns:r="http://schemas.openxmlformats.org/officeDocument/2006/relationships" xmlns:mc="http://schemas.openxmlformats.org/markup-compatibility/2006" xmlns:mv="urn:schemas-microsoft-com:mac:vml" xmlns:p="http://schemas.openxmlformats.org/presentationml/2006/main" xmlns:c="http://schemas.openxmlformats.org/drawingml/2006/chart" xmlns:dgm="http://schemas.openxmlformats.org/drawingml/2006/diagram" xmlns:o="urn:schemas-microsoft-com:office:office" xmlns:v="urn:schemas-microsoft-com:vml" xmlns:pvml="urn:schemas-microsoft-com:office:powerpoint" xmlns:com="http://schemas.openxmlformats.org/drawingml/2006/compatibility" xmlns:p14="http://schemas.microsoft.com/office/powerpoint/2010/main" xmlns:p15="http://schemas.microsoft.com/office/powerpoint/2012/main" xmlns:ahyp="http://schemas.microsoft.com/office/drawing/2018/hyperlinkcolor">
+<p:sld xmlns:a="http://schemas.openxmlformats.org/drawingml/2006/main" xmlns:r="http://schemas.openxmlformats.org/officeDocument/2006/relationships" xmlns:p="http://schemas.openxmlformats.org/presentationml/2006/main">
   <p:cSld>
     <p:spTree>
       <p:nvGrpSpPr>
-        <p:cNvPr id="112" name="Shape 112"/>
+        <p:cNvPr id="1" name="Shape 112"/>
         <p:cNvGrpSpPr/>
         <p:nvPr/>
       </p:nvGrpSpPr>
@@ -7992,7 +8247,9 @@
       <p:sp>
         <p:nvSpPr>
           <p:cNvPr id="113" name="Google Shape;113;p21"/>
-          <p:cNvSpPr txBox="1"/>
+          <p:cNvSpPr txBox="1">
+            <a:spLocks noGrp="1"/>
+          </p:cNvSpPr>
           <p:nvPr>
             <p:ph type="title"/>
           </p:nvPr>
@@ -8007,12 +8264,12 @@
           </a:prstGeom>
         </p:spPr>
         <p:txBody>
-          <a:bodyPr anchorCtr="0" anchor="t" bIns="91425" lIns="91425" spcFirstLastPara="1" rIns="91425" wrap="square" tIns="91425">
+          <a:bodyPr spcFirstLastPara="1" wrap="square" lIns="91425" tIns="91425" rIns="91425" bIns="91425" anchor="t" anchorCtr="0">
             <a:normAutofit fontScale="90000"/>
           </a:bodyPr>
           <a:lstStyle/>
           <a:p>
-            <a:pPr indent="0" lvl="0" marL="0" rtl="0" algn="l">
+            <a:pPr marL="0" lvl="0" indent="0" algn="l" rtl="0">
               <a:spcBef>
                 <a:spcPts val="0"/>
               </a:spcBef>
@@ -8032,9 +8289,11 @@
       <p:sp>
         <p:nvSpPr>
           <p:cNvPr id="114" name="Google Shape;114;p21"/>
-          <p:cNvSpPr txBox="1"/>
+          <p:cNvSpPr txBox="1">
+            <a:spLocks noGrp="1"/>
+          </p:cNvSpPr>
           <p:nvPr>
-            <p:ph idx="1" type="body"/>
+            <p:ph type="body" idx="1"/>
           </p:nvPr>
         </p:nvSpPr>
         <p:spPr>
@@ -8047,12 +8306,12 @@
           </a:prstGeom>
         </p:spPr>
         <p:txBody>
-          <a:bodyPr anchorCtr="0" anchor="t" bIns="91425" lIns="91425" spcFirstLastPara="1" rIns="91425" wrap="square" tIns="91425">
+          <a:bodyPr spcFirstLastPara="1" wrap="square" lIns="91425" tIns="91425" rIns="91425" bIns="91425" anchor="t" anchorCtr="0">
             <a:normAutofit/>
           </a:bodyPr>
           <a:lstStyle/>
           <a:p>
-            <a:pPr indent="0" lvl="0" marL="0" rtl="0" algn="l">
+            <a:pPr marL="0" lvl="0" indent="0" algn="l" rtl="0">
               <a:spcBef>
                 <a:spcPts val="0"/>
               </a:spcBef>
@@ -8073,7 +8332,7 @@
             <a:endParaRPr/>
           </a:p>
           <a:p>
-            <a:pPr indent="0" lvl="0" marL="0" rtl="0" algn="l">
+            <a:pPr marL="0" lvl="0" indent="0" algn="l" rtl="0">
               <a:spcBef>
                 <a:spcPts val="1200"/>
               </a:spcBef>
@@ -8089,7 +8348,7 @@
             <a:endParaRPr/>
           </a:p>
           <a:p>
-            <a:pPr indent="0" lvl="0" marL="0" rtl="0" algn="l">
+            <a:pPr marL="0" lvl="0" indent="0" algn="l" rtl="0">
               <a:spcBef>
                 <a:spcPts val="1200"/>
               </a:spcBef>
@@ -8098,9 +8357,6 @@
               </a:spcAft>
               <a:buNone/>
             </a:pPr>
-            <a:r>
-              <a:t/>
-            </a:r>
             <a:endParaRPr/>
           </a:p>
         </p:txBody>
@@ -8114,7 +8370,288 @@
 </file>
 
 <file path=ppt/theme/theme1.xml><?xml version="1.0" encoding="utf-8"?>
-<a:theme xmlns:a="http://schemas.openxmlformats.org/drawingml/2006/main" xmlns:r="http://schemas.openxmlformats.org/officeDocument/2006/relationships">
+<a:theme xmlns:a="http://schemas.openxmlformats.org/drawingml/2006/main" name="Simple Light">
+  <a:themeElements>
+    <a:clrScheme name="Simple Light">
+      <a:dk1>
+        <a:srgbClr val="000000"/>
+      </a:dk1>
+      <a:lt1>
+        <a:srgbClr val="FFFFFF"/>
+      </a:lt1>
+      <a:dk2>
+        <a:srgbClr val="595959"/>
+      </a:dk2>
+      <a:lt2>
+        <a:srgbClr val="EEEEEE"/>
+      </a:lt2>
+      <a:accent1>
+        <a:srgbClr val="4285F4"/>
+      </a:accent1>
+      <a:accent2>
+        <a:srgbClr val="212121"/>
+      </a:accent2>
+      <a:accent3>
+        <a:srgbClr val="78909C"/>
+      </a:accent3>
+      <a:accent4>
+        <a:srgbClr val="FFAB40"/>
+      </a:accent4>
+      <a:accent5>
+        <a:srgbClr val="0097A7"/>
+      </a:accent5>
+      <a:accent6>
+        <a:srgbClr val="EEFF41"/>
+      </a:accent6>
+      <a:hlink>
+        <a:srgbClr val="0097A7"/>
+      </a:hlink>
+      <a:folHlink>
+        <a:srgbClr val="0097A7"/>
+      </a:folHlink>
+    </a:clrScheme>
+    <a:fontScheme name="Office">
+      <a:majorFont>
+        <a:latin typeface="Arial"/>
+        <a:ea typeface=""/>
+        <a:cs typeface=""/>
+        <a:font script="Jpan" typeface="ＭＳ Ｐゴシック"/>
+        <a:font script="Hang" typeface="맑은 고딕"/>
+        <a:font script="Hans" typeface="宋体"/>
+        <a:font script="Hant" typeface="新細明體"/>
+        <a:font script="Arab" typeface="Times New Roman"/>
+        <a:font script="Hebr" typeface="Times New Roman"/>
+        <a:font script="Thai" typeface="Angsana New"/>
+        <a:font script="Ethi" typeface="Nyala"/>
+        <a:font script="Beng" typeface="Vrinda"/>
+        <a:font script="Gujr" typeface="Shruti"/>
+        <a:font script="Khmr" typeface="MoolBoran"/>
+        <a:font script="Knda" typeface="Tunga"/>
+        <a:font script="Guru" typeface="Raavi"/>
+        <a:font script="Cans" typeface="Euphemia"/>
+        <a:font script="Cher" typeface="Plantagenet Cherokee"/>
+        <a:font script="Yiii" typeface="Microsoft Yi Baiti"/>
+        <a:font script="Tibt" typeface="Microsoft Himalaya"/>
+        <a:font script="Thaa" typeface="MV Boli"/>
+        <a:font script="Deva" typeface="Mangal"/>
+        <a:font script="Telu" typeface="Gautami"/>
+        <a:font script="Taml" typeface="Latha"/>
+        <a:font script="Syrc" typeface="Estrangelo Edessa"/>
+        <a:font script="Orya" typeface="Kalinga"/>
+        <a:font script="Mlym" typeface="Kartika"/>
+        <a:font script="Laoo" typeface="DokChampa"/>
+        <a:font script="Sinh" typeface="Iskoola Pota"/>
+        <a:font script="Mong" typeface="Mongolian Baiti"/>
+        <a:font script="Viet" typeface="Times New Roman"/>
+        <a:font script="Uigh" typeface="Microsoft Uighur"/>
+        <a:font script="Geor" typeface="Sylfaen"/>
+      </a:majorFont>
+      <a:minorFont>
+        <a:latin typeface="Arial"/>
+        <a:ea typeface=""/>
+        <a:cs typeface=""/>
+        <a:font script="Jpan" typeface="ＭＳ Ｐゴシック"/>
+        <a:font script="Hang" typeface="맑은 고딕"/>
+        <a:font script="Hans" typeface="宋体"/>
+        <a:font script="Hant" typeface="新細明體"/>
+        <a:font script="Arab" typeface="Arial"/>
+        <a:font script="Hebr" typeface="Arial"/>
+        <a:font script="Thai" typeface="Cordia New"/>
+        <a:font script="Ethi" typeface="Nyala"/>
+        <a:font script="Beng" typeface="Vrinda"/>
+        <a:font script="Gujr" typeface="Shruti"/>
+        <a:font script="Khmr" typeface="DaunPenh"/>
+        <a:font script="Knda" typeface="Tunga"/>
+        <a:font script="Guru" typeface="Raavi"/>
+        <a:font script="Cans" typeface="Euphemia"/>
+        <a:font script="Cher" typeface="Plantagenet Cherokee"/>
+        <a:font script="Yiii" typeface="Microsoft Yi Baiti"/>
+        <a:font script="Tibt" typeface="Microsoft Himalaya"/>
+        <a:font script="Thaa" typeface="MV Boli"/>
+        <a:font script="Deva" typeface="Mangal"/>
+        <a:font script="Telu" typeface="Gautami"/>
+        <a:font script="Taml" typeface="Latha"/>
+        <a:font script="Syrc" typeface="Estrangelo Edessa"/>
+        <a:font script="Orya" typeface="Kalinga"/>
+        <a:font script="Mlym" typeface="Kartika"/>
+        <a:font script="Laoo" typeface="DokChampa"/>
+        <a:font script="Sinh" typeface="Iskoola Pota"/>
+        <a:font script="Mong" typeface="Mongolian Baiti"/>
+        <a:font script="Viet" typeface="Arial"/>
+        <a:font script="Uigh" typeface="Microsoft Uighur"/>
+        <a:font script="Geor" typeface="Sylfaen"/>
+      </a:minorFont>
+    </a:fontScheme>
+    <a:fmtScheme name="Office">
+      <a:fillStyleLst>
+        <a:solidFill>
+          <a:schemeClr val="phClr"/>
+        </a:solidFill>
+        <a:gradFill rotWithShape="1">
+          <a:gsLst>
+            <a:gs pos="0">
+              <a:schemeClr val="phClr">
+                <a:tint val="50000"/>
+                <a:satMod val="300000"/>
+              </a:schemeClr>
+            </a:gs>
+            <a:gs pos="35000">
+              <a:schemeClr val="phClr">
+                <a:tint val="37000"/>
+                <a:satMod val="300000"/>
+              </a:schemeClr>
+            </a:gs>
+            <a:gs pos="100000">
+              <a:schemeClr val="phClr">
+                <a:tint val="15000"/>
+                <a:satMod val="350000"/>
+              </a:schemeClr>
+            </a:gs>
+          </a:gsLst>
+          <a:lin ang="16200000" scaled="1"/>
+        </a:gradFill>
+        <a:gradFill rotWithShape="1">
+          <a:gsLst>
+            <a:gs pos="0">
+              <a:schemeClr val="phClr">
+                <a:tint val="100000"/>
+                <a:shade val="100000"/>
+                <a:satMod val="130000"/>
+              </a:schemeClr>
+            </a:gs>
+            <a:gs pos="100000">
+              <a:schemeClr val="phClr">
+                <a:tint val="50000"/>
+                <a:shade val="100000"/>
+                <a:satMod val="350000"/>
+              </a:schemeClr>
+            </a:gs>
+          </a:gsLst>
+          <a:lin ang="16200000" scaled="0"/>
+        </a:gradFill>
+      </a:fillStyleLst>
+      <a:lnStyleLst>
+        <a:ln w="9525" cap="flat" cmpd="sng" algn="ctr">
+          <a:solidFill>
+            <a:schemeClr val="phClr">
+              <a:shade val="95000"/>
+              <a:satMod val="105000"/>
+            </a:schemeClr>
+          </a:solidFill>
+          <a:prstDash val="solid"/>
+        </a:ln>
+        <a:ln w="25400" cap="flat" cmpd="sng" algn="ctr">
+          <a:solidFill>
+            <a:schemeClr val="phClr"/>
+          </a:solidFill>
+          <a:prstDash val="solid"/>
+        </a:ln>
+        <a:ln w="38100" cap="flat" cmpd="sng" algn="ctr">
+          <a:solidFill>
+            <a:schemeClr val="phClr"/>
+          </a:solidFill>
+          <a:prstDash val="solid"/>
+        </a:ln>
+      </a:lnStyleLst>
+      <a:effectStyleLst>
+        <a:effectStyle>
+          <a:effectLst>
+            <a:outerShdw blurRad="40000" dist="20000" dir="5400000" rotWithShape="0">
+              <a:srgbClr val="000000">
+                <a:alpha val="38000"/>
+              </a:srgbClr>
+            </a:outerShdw>
+          </a:effectLst>
+        </a:effectStyle>
+        <a:effectStyle>
+          <a:effectLst>
+            <a:outerShdw blurRad="40000" dist="23000" dir="5400000" rotWithShape="0">
+              <a:srgbClr val="000000">
+                <a:alpha val="35000"/>
+              </a:srgbClr>
+            </a:outerShdw>
+          </a:effectLst>
+        </a:effectStyle>
+        <a:effectStyle>
+          <a:effectLst>
+            <a:outerShdw blurRad="40000" dist="23000" dir="5400000" rotWithShape="0">
+              <a:srgbClr val="000000">
+                <a:alpha val="35000"/>
+              </a:srgbClr>
+            </a:outerShdw>
+          </a:effectLst>
+          <a:scene3d>
+            <a:camera prst="orthographicFront">
+              <a:rot lat="0" lon="0" rev="0"/>
+            </a:camera>
+            <a:lightRig rig="threePt" dir="t">
+              <a:rot lat="0" lon="0" rev="1200000"/>
+            </a:lightRig>
+          </a:scene3d>
+          <a:sp3d>
+            <a:bevelT w="63500" h="25400"/>
+          </a:sp3d>
+        </a:effectStyle>
+      </a:effectStyleLst>
+      <a:bgFillStyleLst>
+        <a:solidFill>
+          <a:schemeClr val="phClr"/>
+        </a:solidFill>
+        <a:gradFill rotWithShape="1">
+          <a:gsLst>
+            <a:gs pos="0">
+              <a:schemeClr val="phClr">
+                <a:tint val="40000"/>
+                <a:satMod val="350000"/>
+              </a:schemeClr>
+            </a:gs>
+            <a:gs pos="40000">
+              <a:schemeClr val="phClr">
+                <a:tint val="45000"/>
+                <a:shade val="99000"/>
+                <a:satMod val="350000"/>
+              </a:schemeClr>
+            </a:gs>
+            <a:gs pos="100000">
+              <a:schemeClr val="phClr">
+                <a:shade val="20000"/>
+                <a:satMod val="255000"/>
+              </a:schemeClr>
+            </a:gs>
+          </a:gsLst>
+          <a:path path="circle">
+            <a:fillToRect l="50000" t="-80000" r="50000" b="180000"/>
+          </a:path>
+        </a:gradFill>
+        <a:gradFill rotWithShape="1">
+          <a:gsLst>
+            <a:gs pos="0">
+              <a:schemeClr val="phClr">
+                <a:tint val="80000"/>
+                <a:satMod val="300000"/>
+              </a:schemeClr>
+            </a:gs>
+            <a:gs pos="100000">
+              <a:schemeClr val="phClr">
+                <a:shade val="30000"/>
+                <a:satMod val="200000"/>
+              </a:schemeClr>
+            </a:gs>
+          </a:gsLst>
+          <a:path path="circle">
+            <a:fillToRect l="50000" t="50000" r="50000" b="50000"/>
+          </a:path>
+        </a:gradFill>
+      </a:bgFillStyleLst>
+    </a:fmtScheme>
+  </a:themeElements>
+  <a:objectDefaults/>
+  <a:extraClrSchemeLst/>
+</a:theme>
+</file>
+
+<file path=ppt/theme/theme2.xml><?xml version="1.0" encoding="utf-8"?>
+<a:theme xmlns:a="http://schemas.openxmlformats.org/drawingml/2006/main">
   <a:themeElements>
     <a:clrScheme name="Default">
       <a:dk1>
@@ -8389,284 +8926,7 @@
       </a:bgFillStyleLst>
     </a:fmtScheme>
   </a:themeElements>
-</a:theme>
-</file>
-
-<file path=ppt/theme/theme2.xml><?xml version="1.0" encoding="utf-8"?>
-<a:theme xmlns:a="http://schemas.openxmlformats.org/drawingml/2006/main" xmlns:r="http://schemas.openxmlformats.org/officeDocument/2006/relationships" name="Simple Light">
-  <a:themeElements>
-    <a:clrScheme name="Simple Light">
-      <a:dk1>
-        <a:srgbClr val="000000"/>
-      </a:dk1>
-      <a:lt1>
-        <a:srgbClr val="FFFFFF"/>
-      </a:lt1>
-      <a:dk2>
-        <a:srgbClr val="595959"/>
-      </a:dk2>
-      <a:lt2>
-        <a:srgbClr val="EEEEEE"/>
-      </a:lt2>
-      <a:accent1>
-        <a:srgbClr val="4285F4"/>
-      </a:accent1>
-      <a:accent2>
-        <a:srgbClr val="212121"/>
-      </a:accent2>
-      <a:accent3>
-        <a:srgbClr val="78909C"/>
-      </a:accent3>
-      <a:accent4>
-        <a:srgbClr val="FFAB40"/>
-      </a:accent4>
-      <a:accent5>
-        <a:srgbClr val="0097A7"/>
-      </a:accent5>
-      <a:accent6>
-        <a:srgbClr val="EEFF41"/>
-      </a:accent6>
-      <a:hlink>
-        <a:srgbClr val="0097A7"/>
-      </a:hlink>
-      <a:folHlink>
-        <a:srgbClr val="0097A7"/>
-      </a:folHlink>
-    </a:clrScheme>
-    <a:fontScheme name="Office">
-      <a:majorFont>
-        <a:latin typeface="Arial"/>
-        <a:ea typeface=""/>
-        <a:cs typeface=""/>
-        <a:font script="Jpan" typeface="ＭＳ Ｐゴシック"/>
-        <a:font script="Hang" typeface="맑은 고딕"/>
-        <a:font script="Hans" typeface="宋体"/>
-        <a:font script="Hant" typeface="新細明體"/>
-        <a:font script="Arab" typeface="Times New Roman"/>
-        <a:font script="Hebr" typeface="Times New Roman"/>
-        <a:font script="Thai" typeface="Angsana New"/>
-        <a:font script="Ethi" typeface="Nyala"/>
-        <a:font script="Beng" typeface="Vrinda"/>
-        <a:font script="Gujr" typeface="Shruti"/>
-        <a:font script="Khmr" typeface="MoolBoran"/>
-        <a:font script="Knda" typeface="Tunga"/>
-        <a:font script="Guru" typeface="Raavi"/>
-        <a:font script="Cans" typeface="Euphemia"/>
-        <a:font script="Cher" typeface="Plantagenet Cherokee"/>
-        <a:font script="Yiii" typeface="Microsoft Yi Baiti"/>
-        <a:font script="Tibt" typeface="Microsoft Himalaya"/>
-        <a:font script="Thaa" typeface="MV Boli"/>
-        <a:font script="Deva" typeface="Mangal"/>
-        <a:font script="Telu" typeface="Gautami"/>
-        <a:font script="Taml" typeface="Latha"/>
-        <a:font script="Syrc" typeface="Estrangelo Edessa"/>
-        <a:font script="Orya" typeface="Kalinga"/>
-        <a:font script="Mlym" typeface="Kartika"/>
-        <a:font script="Laoo" typeface="DokChampa"/>
-        <a:font script="Sinh" typeface="Iskoola Pota"/>
-        <a:font script="Mong" typeface="Mongolian Baiti"/>
-        <a:font script="Viet" typeface="Times New Roman"/>
-        <a:font script="Uigh" typeface="Microsoft Uighur"/>
-        <a:font script="Geor" typeface="Sylfaen"/>
-      </a:majorFont>
-      <a:minorFont>
-        <a:latin typeface="Arial"/>
-        <a:ea typeface=""/>
-        <a:cs typeface=""/>
-        <a:font script="Jpan" typeface="ＭＳ Ｐゴシック"/>
-        <a:font script="Hang" typeface="맑은 고딕"/>
-        <a:font script="Hans" typeface="宋体"/>
-        <a:font script="Hant" typeface="新細明體"/>
-        <a:font script="Arab" typeface="Arial"/>
-        <a:font script="Hebr" typeface="Arial"/>
-        <a:font script="Thai" typeface="Cordia New"/>
-        <a:font script="Ethi" typeface="Nyala"/>
-        <a:font script="Beng" typeface="Vrinda"/>
-        <a:font script="Gujr" typeface="Shruti"/>
-        <a:font script="Khmr" typeface="DaunPenh"/>
-        <a:font script="Knda" typeface="Tunga"/>
-        <a:font script="Guru" typeface="Raavi"/>
-        <a:font script="Cans" typeface="Euphemia"/>
-        <a:font script="Cher" typeface="Plantagenet Cherokee"/>
-        <a:font script="Yiii" typeface="Microsoft Yi Baiti"/>
-        <a:font script="Tibt" typeface="Microsoft Himalaya"/>
-        <a:font script="Thaa" typeface="MV Boli"/>
-        <a:font script="Deva" typeface="Mangal"/>
-        <a:font script="Telu" typeface="Gautami"/>
-        <a:font script="Taml" typeface="Latha"/>
-        <a:font script="Syrc" typeface="Estrangelo Edessa"/>
-        <a:font script="Orya" typeface="Kalinga"/>
-        <a:font script="Mlym" typeface="Kartika"/>
-        <a:font script="Laoo" typeface="DokChampa"/>
-        <a:font script="Sinh" typeface="Iskoola Pota"/>
-        <a:font script="Mong" typeface="Mongolian Baiti"/>
-        <a:font script="Viet" typeface="Arial"/>
-        <a:font script="Uigh" typeface="Microsoft Uighur"/>
-        <a:font script="Geor" typeface="Sylfaen"/>
-      </a:minorFont>
-    </a:fontScheme>
-    <a:fmtScheme name="Office">
-      <a:fillStyleLst>
-        <a:solidFill>
-          <a:schemeClr val="phClr"/>
-        </a:solidFill>
-        <a:gradFill rotWithShape="1">
-          <a:gsLst>
-            <a:gs pos="0">
-              <a:schemeClr val="phClr">
-                <a:tint val="50000"/>
-                <a:satMod val="300000"/>
-              </a:schemeClr>
-            </a:gs>
-            <a:gs pos="35000">
-              <a:schemeClr val="phClr">
-                <a:tint val="37000"/>
-                <a:satMod val="300000"/>
-              </a:schemeClr>
-            </a:gs>
-            <a:gs pos="100000">
-              <a:schemeClr val="phClr">
-                <a:tint val="15000"/>
-                <a:satMod val="350000"/>
-              </a:schemeClr>
-            </a:gs>
-          </a:gsLst>
-          <a:lin ang="16200000" scaled="1"/>
-        </a:gradFill>
-        <a:gradFill rotWithShape="1">
-          <a:gsLst>
-            <a:gs pos="0">
-              <a:schemeClr val="phClr">
-                <a:tint val="100000"/>
-                <a:shade val="100000"/>
-                <a:satMod val="130000"/>
-              </a:schemeClr>
-            </a:gs>
-            <a:gs pos="100000">
-              <a:schemeClr val="phClr">
-                <a:tint val="50000"/>
-                <a:shade val="100000"/>
-                <a:satMod val="350000"/>
-              </a:schemeClr>
-            </a:gs>
-          </a:gsLst>
-          <a:lin ang="16200000" scaled="0"/>
-        </a:gradFill>
-      </a:fillStyleLst>
-      <a:lnStyleLst>
-        <a:ln w="9525" cap="flat" cmpd="sng" algn="ctr">
-          <a:solidFill>
-            <a:schemeClr val="phClr">
-              <a:shade val="95000"/>
-              <a:satMod val="105000"/>
-            </a:schemeClr>
-          </a:solidFill>
-          <a:prstDash val="solid"/>
-        </a:ln>
-        <a:ln w="25400" cap="flat" cmpd="sng" algn="ctr">
-          <a:solidFill>
-            <a:schemeClr val="phClr"/>
-          </a:solidFill>
-          <a:prstDash val="solid"/>
-        </a:ln>
-        <a:ln w="38100" cap="flat" cmpd="sng" algn="ctr">
-          <a:solidFill>
-            <a:schemeClr val="phClr"/>
-          </a:solidFill>
-          <a:prstDash val="solid"/>
-        </a:ln>
-      </a:lnStyleLst>
-      <a:effectStyleLst>
-        <a:effectStyle>
-          <a:effectLst>
-            <a:outerShdw blurRad="40000" dist="20000" dir="5400000" rotWithShape="0">
-              <a:srgbClr val="000000">
-                <a:alpha val="38000"/>
-              </a:srgbClr>
-            </a:outerShdw>
-          </a:effectLst>
-        </a:effectStyle>
-        <a:effectStyle>
-          <a:effectLst>
-            <a:outerShdw blurRad="40000" dist="23000" dir="5400000" rotWithShape="0">
-              <a:srgbClr val="000000">
-                <a:alpha val="35000"/>
-              </a:srgbClr>
-            </a:outerShdw>
-          </a:effectLst>
-        </a:effectStyle>
-        <a:effectStyle>
-          <a:effectLst>
-            <a:outerShdw blurRad="40000" dist="23000" dir="5400000" rotWithShape="0">
-              <a:srgbClr val="000000">
-                <a:alpha val="35000"/>
-              </a:srgbClr>
-            </a:outerShdw>
-          </a:effectLst>
-          <a:scene3d>
-            <a:camera prst="orthographicFront">
-              <a:rot lat="0" lon="0" rev="0"/>
-            </a:camera>
-            <a:lightRig rig="threePt" dir="t">
-              <a:rot lat="0" lon="0" rev="1200000"/>
-            </a:lightRig>
-          </a:scene3d>
-          <a:sp3d>
-            <a:bevelT w="63500" h="25400"/>
-          </a:sp3d>
-        </a:effectStyle>
-      </a:effectStyleLst>
-      <a:bgFillStyleLst>
-        <a:solidFill>
-          <a:schemeClr val="phClr"/>
-        </a:solidFill>
-        <a:gradFill rotWithShape="1">
-          <a:gsLst>
-            <a:gs pos="0">
-              <a:schemeClr val="phClr">
-                <a:tint val="40000"/>
-                <a:satMod val="350000"/>
-              </a:schemeClr>
-            </a:gs>
-            <a:gs pos="40000">
-              <a:schemeClr val="phClr">
-                <a:tint val="45000"/>
-                <a:shade val="99000"/>
-                <a:satMod val="350000"/>
-              </a:schemeClr>
-            </a:gs>
-            <a:gs pos="100000">
-              <a:schemeClr val="phClr">
-                <a:shade val="20000"/>
-                <a:satMod val="255000"/>
-              </a:schemeClr>
-            </a:gs>
-          </a:gsLst>
-          <a:path path="circle">
-            <a:fillToRect l="50000" t="-80000" r="50000" b="180000"/>
-          </a:path>
-        </a:gradFill>
-        <a:gradFill rotWithShape="1">
-          <a:gsLst>
-            <a:gs pos="0">
-              <a:schemeClr val="phClr">
-                <a:tint val="80000"/>
-                <a:satMod val="300000"/>
-              </a:schemeClr>
-            </a:gs>
-            <a:gs pos="100000">
-              <a:schemeClr val="phClr">
-                <a:shade val="30000"/>
-                <a:satMod val="200000"/>
-              </a:schemeClr>
-            </a:gs>
-          </a:gsLst>
-          <a:path path="circle">
-            <a:fillToRect l="50000" t="50000" r="50000" b="50000"/>
-          </a:path>
-        </a:gradFill>
-      </a:bgFillStyleLst>
-    </a:fmtScheme>
-  </a:themeElements>
+  <a:objectDefaults/>
+  <a:extraClrSchemeLst/>
 </a:theme>
 </file>